--- a/lecture/slides/ECE_383_Lec1.pptx
+++ b/lecture/slides/ECE_383_Lec1.pptx
@@ -8,10 +8,10 @@
     <p:sldMasterId id="2147483687" r:id="rId4"/>
   </p:sldMasterIdLst>
   <p:notesMasterIdLst>
-    <p:notesMasterId r:id="rId48"/>
+    <p:notesMasterId r:id="rId47"/>
   </p:notesMasterIdLst>
   <p:handoutMasterIdLst>
-    <p:handoutMasterId r:id="rId49"/>
+    <p:handoutMasterId r:id="rId48"/>
   </p:handoutMasterIdLst>
   <p:sldIdLst>
     <p:sldId id="299" r:id="rId5"/>
@@ -25,38 +25,37 @@
     <p:sldId id="306" r:id="rId13"/>
     <p:sldId id="307" r:id="rId14"/>
     <p:sldId id="298" r:id="rId15"/>
-    <p:sldId id="297" r:id="rId16"/>
-    <p:sldId id="296" r:id="rId17"/>
-    <p:sldId id="310" r:id="rId18"/>
-    <p:sldId id="311" r:id="rId19"/>
-    <p:sldId id="312" r:id="rId20"/>
-    <p:sldId id="313" r:id="rId21"/>
-    <p:sldId id="314" r:id="rId22"/>
-    <p:sldId id="315" r:id="rId23"/>
-    <p:sldId id="316" r:id="rId24"/>
-    <p:sldId id="317" r:id="rId25"/>
-    <p:sldId id="318" r:id="rId26"/>
-    <p:sldId id="319" r:id="rId27"/>
-    <p:sldId id="320" r:id="rId28"/>
-    <p:sldId id="321" r:id="rId29"/>
-    <p:sldId id="322" r:id="rId30"/>
-    <p:sldId id="323" r:id="rId31"/>
-    <p:sldId id="324" r:id="rId32"/>
-    <p:sldId id="325" r:id="rId33"/>
-    <p:sldId id="326" r:id="rId34"/>
-    <p:sldId id="327" r:id="rId35"/>
-    <p:sldId id="334" r:id="rId36"/>
-    <p:sldId id="335" r:id="rId37"/>
-    <p:sldId id="337" r:id="rId38"/>
-    <p:sldId id="329" r:id="rId39"/>
-    <p:sldId id="330" r:id="rId40"/>
-    <p:sldId id="331" r:id="rId41"/>
-    <p:sldId id="332" r:id="rId42"/>
-    <p:sldId id="339" r:id="rId43"/>
-    <p:sldId id="340" r:id="rId44"/>
-    <p:sldId id="341" r:id="rId45"/>
-    <p:sldId id="342" r:id="rId46"/>
-    <p:sldId id="333" r:id="rId47"/>
+    <p:sldId id="296" r:id="rId16"/>
+    <p:sldId id="310" r:id="rId17"/>
+    <p:sldId id="311" r:id="rId18"/>
+    <p:sldId id="312" r:id="rId19"/>
+    <p:sldId id="313" r:id="rId20"/>
+    <p:sldId id="314" r:id="rId21"/>
+    <p:sldId id="315" r:id="rId22"/>
+    <p:sldId id="316" r:id="rId23"/>
+    <p:sldId id="317" r:id="rId24"/>
+    <p:sldId id="318" r:id="rId25"/>
+    <p:sldId id="319" r:id="rId26"/>
+    <p:sldId id="320" r:id="rId27"/>
+    <p:sldId id="321" r:id="rId28"/>
+    <p:sldId id="322" r:id="rId29"/>
+    <p:sldId id="323" r:id="rId30"/>
+    <p:sldId id="324" r:id="rId31"/>
+    <p:sldId id="325" r:id="rId32"/>
+    <p:sldId id="326" r:id="rId33"/>
+    <p:sldId id="327" r:id="rId34"/>
+    <p:sldId id="334" r:id="rId35"/>
+    <p:sldId id="335" r:id="rId36"/>
+    <p:sldId id="337" r:id="rId37"/>
+    <p:sldId id="329" r:id="rId38"/>
+    <p:sldId id="330" r:id="rId39"/>
+    <p:sldId id="331" r:id="rId40"/>
+    <p:sldId id="332" r:id="rId41"/>
+    <p:sldId id="339" r:id="rId42"/>
+    <p:sldId id="340" r:id="rId43"/>
+    <p:sldId id="341" r:id="rId44"/>
+    <p:sldId id="342" r:id="rId45"/>
+    <p:sldId id="333" r:id="rId46"/>
   </p:sldIdLst>
   <p:sldSz cx="9144000" cy="6858000" type="screen4x3"/>
   <p:notesSz cx="6985000" cy="9283700"/>
@@ -8342,271 +8341,6 @@
       <dsp:cNvGrpSpPr/>
     </dsp:nvGrpSpPr>
     <dsp:grpSpPr/>
-    <dsp:sp modelId="{32322579-9460-46AE-8E33-B5AA77C4A41E}">
-      <dsp:nvSpPr>
-        <dsp:cNvPr id="0" name=""/>
-        <dsp:cNvSpPr/>
-      </dsp:nvSpPr>
-      <dsp:spPr>
-        <a:xfrm>
-          <a:off x="0" y="0"/>
-          <a:ext cx="6096000" cy="1216800"/>
-        </a:xfrm>
-        <a:prstGeom prst="roundRect">
-          <a:avLst/>
-        </a:prstGeom>
-        <a:solidFill>
-          <a:schemeClr val="accent2">
-            <a:hueOff val="0"/>
-            <a:satOff val="0"/>
-            <a:lumOff val="0"/>
-            <a:alphaOff val="0"/>
-          </a:schemeClr>
-        </a:solidFill>
-        <a:ln w="25400" cap="flat" cmpd="sng" algn="ctr">
-          <a:solidFill>
-            <a:schemeClr val="lt1">
-              <a:hueOff val="0"/>
-              <a:satOff val="0"/>
-              <a:lumOff val="0"/>
-              <a:alphaOff val="0"/>
-            </a:schemeClr>
-          </a:solidFill>
-          <a:prstDash val="solid"/>
-        </a:ln>
-        <a:effectLst/>
-      </dsp:spPr>
-      <dsp:style>
-        <a:lnRef idx="2">
-          <a:scrgbClr r="0" g="0" b="0"/>
-        </a:lnRef>
-        <a:fillRef idx="1">
-          <a:scrgbClr r="0" g="0" b="0"/>
-        </a:fillRef>
-        <a:effectRef idx="0">
-          <a:scrgbClr r="0" g="0" b="0"/>
-        </a:effectRef>
-        <a:fontRef idx="minor">
-          <a:schemeClr val="lt1"/>
-        </a:fontRef>
-      </dsp:style>
-      <dsp:txBody>
-        <a:bodyPr spcFirstLastPara="0" vert="horz" wrap="square" lIns="106680" tIns="106680" rIns="106680" bIns="106680" numCol="1" spcCol="1270" anchor="ctr" anchorCtr="0">
-          <a:noAutofit/>
-        </a:bodyPr>
-        <a:lstStyle/>
-        <a:p>
-          <a:pPr lvl="0" algn="l" defTabSz="1244600">
-            <a:lnSpc>
-              <a:spcPct val="90000"/>
-            </a:lnSpc>
-            <a:spcBef>
-              <a:spcPct val="0"/>
-            </a:spcBef>
-            <a:spcAft>
-              <a:spcPct val="35000"/>
-            </a:spcAft>
-          </a:pPr>
-          <a:r>
-            <a:rPr lang="en-US" sz="2800" kern="1200" dirty="0" smtClean="0"/>
-            <a:t>General Purpose Hardware</a:t>
-          </a:r>
-        </a:p>
-        <a:p>
-          <a:pPr lvl="0" algn="l" defTabSz="1244600">
-            <a:lnSpc>
-              <a:spcPct val="90000"/>
-            </a:lnSpc>
-            <a:spcBef>
-              <a:spcPct val="0"/>
-            </a:spcBef>
-            <a:spcAft>
-              <a:spcPct val="35000"/>
-            </a:spcAft>
-          </a:pPr>
-          <a:r>
-            <a:rPr lang="en-US" sz="2800" kern="1200" dirty="0" smtClean="0"/>
-            <a:t>Custom Software</a:t>
-          </a:r>
-          <a:endParaRPr lang="en-US" sz="2800" kern="1200" dirty="0"/>
-        </a:p>
-      </dsp:txBody>
-      <dsp:txXfrm>
-        <a:off x="59399" y="59399"/>
-        <a:ext cx="5977202" cy="1098002"/>
-      </dsp:txXfrm>
-    </dsp:sp>
-    <dsp:sp modelId="{3DCFB243-FA17-4FA7-86E3-2F6CD9AA9639}">
-      <dsp:nvSpPr>
-        <dsp:cNvPr id="0" name=""/>
-        <dsp:cNvSpPr/>
-      </dsp:nvSpPr>
-      <dsp:spPr>
-        <a:xfrm>
-          <a:off x="0" y="1423600"/>
-          <a:ext cx="6096000" cy="1216800"/>
-        </a:xfrm>
-        <a:prstGeom prst="roundRect">
-          <a:avLst/>
-        </a:prstGeom>
-        <a:solidFill>
-          <a:schemeClr val="accent2">
-            <a:hueOff val="0"/>
-            <a:satOff val="0"/>
-            <a:lumOff val="0"/>
-            <a:alphaOff val="0"/>
-          </a:schemeClr>
-        </a:solidFill>
-        <a:ln w="25400" cap="flat" cmpd="sng" algn="ctr">
-          <a:solidFill>
-            <a:schemeClr val="lt1">
-              <a:hueOff val="0"/>
-              <a:satOff val="0"/>
-              <a:lumOff val="0"/>
-              <a:alphaOff val="0"/>
-            </a:schemeClr>
-          </a:solidFill>
-          <a:prstDash val="solid"/>
-        </a:ln>
-        <a:effectLst/>
-      </dsp:spPr>
-      <dsp:style>
-        <a:lnRef idx="2">
-          <a:scrgbClr r="0" g="0" b="0"/>
-        </a:lnRef>
-        <a:fillRef idx="1">
-          <a:scrgbClr r="0" g="0" b="0"/>
-        </a:fillRef>
-        <a:effectRef idx="0">
-          <a:scrgbClr r="0" g="0" b="0"/>
-        </a:effectRef>
-        <a:fontRef idx="minor">
-          <a:schemeClr val="lt1"/>
-        </a:fontRef>
-      </dsp:style>
-      <dsp:txBody>
-        <a:bodyPr spcFirstLastPara="0" vert="horz" wrap="square" lIns="106680" tIns="106680" rIns="106680" bIns="106680" numCol="1" spcCol="1270" anchor="ctr" anchorCtr="0">
-          <a:noAutofit/>
-        </a:bodyPr>
-        <a:lstStyle/>
-        <a:p>
-          <a:pPr lvl="0" algn="l" defTabSz="1244600">
-            <a:lnSpc>
-              <a:spcPct val="90000"/>
-            </a:lnSpc>
-            <a:spcBef>
-              <a:spcPct val="0"/>
-            </a:spcBef>
-            <a:spcAft>
-              <a:spcPct val="35000"/>
-            </a:spcAft>
-          </a:pPr>
-          <a:r>
-            <a:rPr lang="en-US" sz="2800" kern="1200" dirty="0" smtClean="0"/>
-            <a:t>Custom Hardware</a:t>
-          </a:r>
-        </a:p>
-        <a:p>
-          <a:pPr lvl="0" algn="l" defTabSz="1244600">
-            <a:lnSpc>
-              <a:spcPct val="90000"/>
-            </a:lnSpc>
-            <a:spcBef>
-              <a:spcPct val="0"/>
-            </a:spcBef>
-            <a:spcAft>
-              <a:spcPct val="35000"/>
-            </a:spcAft>
-          </a:pPr>
-          <a:r>
-            <a:rPr lang="en-US" sz="2800" kern="1200" dirty="0" smtClean="0"/>
-            <a:t>Custom Software</a:t>
-          </a:r>
-          <a:endParaRPr lang="en-US" sz="2800" kern="1200" dirty="0"/>
-        </a:p>
-      </dsp:txBody>
-      <dsp:txXfrm>
-        <a:off x="59399" y="1482999"/>
-        <a:ext cx="5977202" cy="1098002"/>
-      </dsp:txXfrm>
-    </dsp:sp>
-    <dsp:sp modelId="{010CB88C-F251-441E-B6A5-D570AE240BBF}">
-      <dsp:nvSpPr>
-        <dsp:cNvPr id="0" name=""/>
-        <dsp:cNvSpPr/>
-      </dsp:nvSpPr>
-      <dsp:spPr>
-        <a:xfrm>
-          <a:off x="0" y="2827600"/>
-          <a:ext cx="6096000" cy="1216800"/>
-        </a:xfrm>
-        <a:prstGeom prst="roundRect">
-          <a:avLst/>
-        </a:prstGeom>
-        <a:solidFill>
-          <a:schemeClr val="accent2">
-            <a:hueOff val="0"/>
-            <a:satOff val="0"/>
-            <a:lumOff val="0"/>
-            <a:alphaOff val="0"/>
-          </a:schemeClr>
-        </a:solidFill>
-        <a:ln w="25400" cap="flat" cmpd="sng" algn="ctr">
-          <a:solidFill>
-            <a:schemeClr val="lt1">
-              <a:hueOff val="0"/>
-              <a:satOff val="0"/>
-              <a:lumOff val="0"/>
-              <a:alphaOff val="0"/>
-            </a:schemeClr>
-          </a:solidFill>
-          <a:prstDash val="solid"/>
-        </a:ln>
-        <a:effectLst/>
-      </dsp:spPr>
-      <dsp:style>
-        <a:lnRef idx="2">
-          <a:scrgbClr r="0" g="0" b="0"/>
-        </a:lnRef>
-        <a:fillRef idx="1">
-          <a:scrgbClr r="0" g="0" b="0"/>
-        </a:fillRef>
-        <a:effectRef idx="0">
-          <a:scrgbClr r="0" g="0" b="0"/>
-        </a:effectRef>
-        <a:fontRef idx="minor">
-          <a:schemeClr val="lt1"/>
-        </a:fontRef>
-      </dsp:style>
-      <dsp:txBody>
-        <a:bodyPr spcFirstLastPara="0" vert="horz" wrap="square" lIns="106680" tIns="106680" rIns="106680" bIns="106680" numCol="1" spcCol="1270" anchor="ctr" anchorCtr="0">
-          <a:noAutofit/>
-        </a:bodyPr>
-        <a:lstStyle/>
-        <a:p>
-          <a:pPr lvl="0" algn="l" defTabSz="1244600">
-            <a:lnSpc>
-              <a:spcPct val="90000"/>
-            </a:lnSpc>
-            <a:spcBef>
-              <a:spcPct val="0"/>
-            </a:spcBef>
-            <a:spcAft>
-              <a:spcPct val="35000"/>
-            </a:spcAft>
-          </a:pPr>
-          <a:r>
-            <a:rPr lang="en-US" sz="2800" kern="1200" dirty="0" smtClean="0"/>
-            <a:t>Custom Hardware</a:t>
-          </a:r>
-          <a:endParaRPr lang="en-US" sz="2800" kern="1200" dirty="0"/>
-        </a:p>
-      </dsp:txBody>
-      <dsp:txXfrm>
-        <a:off x="59399" y="2886999"/>
-        <a:ext cx="5977202" cy="1098002"/>
-      </dsp:txXfrm>
-    </dsp:sp>
   </dsp:spTree>
 </dsp:drawing>
 </file>
@@ -8619,493 +8353,6 @@
       <dsp:cNvGrpSpPr/>
     </dsp:nvGrpSpPr>
     <dsp:grpSpPr/>
-    <dsp:sp modelId="{78FECA45-8955-476D-8065-815296FD7DE0}">
-      <dsp:nvSpPr>
-        <dsp:cNvPr id="0" name=""/>
-        <dsp:cNvSpPr/>
-      </dsp:nvSpPr>
-      <dsp:spPr>
-        <a:xfrm>
-          <a:off x="4092" y="54272"/>
-          <a:ext cx="1522511" cy="609004"/>
-        </a:xfrm>
-        <a:prstGeom prst="chevron">
-          <a:avLst/>
-        </a:prstGeom>
-        <a:solidFill>
-          <a:schemeClr val="lt1"/>
-        </a:solidFill>
-        <a:ln w="25400" cap="flat" cmpd="sng" algn="ctr">
-          <a:solidFill>
-            <a:schemeClr val="accent6"/>
-          </a:solidFill>
-          <a:prstDash val="solid"/>
-        </a:ln>
-        <a:effectLst/>
-      </dsp:spPr>
-      <dsp:style>
-        <a:lnRef idx="2">
-          <a:schemeClr val="accent6"/>
-        </a:lnRef>
-        <a:fillRef idx="1">
-          <a:schemeClr val="lt1"/>
-        </a:fillRef>
-        <a:effectRef idx="0">
-          <a:schemeClr val="accent6"/>
-        </a:effectRef>
-        <a:fontRef idx="minor">
-          <a:schemeClr val="dk1"/>
-        </a:fontRef>
-      </dsp:style>
-      <dsp:txBody>
-        <a:bodyPr spcFirstLastPara="0" vert="horz" wrap="square" lIns="56007" tIns="18669" rIns="18669" bIns="18669" numCol="1" spcCol="1270" anchor="ctr" anchorCtr="0">
-          <a:noAutofit/>
-        </a:bodyPr>
-        <a:lstStyle/>
-        <a:p>
-          <a:pPr lvl="0" algn="ctr" defTabSz="622300">
-            <a:lnSpc>
-              <a:spcPct val="90000"/>
-            </a:lnSpc>
-            <a:spcBef>
-              <a:spcPct val="0"/>
-            </a:spcBef>
-            <a:spcAft>
-              <a:spcPct val="35000"/>
-            </a:spcAft>
-          </a:pPr>
-          <a:r>
-            <a:rPr lang="en-US" sz="1400" kern="1200" dirty="0" smtClean="0"/>
-            <a:t>Full-Custom</a:t>
-          </a:r>
-          <a:br>
-            <a:rPr lang="en-US" sz="1400" kern="1200" dirty="0" smtClean="0"/>
-          </a:br>
-          <a:r>
-            <a:rPr lang="en-US" sz="1400" kern="1200" dirty="0" smtClean="0"/>
-            <a:t>ASIC</a:t>
-          </a:r>
-          <a:endParaRPr lang="en-US" sz="1400" kern="1200" dirty="0"/>
-        </a:p>
-      </dsp:txBody>
-      <dsp:txXfrm>
-        <a:off x="308594" y="54272"/>
-        <a:ext cx="913507" cy="609004"/>
-      </dsp:txXfrm>
-    </dsp:sp>
-    <dsp:sp modelId="{62544C78-EC42-46A9-8C1C-7B2370E13A5E}">
-      <dsp:nvSpPr>
-        <dsp:cNvPr id="0" name=""/>
-        <dsp:cNvSpPr/>
-      </dsp:nvSpPr>
-      <dsp:spPr>
-        <a:xfrm>
-          <a:off x="1374353" y="54272"/>
-          <a:ext cx="1522511" cy="609004"/>
-        </a:xfrm>
-        <a:prstGeom prst="chevron">
-          <a:avLst/>
-        </a:prstGeom>
-        <a:solidFill>
-          <a:schemeClr val="accent2">
-            <a:hueOff val="0"/>
-            <a:satOff val="0"/>
-            <a:lumOff val="0"/>
-            <a:alphaOff val="0"/>
-          </a:schemeClr>
-        </a:solidFill>
-        <a:ln w="25400" cap="flat" cmpd="sng" algn="ctr">
-          <a:solidFill>
-            <a:schemeClr val="lt1">
-              <a:hueOff val="0"/>
-              <a:satOff val="0"/>
-              <a:lumOff val="0"/>
-              <a:alphaOff val="0"/>
-            </a:schemeClr>
-          </a:solidFill>
-          <a:prstDash val="solid"/>
-        </a:ln>
-        <a:effectLst/>
-      </dsp:spPr>
-      <dsp:style>
-        <a:lnRef idx="2">
-          <a:scrgbClr r="0" g="0" b="0"/>
-        </a:lnRef>
-        <a:fillRef idx="1">
-          <a:scrgbClr r="0" g="0" b="0"/>
-        </a:fillRef>
-        <a:effectRef idx="0">
-          <a:scrgbClr r="0" g="0" b="0"/>
-        </a:effectRef>
-        <a:fontRef idx="minor">
-          <a:schemeClr val="lt1"/>
-        </a:fontRef>
-      </dsp:style>
-      <dsp:txBody>
-        <a:bodyPr spcFirstLastPara="0" vert="horz" wrap="square" lIns="56007" tIns="18669" rIns="18669" bIns="18669" numCol="1" spcCol="1270" anchor="ctr" anchorCtr="0">
-          <a:noAutofit/>
-        </a:bodyPr>
-        <a:lstStyle/>
-        <a:p>
-          <a:pPr lvl="0" algn="ctr" defTabSz="622300">
-            <a:lnSpc>
-              <a:spcPct val="90000"/>
-            </a:lnSpc>
-            <a:spcBef>
-              <a:spcPct val="0"/>
-            </a:spcBef>
-            <a:spcAft>
-              <a:spcPct val="35000"/>
-            </a:spcAft>
-          </a:pPr>
-          <a:r>
-            <a:rPr lang="en-US" sz="1400" kern="1200" dirty="0" smtClean="0"/>
-            <a:t>Standard-Cell</a:t>
-          </a:r>
-          <a:br>
-            <a:rPr lang="en-US" sz="1400" kern="1200" dirty="0" smtClean="0"/>
-          </a:br>
-          <a:r>
-            <a:rPr lang="en-US" sz="1400" kern="1200" dirty="0" smtClean="0"/>
-            <a:t>ASIC</a:t>
-          </a:r>
-          <a:endParaRPr lang="en-US" sz="1400" kern="1200" dirty="0"/>
-        </a:p>
-      </dsp:txBody>
-      <dsp:txXfrm>
-        <a:off x="1678855" y="54272"/>
-        <a:ext cx="913507" cy="609004"/>
-      </dsp:txXfrm>
-    </dsp:sp>
-    <dsp:sp modelId="{FCA272A7-0AA9-4BD3-B02C-44CCB3BE2CE9}">
-      <dsp:nvSpPr>
-        <dsp:cNvPr id="0" name=""/>
-        <dsp:cNvSpPr/>
-      </dsp:nvSpPr>
-      <dsp:spPr>
-        <a:xfrm>
-          <a:off x="2744613" y="54272"/>
-          <a:ext cx="1522511" cy="609004"/>
-        </a:xfrm>
-        <a:prstGeom prst="chevron">
-          <a:avLst/>
-        </a:prstGeom>
-        <a:solidFill>
-          <a:schemeClr val="accent2">
-            <a:hueOff val="0"/>
-            <a:satOff val="0"/>
-            <a:lumOff val="0"/>
-            <a:alphaOff val="0"/>
-          </a:schemeClr>
-        </a:solidFill>
-        <a:ln w="25400" cap="flat" cmpd="sng" algn="ctr">
-          <a:solidFill>
-            <a:schemeClr val="lt1">
-              <a:hueOff val="0"/>
-              <a:satOff val="0"/>
-              <a:lumOff val="0"/>
-              <a:alphaOff val="0"/>
-            </a:schemeClr>
-          </a:solidFill>
-          <a:prstDash val="solid"/>
-        </a:ln>
-        <a:effectLst/>
-      </dsp:spPr>
-      <dsp:style>
-        <a:lnRef idx="2">
-          <a:scrgbClr r="0" g="0" b="0"/>
-        </a:lnRef>
-        <a:fillRef idx="1">
-          <a:scrgbClr r="0" g="0" b="0"/>
-        </a:fillRef>
-        <a:effectRef idx="0">
-          <a:scrgbClr r="0" g="0" b="0"/>
-        </a:effectRef>
-        <a:fontRef idx="minor">
-          <a:schemeClr val="lt1"/>
-        </a:fontRef>
-      </dsp:style>
-      <dsp:txBody>
-        <a:bodyPr spcFirstLastPara="0" vert="horz" wrap="square" lIns="56007" tIns="18669" rIns="18669" bIns="18669" numCol="1" spcCol="1270" anchor="ctr" anchorCtr="0">
-          <a:noAutofit/>
-        </a:bodyPr>
-        <a:lstStyle/>
-        <a:p>
-          <a:pPr lvl="0" algn="ctr" defTabSz="622300">
-            <a:lnSpc>
-              <a:spcPct val="90000"/>
-            </a:lnSpc>
-            <a:spcBef>
-              <a:spcPct val="0"/>
-            </a:spcBef>
-            <a:spcAft>
-              <a:spcPct val="35000"/>
-            </a:spcAft>
-          </a:pPr>
-          <a:r>
-            <a:rPr lang="en-US" sz="1400" kern="1200" dirty="0" smtClean="0"/>
-            <a:t>Gate-Array</a:t>
-          </a:r>
-          <a:br>
-            <a:rPr lang="en-US" sz="1400" kern="1200" dirty="0" smtClean="0"/>
-          </a:br>
-          <a:r>
-            <a:rPr lang="en-US" sz="1400" kern="1200" dirty="0" smtClean="0"/>
-            <a:t>ASIC</a:t>
-          </a:r>
-          <a:endParaRPr lang="en-US" sz="1400" kern="1200" dirty="0"/>
-        </a:p>
-      </dsp:txBody>
-      <dsp:txXfrm>
-        <a:off x="3049115" y="54272"/>
-        <a:ext cx="913507" cy="609004"/>
-      </dsp:txXfrm>
-    </dsp:sp>
-    <dsp:sp modelId="{19D0620F-58AE-495D-9E4F-38154498B738}">
-      <dsp:nvSpPr>
-        <dsp:cNvPr id="0" name=""/>
-        <dsp:cNvSpPr/>
-      </dsp:nvSpPr>
-      <dsp:spPr>
-        <a:xfrm>
-          <a:off x="4114874" y="54272"/>
-          <a:ext cx="1522511" cy="609004"/>
-        </a:xfrm>
-        <a:prstGeom prst="chevron">
-          <a:avLst/>
-        </a:prstGeom>
-        <a:solidFill>
-          <a:schemeClr val="accent2">
-            <a:hueOff val="0"/>
-            <a:satOff val="0"/>
-            <a:lumOff val="0"/>
-            <a:alphaOff val="0"/>
-          </a:schemeClr>
-        </a:solidFill>
-        <a:ln w="25400" cap="flat" cmpd="sng" algn="ctr">
-          <a:solidFill>
-            <a:schemeClr val="lt1">
-              <a:hueOff val="0"/>
-              <a:satOff val="0"/>
-              <a:lumOff val="0"/>
-              <a:alphaOff val="0"/>
-            </a:schemeClr>
-          </a:solidFill>
-          <a:prstDash val="solid"/>
-        </a:ln>
-        <a:effectLst/>
-      </dsp:spPr>
-      <dsp:style>
-        <a:lnRef idx="2">
-          <a:scrgbClr r="0" g="0" b="0"/>
-        </a:lnRef>
-        <a:fillRef idx="1">
-          <a:scrgbClr r="0" g="0" b="0"/>
-        </a:fillRef>
-        <a:effectRef idx="0">
-          <a:scrgbClr r="0" g="0" b="0"/>
-        </a:effectRef>
-        <a:fontRef idx="minor">
-          <a:schemeClr val="lt1"/>
-        </a:fontRef>
-      </dsp:style>
-      <dsp:txBody>
-        <a:bodyPr spcFirstLastPara="0" vert="horz" wrap="square" lIns="56007" tIns="18669" rIns="18669" bIns="18669" numCol="1" spcCol="1270" anchor="ctr" anchorCtr="0">
-          <a:noAutofit/>
-        </a:bodyPr>
-        <a:lstStyle/>
-        <a:p>
-          <a:pPr lvl="0" algn="ctr" defTabSz="622300">
-            <a:lnSpc>
-              <a:spcPct val="90000"/>
-            </a:lnSpc>
-            <a:spcBef>
-              <a:spcPct val="0"/>
-            </a:spcBef>
-            <a:spcAft>
-              <a:spcPct val="35000"/>
-            </a:spcAft>
-          </a:pPr>
-          <a:r>
-            <a:rPr lang="en-US" sz="1400" kern="1200" dirty="0" smtClean="0"/>
-            <a:t>Complex</a:t>
-          </a:r>
-          <a:br>
-            <a:rPr lang="en-US" sz="1400" kern="1200" dirty="0" smtClean="0"/>
-          </a:br>
-          <a:r>
-            <a:rPr lang="en-US" sz="1400" kern="1200" dirty="0" smtClean="0"/>
-            <a:t>PLDs</a:t>
-          </a:r>
-          <a:endParaRPr lang="en-US" sz="1400" kern="1200" dirty="0"/>
-        </a:p>
-      </dsp:txBody>
-      <dsp:txXfrm>
-        <a:off x="4419376" y="54272"/>
-        <a:ext cx="913507" cy="609004"/>
-      </dsp:txXfrm>
-    </dsp:sp>
-    <dsp:sp modelId="{9F8BF49D-0932-4672-B6FD-8C36BD321AA1}">
-      <dsp:nvSpPr>
-        <dsp:cNvPr id="0" name=""/>
-        <dsp:cNvSpPr/>
-      </dsp:nvSpPr>
-      <dsp:spPr>
-        <a:xfrm>
-          <a:off x="5485134" y="54272"/>
-          <a:ext cx="1522511" cy="609004"/>
-        </a:xfrm>
-        <a:prstGeom prst="chevron">
-          <a:avLst/>
-        </a:prstGeom>
-        <a:solidFill>
-          <a:schemeClr val="accent2">
-            <a:hueOff val="0"/>
-            <a:satOff val="0"/>
-            <a:lumOff val="0"/>
-            <a:alphaOff val="0"/>
-          </a:schemeClr>
-        </a:solidFill>
-        <a:ln w="25400" cap="flat" cmpd="sng" algn="ctr">
-          <a:solidFill>
-            <a:schemeClr val="lt1">
-              <a:hueOff val="0"/>
-              <a:satOff val="0"/>
-              <a:lumOff val="0"/>
-              <a:alphaOff val="0"/>
-            </a:schemeClr>
-          </a:solidFill>
-          <a:prstDash val="solid"/>
-        </a:ln>
-        <a:effectLst/>
-      </dsp:spPr>
-      <dsp:style>
-        <a:lnRef idx="2">
-          <a:scrgbClr r="0" g="0" b="0"/>
-        </a:lnRef>
-        <a:fillRef idx="1">
-          <a:scrgbClr r="0" g="0" b="0"/>
-        </a:fillRef>
-        <a:effectRef idx="0">
-          <a:scrgbClr r="0" g="0" b="0"/>
-        </a:effectRef>
-        <a:fontRef idx="minor">
-          <a:schemeClr val="lt1"/>
-        </a:fontRef>
-      </dsp:style>
-      <dsp:txBody>
-        <a:bodyPr spcFirstLastPara="0" vert="horz" wrap="square" lIns="56007" tIns="18669" rIns="18669" bIns="18669" numCol="1" spcCol="1270" anchor="ctr" anchorCtr="0">
-          <a:noAutofit/>
-        </a:bodyPr>
-        <a:lstStyle/>
-        <a:p>
-          <a:pPr lvl="0" algn="ctr" defTabSz="622300">
-            <a:lnSpc>
-              <a:spcPct val="90000"/>
-            </a:lnSpc>
-            <a:spcBef>
-              <a:spcPct val="0"/>
-            </a:spcBef>
-            <a:spcAft>
-              <a:spcPct val="35000"/>
-            </a:spcAft>
-          </a:pPr>
-          <a:r>
-            <a:rPr lang="en-US" sz="1400" kern="1200" dirty="0" smtClean="0"/>
-            <a:t>Simple</a:t>
-          </a:r>
-          <a:br>
-            <a:rPr lang="en-US" sz="1400" kern="1200" dirty="0" smtClean="0"/>
-          </a:br>
-          <a:r>
-            <a:rPr lang="en-US" sz="1400" kern="1200" dirty="0" smtClean="0"/>
-            <a:t>PLDs</a:t>
-          </a:r>
-          <a:endParaRPr lang="en-US" sz="1400" kern="1200" dirty="0"/>
-        </a:p>
-      </dsp:txBody>
-      <dsp:txXfrm>
-        <a:off x="5789636" y="54272"/>
-        <a:ext cx="913507" cy="609004"/>
-      </dsp:txXfrm>
-    </dsp:sp>
-    <dsp:sp modelId="{DBCA5975-2D08-4DDE-B712-A5C79732427B}">
-      <dsp:nvSpPr>
-        <dsp:cNvPr id="0" name=""/>
-        <dsp:cNvSpPr/>
-      </dsp:nvSpPr>
-      <dsp:spPr>
-        <a:xfrm>
-          <a:off x="6855395" y="54272"/>
-          <a:ext cx="1522511" cy="609004"/>
-        </a:xfrm>
-        <a:prstGeom prst="chevron">
-          <a:avLst/>
-        </a:prstGeom>
-        <a:solidFill>
-          <a:schemeClr val="accent2">
-            <a:hueOff val="0"/>
-            <a:satOff val="0"/>
-            <a:lumOff val="0"/>
-            <a:alphaOff val="0"/>
-          </a:schemeClr>
-        </a:solidFill>
-        <a:ln w="25400" cap="flat" cmpd="sng" algn="ctr">
-          <a:solidFill>
-            <a:schemeClr val="lt1">
-              <a:hueOff val="0"/>
-              <a:satOff val="0"/>
-              <a:lumOff val="0"/>
-              <a:alphaOff val="0"/>
-            </a:schemeClr>
-          </a:solidFill>
-          <a:prstDash val="solid"/>
-        </a:ln>
-        <a:effectLst/>
-      </dsp:spPr>
-      <dsp:style>
-        <a:lnRef idx="2">
-          <a:scrgbClr r="0" g="0" b="0"/>
-        </a:lnRef>
-        <a:fillRef idx="1">
-          <a:scrgbClr r="0" g="0" b="0"/>
-        </a:fillRef>
-        <a:effectRef idx="0">
-          <a:scrgbClr r="0" g="0" b="0"/>
-        </a:effectRef>
-        <a:fontRef idx="minor">
-          <a:schemeClr val="lt1"/>
-        </a:fontRef>
-      </dsp:style>
-      <dsp:txBody>
-        <a:bodyPr spcFirstLastPara="0" vert="horz" wrap="square" lIns="56007" tIns="18669" rIns="18669" bIns="18669" numCol="1" spcCol="1270" anchor="ctr" anchorCtr="0">
-          <a:noAutofit/>
-        </a:bodyPr>
-        <a:lstStyle/>
-        <a:p>
-          <a:pPr lvl="0" algn="ctr" defTabSz="622300">
-            <a:lnSpc>
-              <a:spcPct val="90000"/>
-            </a:lnSpc>
-            <a:spcBef>
-              <a:spcPct val="0"/>
-            </a:spcBef>
-            <a:spcAft>
-              <a:spcPct val="35000"/>
-            </a:spcAft>
-          </a:pPr>
-          <a:r>
-            <a:rPr lang="en-US" sz="1400" kern="1200" dirty="0" smtClean="0"/>
-            <a:t>SSI/MSI</a:t>
-          </a:r>
-          <a:endParaRPr lang="en-US" sz="1400" kern="1200" dirty="0"/>
-        </a:p>
-      </dsp:txBody>
-      <dsp:txXfrm>
-        <a:off x="7159897" y="54272"/>
-        <a:ext cx="913507" cy="609004"/>
-      </dsp:txXfrm>
-    </dsp:sp>
   </dsp:spTree>
 </dsp:drawing>
 </file>
@@ -9118,493 +8365,6 @@
       <dsp:cNvGrpSpPr/>
     </dsp:nvGrpSpPr>
     <dsp:grpSpPr/>
-    <dsp:sp modelId="{78FECA45-8955-476D-8065-815296FD7DE0}">
-      <dsp:nvSpPr>
-        <dsp:cNvPr id="0" name=""/>
-        <dsp:cNvSpPr/>
-      </dsp:nvSpPr>
-      <dsp:spPr>
-        <a:xfrm>
-          <a:off x="4092" y="54272"/>
-          <a:ext cx="1522511" cy="609004"/>
-        </a:xfrm>
-        <a:prstGeom prst="chevron">
-          <a:avLst/>
-        </a:prstGeom>
-        <a:solidFill>
-          <a:schemeClr val="accent2">
-            <a:hueOff val="0"/>
-            <a:satOff val="0"/>
-            <a:lumOff val="0"/>
-            <a:alphaOff val="0"/>
-          </a:schemeClr>
-        </a:solidFill>
-        <a:ln w="25400" cap="flat" cmpd="sng" algn="ctr">
-          <a:solidFill>
-            <a:schemeClr val="lt1">
-              <a:hueOff val="0"/>
-              <a:satOff val="0"/>
-              <a:lumOff val="0"/>
-              <a:alphaOff val="0"/>
-            </a:schemeClr>
-          </a:solidFill>
-          <a:prstDash val="solid"/>
-        </a:ln>
-        <a:effectLst/>
-      </dsp:spPr>
-      <dsp:style>
-        <a:lnRef idx="2">
-          <a:scrgbClr r="0" g="0" b="0"/>
-        </a:lnRef>
-        <a:fillRef idx="1">
-          <a:scrgbClr r="0" g="0" b="0"/>
-        </a:fillRef>
-        <a:effectRef idx="0">
-          <a:scrgbClr r="0" g="0" b="0"/>
-        </a:effectRef>
-        <a:fontRef idx="minor">
-          <a:schemeClr val="lt1"/>
-        </a:fontRef>
-      </dsp:style>
-      <dsp:txBody>
-        <a:bodyPr spcFirstLastPara="0" vert="horz" wrap="square" lIns="56007" tIns="18669" rIns="18669" bIns="18669" numCol="1" spcCol="1270" anchor="ctr" anchorCtr="0">
-          <a:noAutofit/>
-        </a:bodyPr>
-        <a:lstStyle/>
-        <a:p>
-          <a:pPr lvl="0" algn="ctr" defTabSz="622300">
-            <a:lnSpc>
-              <a:spcPct val="90000"/>
-            </a:lnSpc>
-            <a:spcBef>
-              <a:spcPct val="0"/>
-            </a:spcBef>
-            <a:spcAft>
-              <a:spcPct val="35000"/>
-            </a:spcAft>
-          </a:pPr>
-          <a:r>
-            <a:rPr lang="en-US" sz="1400" kern="1200" dirty="0" smtClean="0"/>
-            <a:t>Full-Custom</a:t>
-          </a:r>
-          <a:br>
-            <a:rPr lang="en-US" sz="1400" kern="1200" dirty="0" smtClean="0"/>
-          </a:br>
-          <a:r>
-            <a:rPr lang="en-US" sz="1400" kern="1200" dirty="0" smtClean="0"/>
-            <a:t>ASIC</a:t>
-          </a:r>
-          <a:endParaRPr lang="en-US" sz="1400" kern="1200" dirty="0"/>
-        </a:p>
-      </dsp:txBody>
-      <dsp:txXfrm>
-        <a:off x="308594" y="54272"/>
-        <a:ext cx="913507" cy="609004"/>
-      </dsp:txXfrm>
-    </dsp:sp>
-    <dsp:sp modelId="{62544C78-EC42-46A9-8C1C-7B2370E13A5E}">
-      <dsp:nvSpPr>
-        <dsp:cNvPr id="0" name=""/>
-        <dsp:cNvSpPr/>
-      </dsp:nvSpPr>
-      <dsp:spPr>
-        <a:xfrm>
-          <a:off x="1374353" y="54272"/>
-          <a:ext cx="1522511" cy="609004"/>
-        </a:xfrm>
-        <a:prstGeom prst="chevron">
-          <a:avLst/>
-        </a:prstGeom>
-        <a:solidFill>
-          <a:schemeClr val="lt1"/>
-        </a:solidFill>
-        <a:ln w="25400" cap="flat" cmpd="sng" algn="ctr">
-          <a:solidFill>
-            <a:schemeClr val="accent6"/>
-          </a:solidFill>
-          <a:prstDash val="solid"/>
-        </a:ln>
-        <a:effectLst/>
-      </dsp:spPr>
-      <dsp:style>
-        <a:lnRef idx="2">
-          <a:schemeClr val="accent6"/>
-        </a:lnRef>
-        <a:fillRef idx="1">
-          <a:schemeClr val="lt1"/>
-        </a:fillRef>
-        <a:effectRef idx="0">
-          <a:schemeClr val="accent6"/>
-        </a:effectRef>
-        <a:fontRef idx="minor">
-          <a:schemeClr val="dk1"/>
-        </a:fontRef>
-      </dsp:style>
-      <dsp:txBody>
-        <a:bodyPr spcFirstLastPara="0" vert="horz" wrap="square" lIns="56007" tIns="18669" rIns="18669" bIns="18669" numCol="1" spcCol="1270" anchor="ctr" anchorCtr="0">
-          <a:noAutofit/>
-        </a:bodyPr>
-        <a:lstStyle/>
-        <a:p>
-          <a:pPr lvl="0" algn="ctr" defTabSz="622300">
-            <a:lnSpc>
-              <a:spcPct val="90000"/>
-            </a:lnSpc>
-            <a:spcBef>
-              <a:spcPct val="0"/>
-            </a:spcBef>
-            <a:spcAft>
-              <a:spcPct val="35000"/>
-            </a:spcAft>
-          </a:pPr>
-          <a:r>
-            <a:rPr lang="en-US" sz="1400" kern="1200" dirty="0" smtClean="0"/>
-            <a:t>Standard-Cell</a:t>
-          </a:r>
-          <a:br>
-            <a:rPr lang="en-US" sz="1400" kern="1200" dirty="0" smtClean="0"/>
-          </a:br>
-          <a:r>
-            <a:rPr lang="en-US" sz="1400" kern="1200" dirty="0" smtClean="0"/>
-            <a:t>ASIC</a:t>
-          </a:r>
-          <a:endParaRPr lang="en-US" sz="1400" kern="1200" dirty="0"/>
-        </a:p>
-      </dsp:txBody>
-      <dsp:txXfrm>
-        <a:off x="1678855" y="54272"/>
-        <a:ext cx="913507" cy="609004"/>
-      </dsp:txXfrm>
-    </dsp:sp>
-    <dsp:sp modelId="{FCA272A7-0AA9-4BD3-B02C-44CCB3BE2CE9}">
-      <dsp:nvSpPr>
-        <dsp:cNvPr id="0" name=""/>
-        <dsp:cNvSpPr/>
-      </dsp:nvSpPr>
-      <dsp:spPr>
-        <a:xfrm>
-          <a:off x="2744613" y="54272"/>
-          <a:ext cx="1522511" cy="609004"/>
-        </a:xfrm>
-        <a:prstGeom prst="chevron">
-          <a:avLst/>
-        </a:prstGeom>
-        <a:solidFill>
-          <a:schemeClr val="accent2">
-            <a:hueOff val="0"/>
-            <a:satOff val="0"/>
-            <a:lumOff val="0"/>
-            <a:alphaOff val="0"/>
-          </a:schemeClr>
-        </a:solidFill>
-        <a:ln w="25400" cap="flat" cmpd="sng" algn="ctr">
-          <a:solidFill>
-            <a:schemeClr val="lt1">
-              <a:hueOff val="0"/>
-              <a:satOff val="0"/>
-              <a:lumOff val="0"/>
-              <a:alphaOff val="0"/>
-            </a:schemeClr>
-          </a:solidFill>
-          <a:prstDash val="solid"/>
-        </a:ln>
-        <a:effectLst/>
-      </dsp:spPr>
-      <dsp:style>
-        <a:lnRef idx="2">
-          <a:scrgbClr r="0" g="0" b="0"/>
-        </a:lnRef>
-        <a:fillRef idx="1">
-          <a:scrgbClr r="0" g="0" b="0"/>
-        </a:fillRef>
-        <a:effectRef idx="0">
-          <a:scrgbClr r="0" g="0" b="0"/>
-        </a:effectRef>
-        <a:fontRef idx="minor">
-          <a:schemeClr val="lt1"/>
-        </a:fontRef>
-      </dsp:style>
-      <dsp:txBody>
-        <a:bodyPr spcFirstLastPara="0" vert="horz" wrap="square" lIns="56007" tIns="18669" rIns="18669" bIns="18669" numCol="1" spcCol="1270" anchor="ctr" anchorCtr="0">
-          <a:noAutofit/>
-        </a:bodyPr>
-        <a:lstStyle/>
-        <a:p>
-          <a:pPr lvl="0" algn="ctr" defTabSz="622300">
-            <a:lnSpc>
-              <a:spcPct val="90000"/>
-            </a:lnSpc>
-            <a:spcBef>
-              <a:spcPct val="0"/>
-            </a:spcBef>
-            <a:spcAft>
-              <a:spcPct val="35000"/>
-            </a:spcAft>
-          </a:pPr>
-          <a:r>
-            <a:rPr lang="en-US" sz="1400" kern="1200" dirty="0" smtClean="0"/>
-            <a:t>Gate-Array</a:t>
-          </a:r>
-          <a:br>
-            <a:rPr lang="en-US" sz="1400" kern="1200" dirty="0" smtClean="0"/>
-          </a:br>
-          <a:r>
-            <a:rPr lang="en-US" sz="1400" kern="1200" dirty="0" smtClean="0"/>
-            <a:t>ASIC</a:t>
-          </a:r>
-          <a:endParaRPr lang="en-US" sz="1400" kern="1200" dirty="0"/>
-        </a:p>
-      </dsp:txBody>
-      <dsp:txXfrm>
-        <a:off x="3049115" y="54272"/>
-        <a:ext cx="913507" cy="609004"/>
-      </dsp:txXfrm>
-    </dsp:sp>
-    <dsp:sp modelId="{19D0620F-58AE-495D-9E4F-38154498B738}">
-      <dsp:nvSpPr>
-        <dsp:cNvPr id="0" name=""/>
-        <dsp:cNvSpPr/>
-      </dsp:nvSpPr>
-      <dsp:spPr>
-        <a:xfrm>
-          <a:off x="4114874" y="54272"/>
-          <a:ext cx="1522511" cy="609004"/>
-        </a:xfrm>
-        <a:prstGeom prst="chevron">
-          <a:avLst/>
-        </a:prstGeom>
-        <a:solidFill>
-          <a:schemeClr val="accent2">
-            <a:hueOff val="0"/>
-            <a:satOff val="0"/>
-            <a:lumOff val="0"/>
-            <a:alphaOff val="0"/>
-          </a:schemeClr>
-        </a:solidFill>
-        <a:ln w="25400" cap="flat" cmpd="sng" algn="ctr">
-          <a:solidFill>
-            <a:schemeClr val="lt1">
-              <a:hueOff val="0"/>
-              <a:satOff val="0"/>
-              <a:lumOff val="0"/>
-              <a:alphaOff val="0"/>
-            </a:schemeClr>
-          </a:solidFill>
-          <a:prstDash val="solid"/>
-        </a:ln>
-        <a:effectLst/>
-      </dsp:spPr>
-      <dsp:style>
-        <a:lnRef idx="2">
-          <a:scrgbClr r="0" g="0" b="0"/>
-        </a:lnRef>
-        <a:fillRef idx="1">
-          <a:scrgbClr r="0" g="0" b="0"/>
-        </a:fillRef>
-        <a:effectRef idx="0">
-          <a:scrgbClr r="0" g="0" b="0"/>
-        </a:effectRef>
-        <a:fontRef idx="minor">
-          <a:schemeClr val="lt1"/>
-        </a:fontRef>
-      </dsp:style>
-      <dsp:txBody>
-        <a:bodyPr spcFirstLastPara="0" vert="horz" wrap="square" lIns="56007" tIns="18669" rIns="18669" bIns="18669" numCol="1" spcCol="1270" anchor="ctr" anchorCtr="0">
-          <a:noAutofit/>
-        </a:bodyPr>
-        <a:lstStyle/>
-        <a:p>
-          <a:pPr lvl="0" algn="ctr" defTabSz="622300">
-            <a:lnSpc>
-              <a:spcPct val="90000"/>
-            </a:lnSpc>
-            <a:spcBef>
-              <a:spcPct val="0"/>
-            </a:spcBef>
-            <a:spcAft>
-              <a:spcPct val="35000"/>
-            </a:spcAft>
-          </a:pPr>
-          <a:r>
-            <a:rPr lang="en-US" sz="1400" kern="1200" dirty="0" smtClean="0"/>
-            <a:t>Complex</a:t>
-          </a:r>
-          <a:br>
-            <a:rPr lang="en-US" sz="1400" kern="1200" dirty="0" smtClean="0"/>
-          </a:br>
-          <a:r>
-            <a:rPr lang="en-US" sz="1400" kern="1200" dirty="0" smtClean="0"/>
-            <a:t>PLDs</a:t>
-          </a:r>
-          <a:endParaRPr lang="en-US" sz="1400" kern="1200" dirty="0"/>
-        </a:p>
-      </dsp:txBody>
-      <dsp:txXfrm>
-        <a:off x="4419376" y="54272"/>
-        <a:ext cx="913507" cy="609004"/>
-      </dsp:txXfrm>
-    </dsp:sp>
-    <dsp:sp modelId="{9F8BF49D-0932-4672-B6FD-8C36BD321AA1}">
-      <dsp:nvSpPr>
-        <dsp:cNvPr id="0" name=""/>
-        <dsp:cNvSpPr/>
-      </dsp:nvSpPr>
-      <dsp:spPr>
-        <a:xfrm>
-          <a:off x="5485134" y="54272"/>
-          <a:ext cx="1522511" cy="609004"/>
-        </a:xfrm>
-        <a:prstGeom prst="chevron">
-          <a:avLst/>
-        </a:prstGeom>
-        <a:solidFill>
-          <a:schemeClr val="accent2">
-            <a:hueOff val="0"/>
-            <a:satOff val="0"/>
-            <a:lumOff val="0"/>
-            <a:alphaOff val="0"/>
-          </a:schemeClr>
-        </a:solidFill>
-        <a:ln w="25400" cap="flat" cmpd="sng" algn="ctr">
-          <a:solidFill>
-            <a:schemeClr val="lt1">
-              <a:hueOff val="0"/>
-              <a:satOff val="0"/>
-              <a:lumOff val="0"/>
-              <a:alphaOff val="0"/>
-            </a:schemeClr>
-          </a:solidFill>
-          <a:prstDash val="solid"/>
-        </a:ln>
-        <a:effectLst/>
-      </dsp:spPr>
-      <dsp:style>
-        <a:lnRef idx="2">
-          <a:scrgbClr r="0" g="0" b="0"/>
-        </a:lnRef>
-        <a:fillRef idx="1">
-          <a:scrgbClr r="0" g="0" b="0"/>
-        </a:fillRef>
-        <a:effectRef idx="0">
-          <a:scrgbClr r="0" g="0" b="0"/>
-        </a:effectRef>
-        <a:fontRef idx="minor">
-          <a:schemeClr val="lt1"/>
-        </a:fontRef>
-      </dsp:style>
-      <dsp:txBody>
-        <a:bodyPr spcFirstLastPara="0" vert="horz" wrap="square" lIns="56007" tIns="18669" rIns="18669" bIns="18669" numCol="1" spcCol="1270" anchor="ctr" anchorCtr="0">
-          <a:noAutofit/>
-        </a:bodyPr>
-        <a:lstStyle/>
-        <a:p>
-          <a:pPr lvl="0" algn="ctr" defTabSz="622300">
-            <a:lnSpc>
-              <a:spcPct val="90000"/>
-            </a:lnSpc>
-            <a:spcBef>
-              <a:spcPct val="0"/>
-            </a:spcBef>
-            <a:spcAft>
-              <a:spcPct val="35000"/>
-            </a:spcAft>
-          </a:pPr>
-          <a:r>
-            <a:rPr lang="en-US" sz="1400" kern="1200" dirty="0" smtClean="0"/>
-            <a:t>Simple</a:t>
-          </a:r>
-          <a:br>
-            <a:rPr lang="en-US" sz="1400" kern="1200" dirty="0" smtClean="0"/>
-          </a:br>
-          <a:r>
-            <a:rPr lang="en-US" sz="1400" kern="1200" dirty="0" smtClean="0"/>
-            <a:t>PLDs</a:t>
-          </a:r>
-          <a:endParaRPr lang="en-US" sz="1400" kern="1200" dirty="0"/>
-        </a:p>
-      </dsp:txBody>
-      <dsp:txXfrm>
-        <a:off x="5789636" y="54272"/>
-        <a:ext cx="913507" cy="609004"/>
-      </dsp:txXfrm>
-    </dsp:sp>
-    <dsp:sp modelId="{DBCA5975-2D08-4DDE-B712-A5C79732427B}">
-      <dsp:nvSpPr>
-        <dsp:cNvPr id="0" name=""/>
-        <dsp:cNvSpPr/>
-      </dsp:nvSpPr>
-      <dsp:spPr>
-        <a:xfrm>
-          <a:off x="6855395" y="54272"/>
-          <a:ext cx="1522511" cy="609004"/>
-        </a:xfrm>
-        <a:prstGeom prst="chevron">
-          <a:avLst/>
-        </a:prstGeom>
-        <a:solidFill>
-          <a:schemeClr val="accent2">
-            <a:hueOff val="0"/>
-            <a:satOff val="0"/>
-            <a:lumOff val="0"/>
-            <a:alphaOff val="0"/>
-          </a:schemeClr>
-        </a:solidFill>
-        <a:ln w="25400" cap="flat" cmpd="sng" algn="ctr">
-          <a:solidFill>
-            <a:schemeClr val="lt1">
-              <a:hueOff val="0"/>
-              <a:satOff val="0"/>
-              <a:lumOff val="0"/>
-              <a:alphaOff val="0"/>
-            </a:schemeClr>
-          </a:solidFill>
-          <a:prstDash val="solid"/>
-        </a:ln>
-        <a:effectLst/>
-      </dsp:spPr>
-      <dsp:style>
-        <a:lnRef idx="2">
-          <a:scrgbClr r="0" g="0" b="0"/>
-        </a:lnRef>
-        <a:fillRef idx="1">
-          <a:scrgbClr r="0" g="0" b="0"/>
-        </a:fillRef>
-        <a:effectRef idx="0">
-          <a:scrgbClr r="0" g="0" b="0"/>
-        </a:effectRef>
-        <a:fontRef idx="minor">
-          <a:schemeClr val="lt1"/>
-        </a:fontRef>
-      </dsp:style>
-      <dsp:txBody>
-        <a:bodyPr spcFirstLastPara="0" vert="horz" wrap="square" lIns="56007" tIns="18669" rIns="18669" bIns="18669" numCol="1" spcCol="1270" anchor="ctr" anchorCtr="0">
-          <a:noAutofit/>
-        </a:bodyPr>
-        <a:lstStyle/>
-        <a:p>
-          <a:pPr lvl="0" algn="ctr" defTabSz="622300">
-            <a:lnSpc>
-              <a:spcPct val="90000"/>
-            </a:lnSpc>
-            <a:spcBef>
-              <a:spcPct val="0"/>
-            </a:spcBef>
-            <a:spcAft>
-              <a:spcPct val="35000"/>
-            </a:spcAft>
-          </a:pPr>
-          <a:r>
-            <a:rPr lang="en-US" sz="1400" kern="1200" dirty="0" smtClean="0"/>
-            <a:t>SSI/MSI</a:t>
-          </a:r>
-          <a:endParaRPr lang="en-US" sz="1400" kern="1200" dirty="0"/>
-        </a:p>
-      </dsp:txBody>
-      <dsp:txXfrm>
-        <a:off x="7159897" y="54272"/>
-        <a:ext cx="913507" cy="609004"/>
-      </dsp:txXfrm>
-    </dsp:sp>
   </dsp:spTree>
 </dsp:drawing>
 </file>
@@ -9617,493 +8377,6 @@
       <dsp:cNvGrpSpPr/>
     </dsp:nvGrpSpPr>
     <dsp:grpSpPr/>
-    <dsp:sp modelId="{78FECA45-8955-476D-8065-815296FD7DE0}">
-      <dsp:nvSpPr>
-        <dsp:cNvPr id="0" name=""/>
-        <dsp:cNvSpPr/>
-      </dsp:nvSpPr>
-      <dsp:spPr>
-        <a:xfrm>
-          <a:off x="4092" y="54272"/>
-          <a:ext cx="1522511" cy="609004"/>
-        </a:xfrm>
-        <a:prstGeom prst="chevron">
-          <a:avLst/>
-        </a:prstGeom>
-        <a:solidFill>
-          <a:schemeClr val="accent2">
-            <a:hueOff val="0"/>
-            <a:satOff val="0"/>
-            <a:lumOff val="0"/>
-            <a:alphaOff val="0"/>
-          </a:schemeClr>
-        </a:solidFill>
-        <a:ln w="25400" cap="flat" cmpd="sng" algn="ctr">
-          <a:solidFill>
-            <a:schemeClr val="lt1">
-              <a:hueOff val="0"/>
-              <a:satOff val="0"/>
-              <a:lumOff val="0"/>
-              <a:alphaOff val="0"/>
-            </a:schemeClr>
-          </a:solidFill>
-          <a:prstDash val="solid"/>
-        </a:ln>
-        <a:effectLst/>
-      </dsp:spPr>
-      <dsp:style>
-        <a:lnRef idx="2">
-          <a:scrgbClr r="0" g="0" b="0"/>
-        </a:lnRef>
-        <a:fillRef idx="1">
-          <a:scrgbClr r="0" g="0" b="0"/>
-        </a:fillRef>
-        <a:effectRef idx="0">
-          <a:scrgbClr r="0" g="0" b="0"/>
-        </a:effectRef>
-        <a:fontRef idx="minor">
-          <a:schemeClr val="lt1"/>
-        </a:fontRef>
-      </dsp:style>
-      <dsp:txBody>
-        <a:bodyPr spcFirstLastPara="0" vert="horz" wrap="square" lIns="56007" tIns="18669" rIns="18669" bIns="18669" numCol="1" spcCol="1270" anchor="ctr" anchorCtr="0">
-          <a:noAutofit/>
-        </a:bodyPr>
-        <a:lstStyle/>
-        <a:p>
-          <a:pPr lvl="0" algn="ctr" defTabSz="622300">
-            <a:lnSpc>
-              <a:spcPct val="90000"/>
-            </a:lnSpc>
-            <a:spcBef>
-              <a:spcPct val="0"/>
-            </a:spcBef>
-            <a:spcAft>
-              <a:spcPct val="35000"/>
-            </a:spcAft>
-          </a:pPr>
-          <a:r>
-            <a:rPr lang="en-US" sz="1400" kern="1200" dirty="0" smtClean="0"/>
-            <a:t>Full-Custom</a:t>
-          </a:r>
-          <a:br>
-            <a:rPr lang="en-US" sz="1400" kern="1200" dirty="0" smtClean="0"/>
-          </a:br>
-          <a:r>
-            <a:rPr lang="en-US" sz="1400" kern="1200" dirty="0" smtClean="0"/>
-            <a:t>ASIC</a:t>
-          </a:r>
-          <a:endParaRPr lang="en-US" sz="1400" kern="1200" dirty="0"/>
-        </a:p>
-      </dsp:txBody>
-      <dsp:txXfrm>
-        <a:off x="308594" y="54272"/>
-        <a:ext cx="913507" cy="609004"/>
-      </dsp:txXfrm>
-    </dsp:sp>
-    <dsp:sp modelId="{62544C78-EC42-46A9-8C1C-7B2370E13A5E}">
-      <dsp:nvSpPr>
-        <dsp:cNvPr id="0" name=""/>
-        <dsp:cNvSpPr/>
-      </dsp:nvSpPr>
-      <dsp:spPr>
-        <a:xfrm>
-          <a:off x="1374353" y="54272"/>
-          <a:ext cx="1522511" cy="609004"/>
-        </a:xfrm>
-        <a:prstGeom prst="chevron">
-          <a:avLst/>
-        </a:prstGeom>
-        <a:solidFill>
-          <a:schemeClr val="accent2">
-            <a:hueOff val="0"/>
-            <a:satOff val="0"/>
-            <a:lumOff val="0"/>
-            <a:alphaOff val="0"/>
-          </a:schemeClr>
-        </a:solidFill>
-        <a:ln w="25400" cap="flat" cmpd="sng" algn="ctr">
-          <a:solidFill>
-            <a:schemeClr val="lt1">
-              <a:hueOff val="0"/>
-              <a:satOff val="0"/>
-              <a:lumOff val="0"/>
-              <a:alphaOff val="0"/>
-            </a:schemeClr>
-          </a:solidFill>
-          <a:prstDash val="solid"/>
-        </a:ln>
-        <a:effectLst/>
-      </dsp:spPr>
-      <dsp:style>
-        <a:lnRef idx="2">
-          <a:scrgbClr r="0" g="0" b="0"/>
-        </a:lnRef>
-        <a:fillRef idx="1">
-          <a:scrgbClr r="0" g="0" b="0"/>
-        </a:fillRef>
-        <a:effectRef idx="0">
-          <a:scrgbClr r="0" g="0" b="0"/>
-        </a:effectRef>
-        <a:fontRef idx="minor">
-          <a:schemeClr val="lt1"/>
-        </a:fontRef>
-      </dsp:style>
-      <dsp:txBody>
-        <a:bodyPr spcFirstLastPara="0" vert="horz" wrap="square" lIns="56007" tIns="18669" rIns="18669" bIns="18669" numCol="1" spcCol="1270" anchor="ctr" anchorCtr="0">
-          <a:noAutofit/>
-        </a:bodyPr>
-        <a:lstStyle/>
-        <a:p>
-          <a:pPr lvl="0" algn="ctr" defTabSz="622300">
-            <a:lnSpc>
-              <a:spcPct val="90000"/>
-            </a:lnSpc>
-            <a:spcBef>
-              <a:spcPct val="0"/>
-            </a:spcBef>
-            <a:spcAft>
-              <a:spcPct val="35000"/>
-            </a:spcAft>
-          </a:pPr>
-          <a:r>
-            <a:rPr lang="en-US" sz="1400" kern="1200" dirty="0" smtClean="0"/>
-            <a:t>Standard-Cell</a:t>
-          </a:r>
-          <a:br>
-            <a:rPr lang="en-US" sz="1400" kern="1200" dirty="0" smtClean="0"/>
-          </a:br>
-          <a:r>
-            <a:rPr lang="en-US" sz="1400" kern="1200" dirty="0" smtClean="0"/>
-            <a:t>ASIC</a:t>
-          </a:r>
-          <a:endParaRPr lang="en-US" sz="1400" kern="1200" dirty="0"/>
-        </a:p>
-      </dsp:txBody>
-      <dsp:txXfrm>
-        <a:off x="1678855" y="54272"/>
-        <a:ext cx="913507" cy="609004"/>
-      </dsp:txXfrm>
-    </dsp:sp>
-    <dsp:sp modelId="{FCA272A7-0AA9-4BD3-B02C-44CCB3BE2CE9}">
-      <dsp:nvSpPr>
-        <dsp:cNvPr id="0" name=""/>
-        <dsp:cNvSpPr/>
-      </dsp:nvSpPr>
-      <dsp:spPr>
-        <a:xfrm>
-          <a:off x="2744613" y="54272"/>
-          <a:ext cx="1522511" cy="609004"/>
-        </a:xfrm>
-        <a:prstGeom prst="chevron">
-          <a:avLst/>
-        </a:prstGeom>
-        <a:solidFill>
-          <a:schemeClr val="lt1"/>
-        </a:solidFill>
-        <a:ln w="25400" cap="flat" cmpd="sng" algn="ctr">
-          <a:solidFill>
-            <a:schemeClr val="accent2"/>
-          </a:solidFill>
-          <a:prstDash val="solid"/>
-        </a:ln>
-        <a:effectLst/>
-      </dsp:spPr>
-      <dsp:style>
-        <a:lnRef idx="2">
-          <a:schemeClr val="accent2"/>
-        </a:lnRef>
-        <a:fillRef idx="1">
-          <a:schemeClr val="lt1"/>
-        </a:fillRef>
-        <a:effectRef idx="0">
-          <a:schemeClr val="accent2"/>
-        </a:effectRef>
-        <a:fontRef idx="minor">
-          <a:schemeClr val="dk1"/>
-        </a:fontRef>
-      </dsp:style>
-      <dsp:txBody>
-        <a:bodyPr spcFirstLastPara="0" vert="horz" wrap="square" lIns="56007" tIns="18669" rIns="18669" bIns="18669" numCol="1" spcCol="1270" anchor="ctr" anchorCtr="0">
-          <a:noAutofit/>
-        </a:bodyPr>
-        <a:lstStyle/>
-        <a:p>
-          <a:pPr lvl="0" algn="ctr" defTabSz="622300">
-            <a:lnSpc>
-              <a:spcPct val="90000"/>
-            </a:lnSpc>
-            <a:spcBef>
-              <a:spcPct val="0"/>
-            </a:spcBef>
-            <a:spcAft>
-              <a:spcPct val="35000"/>
-            </a:spcAft>
-          </a:pPr>
-          <a:r>
-            <a:rPr lang="en-US" sz="1400" kern="1200" dirty="0" smtClean="0"/>
-            <a:t>Gate-Array</a:t>
-          </a:r>
-          <a:br>
-            <a:rPr lang="en-US" sz="1400" kern="1200" dirty="0" smtClean="0"/>
-          </a:br>
-          <a:r>
-            <a:rPr lang="en-US" sz="1400" kern="1200" dirty="0" smtClean="0"/>
-            <a:t>ASIC</a:t>
-          </a:r>
-          <a:endParaRPr lang="en-US" sz="1400" kern="1200" dirty="0"/>
-        </a:p>
-      </dsp:txBody>
-      <dsp:txXfrm>
-        <a:off x="3049115" y="54272"/>
-        <a:ext cx="913507" cy="609004"/>
-      </dsp:txXfrm>
-    </dsp:sp>
-    <dsp:sp modelId="{19D0620F-58AE-495D-9E4F-38154498B738}">
-      <dsp:nvSpPr>
-        <dsp:cNvPr id="0" name=""/>
-        <dsp:cNvSpPr/>
-      </dsp:nvSpPr>
-      <dsp:spPr>
-        <a:xfrm>
-          <a:off x="4114874" y="54272"/>
-          <a:ext cx="1522511" cy="609004"/>
-        </a:xfrm>
-        <a:prstGeom prst="chevron">
-          <a:avLst/>
-        </a:prstGeom>
-        <a:solidFill>
-          <a:schemeClr val="accent2">
-            <a:hueOff val="0"/>
-            <a:satOff val="0"/>
-            <a:lumOff val="0"/>
-            <a:alphaOff val="0"/>
-          </a:schemeClr>
-        </a:solidFill>
-        <a:ln w="25400" cap="flat" cmpd="sng" algn="ctr">
-          <a:solidFill>
-            <a:schemeClr val="lt1">
-              <a:hueOff val="0"/>
-              <a:satOff val="0"/>
-              <a:lumOff val="0"/>
-              <a:alphaOff val="0"/>
-            </a:schemeClr>
-          </a:solidFill>
-          <a:prstDash val="solid"/>
-        </a:ln>
-        <a:effectLst/>
-      </dsp:spPr>
-      <dsp:style>
-        <a:lnRef idx="2">
-          <a:scrgbClr r="0" g="0" b="0"/>
-        </a:lnRef>
-        <a:fillRef idx="1">
-          <a:scrgbClr r="0" g="0" b="0"/>
-        </a:fillRef>
-        <a:effectRef idx="0">
-          <a:scrgbClr r="0" g="0" b="0"/>
-        </a:effectRef>
-        <a:fontRef idx="minor">
-          <a:schemeClr val="lt1"/>
-        </a:fontRef>
-      </dsp:style>
-      <dsp:txBody>
-        <a:bodyPr spcFirstLastPara="0" vert="horz" wrap="square" lIns="56007" tIns="18669" rIns="18669" bIns="18669" numCol="1" spcCol="1270" anchor="ctr" anchorCtr="0">
-          <a:noAutofit/>
-        </a:bodyPr>
-        <a:lstStyle/>
-        <a:p>
-          <a:pPr lvl="0" algn="ctr" defTabSz="622300">
-            <a:lnSpc>
-              <a:spcPct val="90000"/>
-            </a:lnSpc>
-            <a:spcBef>
-              <a:spcPct val="0"/>
-            </a:spcBef>
-            <a:spcAft>
-              <a:spcPct val="35000"/>
-            </a:spcAft>
-          </a:pPr>
-          <a:r>
-            <a:rPr lang="en-US" sz="1400" kern="1200" dirty="0" smtClean="0"/>
-            <a:t>Complex</a:t>
-          </a:r>
-          <a:br>
-            <a:rPr lang="en-US" sz="1400" kern="1200" dirty="0" smtClean="0"/>
-          </a:br>
-          <a:r>
-            <a:rPr lang="en-US" sz="1400" kern="1200" dirty="0" smtClean="0"/>
-            <a:t>PLDs</a:t>
-          </a:r>
-          <a:endParaRPr lang="en-US" sz="1400" kern="1200" dirty="0"/>
-        </a:p>
-      </dsp:txBody>
-      <dsp:txXfrm>
-        <a:off x="4419376" y="54272"/>
-        <a:ext cx="913507" cy="609004"/>
-      </dsp:txXfrm>
-    </dsp:sp>
-    <dsp:sp modelId="{9F8BF49D-0932-4672-B6FD-8C36BD321AA1}">
-      <dsp:nvSpPr>
-        <dsp:cNvPr id="0" name=""/>
-        <dsp:cNvSpPr/>
-      </dsp:nvSpPr>
-      <dsp:spPr>
-        <a:xfrm>
-          <a:off x="5485134" y="54272"/>
-          <a:ext cx="1522511" cy="609004"/>
-        </a:xfrm>
-        <a:prstGeom prst="chevron">
-          <a:avLst/>
-        </a:prstGeom>
-        <a:solidFill>
-          <a:schemeClr val="accent2">
-            <a:hueOff val="0"/>
-            <a:satOff val="0"/>
-            <a:lumOff val="0"/>
-            <a:alphaOff val="0"/>
-          </a:schemeClr>
-        </a:solidFill>
-        <a:ln w="25400" cap="flat" cmpd="sng" algn="ctr">
-          <a:solidFill>
-            <a:schemeClr val="lt1">
-              <a:hueOff val="0"/>
-              <a:satOff val="0"/>
-              <a:lumOff val="0"/>
-              <a:alphaOff val="0"/>
-            </a:schemeClr>
-          </a:solidFill>
-          <a:prstDash val="solid"/>
-        </a:ln>
-        <a:effectLst/>
-      </dsp:spPr>
-      <dsp:style>
-        <a:lnRef idx="2">
-          <a:scrgbClr r="0" g="0" b="0"/>
-        </a:lnRef>
-        <a:fillRef idx="1">
-          <a:scrgbClr r="0" g="0" b="0"/>
-        </a:fillRef>
-        <a:effectRef idx="0">
-          <a:scrgbClr r="0" g="0" b="0"/>
-        </a:effectRef>
-        <a:fontRef idx="minor">
-          <a:schemeClr val="lt1"/>
-        </a:fontRef>
-      </dsp:style>
-      <dsp:txBody>
-        <a:bodyPr spcFirstLastPara="0" vert="horz" wrap="square" lIns="56007" tIns="18669" rIns="18669" bIns="18669" numCol="1" spcCol="1270" anchor="ctr" anchorCtr="0">
-          <a:noAutofit/>
-        </a:bodyPr>
-        <a:lstStyle/>
-        <a:p>
-          <a:pPr lvl="0" algn="ctr" defTabSz="622300">
-            <a:lnSpc>
-              <a:spcPct val="90000"/>
-            </a:lnSpc>
-            <a:spcBef>
-              <a:spcPct val="0"/>
-            </a:spcBef>
-            <a:spcAft>
-              <a:spcPct val="35000"/>
-            </a:spcAft>
-          </a:pPr>
-          <a:r>
-            <a:rPr lang="en-US" sz="1400" kern="1200" dirty="0" smtClean="0"/>
-            <a:t>Simple</a:t>
-          </a:r>
-          <a:br>
-            <a:rPr lang="en-US" sz="1400" kern="1200" dirty="0" smtClean="0"/>
-          </a:br>
-          <a:r>
-            <a:rPr lang="en-US" sz="1400" kern="1200" dirty="0" smtClean="0"/>
-            <a:t>PLDs</a:t>
-          </a:r>
-          <a:endParaRPr lang="en-US" sz="1400" kern="1200" dirty="0"/>
-        </a:p>
-      </dsp:txBody>
-      <dsp:txXfrm>
-        <a:off x="5789636" y="54272"/>
-        <a:ext cx="913507" cy="609004"/>
-      </dsp:txXfrm>
-    </dsp:sp>
-    <dsp:sp modelId="{DBCA5975-2D08-4DDE-B712-A5C79732427B}">
-      <dsp:nvSpPr>
-        <dsp:cNvPr id="0" name=""/>
-        <dsp:cNvSpPr/>
-      </dsp:nvSpPr>
-      <dsp:spPr>
-        <a:xfrm>
-          <a:off x="6855395" y="54272"/>
-          <a:ext cx="1522511" cy="609004"/>
-        </a:xfrm>
-        <a:prstGeom prst="chevron">
-          <a:avLst/>
-        </a:prstGeom>
-        <a:solidFill>
-          <a:schemeClr val="accent2">
-            <a:hueOff val="0"/>
-            <a:satOff val="0"/>
-            <a:lumOff val="0"/>
-            <a:alphaOff val="0"/>
-          </a:schemeClr>
-        </a:solidFill>
-        <a:ln w="25400" cap="flat" cmpd="sng" algn="ctr">
-          <a:solidFill>
-            <a:schemeClr val="lt1">
-              <a:hueOff val="0"/>
-              <a:satOff val="0"/>
-              <a:lumOff val="0"/>
-              <a:alphaOff val="0"/>
-            </a:schemeClr>
-          </a:solidFill>
-          <a:prstDash val="solid"/>
-        </a:ln>
-        <a:effectLst/>
-      </dsp:spPr>
-      <dsp:style>
-        <a:lnRef idx="2">
-          <a:scrgbClr r="0" g="0" b="0"/>
-        </a:lnRef>
-        <a:fillRef idx="1">
-          <a:scrgbClr r="0" g="0" b="0"/>
-        </a:fillRef>
-        <a:effectRef idx="0">
-          <a:scrgbClr r="0" g="0" b="0"/>
-        </a:effectRef>
-        <a:fontRef idx="minor">
-          <a:schemeClr val="lt1"/>
-        </a:fontRef>
-      </dsp:style>
-      <dsp:txBody>
-        <a:bodyPr spcFirstLastPara="0" vert="horz" wrap="square" lIns="56007" tIns="18669" rIns="18669" bIns="18669" numCol="1" spcCol="1270" anchor="ctr" anchorCtr="0">
-          <a:noAutofit/>
-        </a:bodyPr>
-        <a:lstStyle/>
-        <a:p>
-          <a:pPr lvl="0" algn="ctr" defTabSz="622300">
-            <a:lnSpc>
-              <a:spcPct val="90000"/>
-            </a:lnSpc>
-            <a:spcBef>
-              <a:spcPct val="0"/>
-            </a:spcBef>
-            <a:spcAft>
-              <a:spcPct val="35000"/>
-            </a:spcAft>
-          </a:pPr>
-          <a:r>
-            <a:rPr lang="en-US" sz="1400" kern="1200" dirty="0" smtClean="0"/>
-            <a:t>SSI/MSI</a:t>
-          </a:r>
-          <a:endParaRPr lang="en-US" sz="1400" kern="1200" dirty="0"/>
-        </a:p>
-      </dsp:txBody>
-      <dsp:txXfrm>
-        <a:off x="7159897" y="54272"/>
-        <a:ext cx="913507" cy="609004"/>
-      </dsp:txXfrm>
-    </dsp:sp>
   </dsp:spTree>
 </dsp:drawing>
 </file>
@@ -10116,493 +8389,6 @@
       <dsp:cNvGrpSpPr/>
     </dsp:nvGrpSpPr>
     <dsp:grpSpPr/>
-    <dsp:sp modelId="{78FECA45-8955-476D-8065-815296FD7DE0}">
-      <dsp:nvSpPr>
-        <dsp:cNvPr id="0" name=""/>
-        <dsp:cNvSpPr/>
-      </dsp:nvSpPr>
-      <dsp:spPr>
-        <a:xfrm>
-          <a:off x="4092" y="54272"/>
-          <a:ext cx="1522511" cy="609004"/>
-        </a:xfrm>
-        <a:prstGeom prst="chevron">
-          <a:avLst/>
-        </a:prstGeom>
-        <a:solidFill>
-          <a:schemeClr val="accent2">
-            <a:hueOff val="0"/>
-            <a:satOff val="0"/>
-            <a:lumOff val="0"/>
-            <a:alphaOff val="0"/>
-          </a:schemeClr>
-        </a:solidFill>
-        <a:ln w="25400" cap="flat" cmpd="sng" algn="ctr">
-          <a:solidFill>
-            <a:schemeClr val="lt1">
-              <a:hueOff val="0"/>
-              <a:satOff val="0"/>
-              <a:lumOff val="0"/>
-              <a:alphaOff val="0"/>
-            </a:schemeClr>
-          </a:solidFill>
-          <a:prstDash val="solid"/>
-        </a:ln>
-        <a:effectLst/>
-      </dsp:spPr>
-      <dsp:style>
-        <a:lnRef idx="2">
-          <a:scrgbClr r="0" g="0" b="0"/>
-        </a:lnRef>
-        <a:fillRef idx="1">
-          <a:scrgbClr r="0" g="0" b="0"/>
-        </a:fillRef>
-        <a:effectRef idx="0">
-          <a:scrgbClr r="0" g="0" b="0"/>
-        </a:effectRef>
-        <a:fontRef idx="minor">
-          <a:schemeClr val="lt1"/>
-        </a:fontRef>
-      </dsp:style>
-      <dsp:txBody>
-        <a:bodyPr spcFirstLastPara="0" vert="horz" wrap="square" lIns="56007" tIns="18669" rIns="18669" bIns="18669" numCol="1" spcCol="1270" anchor="ctr" anchorCtr="0">
-          <a:noAutofit/>
-        </a:bodyPr>
-        <a:lstStyle/>
-        <a:p>
-          <a:pPr lvl="0" algn="ctr" defTabSz="622300">
-            <a:lnSpc>
-              <a:spcPct val="90000"/>
-            </a:lnSpc>
-            <a:spcBef>
-              <a:spcPct val="0"/>
-            </a:spcBef>
-            <a:spcAft>
-              <a:spcPct val="35000"/>
-            </a:spcAft>
-          </a:pPr>
-          <a:r>
-            <a:rPr lang="en-US" sz="1400" kern="1200" dirty="0" smtClean="0"/>
-            <a:t>Full-Custom</a:t>
-          </a:r>
-          <a:br>
-            <a:rPr lang="en-US" sz="1400" kern="1200" dirty="0" smtClean="0"/>
-          </a:br>
-          <a:r>
-            <a:rPr lang="en-US" sz="1400" kern="1200" dirty="0" smtClean="0"/>
-            <a:t>ASIC</a:t>
-          </a:r>
-          <a:endParaRPr lang="en-US" sz="1400" kern="1200" dirty="0"/>
-        </a:p>
-      </dsp:txBody>
-      <dsp:txXfrm>
-        <a:off x="308594" y="54272"/>
-        <a:ext cx="913507" cy="609004"/>
-      </dsp:txXfrm>
-    </dsp:sp>
-    <dsp:sp modelId="{62544C78-EC42-46A9-8C1C-7B2370E13A5E}">
-      <dsp:nvSpPr>
-        <dsp:cNvPr id="0" name=""/>
-        <dsp:cNvSpPr/>
-      </dsp:nvSpPr>
-      <dsp:spPr>
-        <a:xfrm>
-          <a:off x="1374353" y="54272"/>
-          <a:ext cx="1522511" cy="609004"/>
-        </a:xfrm>
-        <a:prstGeom prst="chevron">
-          <a:avLst/>
-        </a:prstGeom>
-        <a:solidFill>
-          <a:schemeClr val="accent2">
-            <a:hueOff val="0"/>
-            <a:satOff val="0"/>
-            <a:lumOff val="0"/>
-            <a:alphaOff val="0"/>
-          </a:schemeClr>
-        </a:solidFill>
-        <a:ln w="25400" cap="flat" cmpd="sng" algn="ctr">
-          <a:solidFill>
-            <a:schemeClr val="lt1">
-              <a:hueOff val="0"/>
-              <a:satOff val="0"/>
-              <a:lumOff val="0"/>
-              <a:alphaOff val="0"/>
-            </a:schemeClr>
-          </a:solidFill>
-          <a:prstDash val="solid"/>
-        </a:ln>
-        <a:effectLst/>
-      </dsp:spPr>
-      <dsp:style>
-        <a:lnRef idx="2">
-          <a:scrgbClr r="0" g="0" b="0"/>
-        </a:lnRef>
-        <a:fillRef idx="1">
-          <a:scrgbClr r="0" g="0" b="0"/>
-        </a:fillRef>
-        <a:effectRef idx="0">
-          <a:scrgbClr r="0" g="0" b="0"/>
-        </a:effectRef>
-        <a:fontRef idx="minor">
-          <a:schemeClr val="lt1"/>
-        </a:fontRef>
-      </dsp:style>
-      <dsp:txBody>
-        <a:bodyPr spcFirstLastPara="0" vert="horz" wrap="square" lIns="56007" tIns="18669" rIns="18669" bIns="18669" numCol="1" spcCol="1270" anchor="ctr" anchorCtr="0">
-          <a:noAutofit/>
-        </a:bodyPr>
-        <a:lstStyle/>
-        <a:p>
-          <a:pPr lvl="0" algn="ctr" defTabSz="622300">
-            <a:lnSpc>
-              <a:spcPct val="90000"/>
-            </a:lnSpc>
-            <a:spcBef>
-              <a:spcPct val="0"/>
-            </a:spcBef>
-            <a:spcAft>
-              <a:spcPct val="35000"/>
-            </a:spcAft>
-          </a:pPr>
-          <a:r>
-            <a:rPr lang="en-US" sz="1400" kern="1200" dirty="0" smtClean="0"/>
-            <a:t>Standard-Cell</a:t>
-          </a:r>
-          <a:br>
-            <a:rPr lang="en-US" sz="1400" kern="1200" dirty="0" smtClean="0"/>
-          </a:br>
-          <a:r>
-            <a:rPr lang="en-US" sz="1400" kern="1200" dirty="0" smtClean="0"/>
-            <a:t>ASIC</a:t>
-          </a:r>
-          <a:endParaRPr lang="en-US" sz="1400" kern="1200" dirty="0"/>
-        </a:p>
-      </dsp:txBody>
-      <dsp:txXfrm>
-        <a:off x="1678855" y="54272"/>
-        <a:ext cx="913507" cy="609004"/>
-      </dsp:txXfrm>
-    </dsp:sp>
-    <dsp:sp modelId="{FCA272A7-0AA9-4BD3-B02C-44CCB3BE2CE9}">
-      <dsp:nvSpPr>
-        <dsp:cNvPr id="0" name=""/>
-        <dsp:cNvSpPr/>
-      </dsp:nvSpPr>
-      <dsp:spPr>
-        <a:xfrm>
-          <a:off x="2744613" y="54272"/>
-          <a:ext cx="1522511" cy="609004"/>
-        </a:xfrm>
-        <a:prstGeom prst="chevron">
-          <a:avLst/>
-        </a:prstGeom>
-        <a:solidFill>
-          <a:schemeClr val="accent2">
-            <a:hueOff val="0"/>
-            <a:satOff val="0"/>
-            <a:lumOff val="0"/>
-            <a:alphaOff val="0"/>
-          </a:schemeClr>
-        </a:solidFill>
-        <a:ln w="25400" cap="flat" cmpd="sng" algn="ctr">
-          <a:solidFill>
-            <a:schemeClr val="lt1">
-              <a:hueOff val="0"/>
-              <a:satOff val="0"/>
-              <a:lumOff val="0"/>
-              <a:alphaOff val="0"/>
-            </a:schemeClr>
-          </a:solidFill>
-          <a:prstDash val="solid"/>
-        </a:ln>
-        <a:effectLst/>
-      </dsp:spPr>
-      <dsp:style>
-        <a:lnRef idx="2">
-          <a:scrgbClr r="0" g="0" b="0"/>
-        </a:lnRef>
-        <a:fillRef idx="1">
-          <a:scrgbClr r="0" g="0" b="0"/>
-        </a:fillRef>
-        <a:effectRef idx="0">
-          <a:scrgbClr r="0" g="0" b="0"/>
-        </a:effectRef>
-        <a:fontRef idx="minor">
-          <a:schemeClr val="lt1"/>
-        </a:fontRef>
-      </dsp:style>
-      <dsp:txBody>
-        <a:bodyPr spcFirstLastPara="0" vert="horz" wrap="square" lIns="56007" tIns="18669" rIns="18669" bIns="18669" numCol="1" spcCol="1270" anchor="ctr" anchorCtr="0">
-          <a:noAutofit/>
-        </a:bodyPr>
-        <a:lstStyle/>
-        <a:p>
-          <a:pPr lvl="0" algn="ctr" defTabSz="622300">
-            <a:lnSpc>
-              <a:spcPct val="90000"/>
-            </a:lnSpc>
-            <a:spcBef>
-              <a:spcPct val="0"/>
-            </a:spcBef>
-            <a:spcAft>
-              <a:spcPct val="35000"/>
-            </a:spcAft>
-          </a:pPr>
-          <a:r>
-            <a:rPr lang="en-US" sz="1400" kern="1200" dirty="0" smtClean="0"/>
-            <a:t>Gate-Array</a:t>
-          </a:r>
-          <a:br>
-            <a:rPr lang="en-US" sz="1400" kern="1200" dirty="0" smtClean="0"/>
-          </a:br>
-          <a:r>
-            <a:rPr lang="en-US" sz="1400" kern="1200" dirty="0" smtClean="0"/>
-            <a:t>ASIC</a:t>
-          </a:r>
-          <a:endParaRPr lang="en-US" sz="1400" kern="1200" dirty="0"/>
-        </a:p>
-      </dsp:txBody>
-      <dsp:txXfrm>
-        <a:off x="3049115" y="54272"/>
-        <a:ext cx="913507" cy="609004"/>
-      </dsp:txXfrm>
-    </dsp:sp>
-    <dsp:sp modelId="{19D0620F-58AE-495D-9E4F-38154498B738}">
-      <dsp:nvSpPr>
-        <dsp:cNvPr id="0" name=""/>
-        <dsp:cNvSpPr/>
-      </dsp:nvSpPr>
-      <dsp:spPr>
-        <a:xfrm>
-          <a:off x="4114874" y="54272"/>
-          <a:ext cx="1522511" cy="609004"/>
-        </a:xfrm>
-        <a:prstGeom prst="chevron">
-          <a:avLst/>
-        </a:prstGeom>
-        <a:solidFill>
-          <a:schemeClr val="lt1"/>
-        </a:solidFill>
-        <a:ln w="25400" cap="flat" cmpd="sng" algn="ctr">
-          <a:solidFill>
-            <a:schemeClr val="accent6"/>
-          </a:solidFill>
-          <a:prstDash val="solid"/>
-        </a:ln>
-        <a:effectLst/>
-      </dsp:spPr>
-      <dsp:style>
-        <a:lnRef idx="2">
-          <a:schemeClr val="accent6"/>
-        </a:lnRef>
-        <a:fillRef idx="1">
-          <a:schemeClr val="lt1"/>
-        </a:fillRef>
-        <a:effectRef idx="0">
-          <a:schemeClr val="accent6"/>
-        </a:effectRef>
-        <a:fontRef idx="minor">
-          <a:schemeClr val="dk1"/>
-        </a:fontRef>
-      </dsp:style>
-      <dsp:txBody>
-        <a:bodyPr spcFirstLastPara="0" vert="horz" wrap="square" lIns="56007" tIns="18669" rIns="18669" bIns="18669" numCol="1" spcCol="1270" anchor="ctr" anchorCtr="0">
-          <a:noAutofit/>
-        </a:bodyPr>
-        <a:lstStyle/>
-        <a:p>
-          <a:pPr lvl="0" algn="ctr" defTabSz="622300">
-            <a:lnSpc>
-              <a:spcPct val="90000"/>
-            </a:lnSpc>
-            <a:spcBef>
-              <a:spcPct val="0"/>
-            </a:spcBef>
-            <a:spcAft>
-              <a:spcPct val="35000"/>
-            </a:spcAft>
-          </a:pPr>
-          <a:r>
-            <a:rPr lang="en-US" sz="1400" kern="1200" dirty="0" smtClean="0"/>
-            <a:t>Complex</a:t>
-          </a:r>
-          <a:br>
-            <a:rPr lang="en-US" sz="1400" kern="1200" dirty="0" smtClean="0"/>
-          </a:br>
-          <a:r>
-            <a:rPr lang="en-US" sz="1400" kern="1200" dirty="0" smtClean="0"/>
-            <a:t>PLDs</a:t>
-          </a:r>
-          <a:endParaRPr lang="en-US" sz="1400" kern="1200" dirty="0"/>
-        </a:p>
-      </dsp:txBody>
-      <dsp:txXfrm>
-        <a:off x="4419376" y="54272"/>
-        <a:ext cx="913507" cy="609004"/>
-      </dsp:txXfrm>
-    </dsp:sp>
-    <dsp:sp modelId="{9F8BF49D-0932-4672-B6FD-8C36BD321AA1}">
-      <dsp:nvSpPr>
-        <dsp:cNvPr id="0" name=""/>
-        <dsp:cNvSpPr/>
-      </dsp:nvSpPr>
-      <dsp:spPr>
-        <a:xfrm>
-          <a:off x="5485134" y="54272"/>
-          <a:ext cx="1522511" cy="609004"/>
-        </a:xfrm>
-        <a:prstGeom prst="chevron">
-          <a:avLst/>
-        </a:prstGeom>
-        <a:solidFill>
-          <a:schemeClr val="accent2">
-            <a:hueOff val="0"/>
-            <a:satOff val="0"/>
-            <a:lumOff val="0"/>
-            <a:alphaOff val="0"/>
-          </a:schemeClr>
-        </a:solidFill>
-        <a:ln w="25400" cap="flat" cmpd="sng" algn="ctr">
-          <a:solidFill>
-            <a:schemeClr val="lt1">
-              <a:hueOff val="0"/>
-              <a:satOff val="0"/>
-              <a:lumOff val="0"/>
-              <a:alphaOff val="0"/>
-            </a:schemeClr>
-          </a:solidFill>
-          <a:prstDash val="solid"/>
-        </a:ln>
-        <a:effectLst/>
-      </dsp:spPr>
-      <dsp:style>
-        <a:lnRef idx="2">
-          <a:scrgbClr r="0" g="0" b="0"/>
-        </a:lnRef>
-        <a:fillRef idx="1">
-          <a:scrgbClr r="0" g="0" b="0"/>
-        </a:fillRef>
-        <a:effectRef idx="0">
-          <a:scrgbClr r="0" g="0" b="0"/>
-        </a:effectRef>
-        <a:fontRef idx="minor">
-          <a:schemeClr val="lt1"/>
-        </a:fontRef>
-      </dsp:style>
-      <dsp:txBody>
-        <a:bodyPr spcFirstLastPara="0" vert="horz" wrap="square" lIns="56007" tIns="18669" rIns="18669" bIns="18669" numCol="1" spcCol="1270" anchor="ctr" anchorCtr="0">
-          <a:noAutofit/>
-        </a:bodyPr>
-        <a:lstStyle/>
-        <a:p>
-          <a:pPr lvl="0" algn="ctr" defTabSz="622300">
-            <a:lnSpc>
-              <a:spcPct val="90000"/>
-            </a:lnSpc>
-            <a:spcBef>
-              <a:spcPct val="0"/>
-            </a:spcBef>
-            <a:spcAft>
-              <a:spcPct val="35000"/>
-            </a:spcAft>
-          </a:pPr>
-          <a:r>
-            <a:rPr lang="en-US" sz="1400" kern="1200" dirty="0" smtClean="0"/>
-            <a:t>Simple</a:t>
-          </a:r>
-          <a:br>
-            <a:rPr lang="en-US" sz="1400" kern="1200" dirty="0" smtClean="0"/>
-          </a:br>
-          <a:r>
-            <a:rPr lang="en-US" sz="1400" kern="1200" dirty="0" smtClean="0"/>
-            <a:t>PLDs</a:t>
-          </a:r>
-          <a:endParaRPr lang="en-US" sz="1400" kern="1200" dirty="0"/>
-        </a:p>
-      </dsp:txBody>
-      <dsp:txXfrm>
-        <a:off x="5789636" y="54272"/>
-        <a:ext cx="913507" cy="609004"/>
-      </dsp:txXfrm>
-    </dsp:sp>
-    <dsp:sp modelId="{DBCA5975-2D08-4DDE-B712-A5C79732427B}">
-      <dsp:nvSpPr>
-        <dsp:cNvPr id="0" name=""/>
-        <dsp:cNvSpPr/>
-      </dsp:nvSpPr>
-      <dsp:spPr>
-        <a:xfrm>
-          <a:off x="6855395" y="54272"/>
-          <a:ext cx="1522511" cy="609004"/>
-        </a:xfrm>
-        <a:prstGeom prst="chevron">
-          <a:avLst/>
-        </a:prstGeom>
-        <a:solidFill>
-          <a:schemeClr val="accent2">
-            <a:hueOff val="0"/>
-            <a:satOff val="0"/>
-            <a:lumOff val="0"/>
-            <a:alphaOff val="0"/>
-          </a:schemeClr>
-        </a:solidFill>
-        <a:ln w="25400" cap="flat" cmpd="sng" algn="ctr">
-          <a:solidFill>
-            <a:schemeClr val="lt1">
-              <a:hueOff val="0"/>
-              <a:satOff val="0"/>
-              <a:lumOff val="0"/>
-              <a:alphaOff val="0"/>
-            </a:schemeClr>
-          </a:solidFill>
-          <a:prstDash val="solid"/>
-        </a:ln>
-        <a:effectLst/>
-      </dsp:spPr>
-      <dsp:style>
-        <a:lnRef idx="2">
-          <a:scrgbClr r="0" g="0" b="0"/>
-        </a:lnRef>
-        <a:fillRef idx="1">
-          <a:scrgbClr r="0" g="0" b="0"/>
-        </a:fillRef>
-        <a:effectRef idx="0">
-          <a:scrgbClr r="0" g="0" b="0"/>
-        </a:effectRef>
-        <a:fontRef idx="minor">
-          <a:schemeClr val="lt1"/>
-        </a:fontRef>
-      </dsp:style>
-      <dsp:txBody>
-        <a:bodyPr spcFirstLastPara="0" vert="horz" wrap="square" lIns="56007" tIns="18669" rIns="18669" bIns="18669" numCol="1" spcCol="1270" anchor="ctr" anchorCtr="0">
-          <a:noAutofit/>
-        </a:bodyPr>
-        <a:lstStyle/>
-        <a:p>
-          <a:pPr lvl="0" algn="ctr" defTabSz="622300">
-            <a:lnSpc>
-              <a:spcPct val="90000"/>
-            </a:lnSpc>
-            <a:spcBef>
-              <a:spcPct val="0"/>
-            </a:spcBef>
-            <a:spcAft>
-              <a:spcPct val="35000"/>
-            </a:spcAft>
-          </a:pPr>
-          <a:r>
-            <a:rPr lang="en-US" sz="1400" kern="1200" dirty="0" smtClean="0"/>
-            <a:t>SSI/MSI</a:t>
-          </a:r>
-          <a:endParaRPr lang="en-US" sz="1400" kern="1200" dirty="0"/>
-        </a:p>
-      </dsp:txBody>
-      <dsp:txXfrm>
-        <a:off x="7159897" y="54272"/>
-        <a:ext cx="913507" cy="609004"/>
-      </dsp:txXfrm>
-    </dsp:sp>
   </dsp:spTree>
 </dsp:drawing>
 </file>
@@ -10615,493 +8401,6 @@
       <dsp:cNvGrpSpPr/>
     </dsp:nvGrpSpPr>
     <dsp:grpSpPr/>
-    <dsp:sp modelId="{78FECA45-8955-476D-8065-815296FD7DE0}">
-      <dsp:nvSpPr>
-        <dsp:cNvPr id="0" name=""/>
-        <dsp:cNvSpPr/>
-      </dsp:nvSpPr>
-      <dsp:spPr>
-        <a:xfrm>
-          <a:off x="4092" y="54272"/>
-          <a:ext cx="1522511" cy="609004"/>
-        </a:xfrm>
-        <a:prstGeom prst="chevron">
-          <a:avLst/>
-        </a:prstGeom>
-        <a:solidFill>
-          <a:schemeClr val="accent2">
-            <a:hueOff val="0"/>
-            <a:satOff val="0"/>
-            <a:lumOff val="0"/>
-            <a:alphaOff val="0"/>
-          </a:schemeClr>
-        </a:solidFill>
-        <a:ln w="25400" cap="flat" cmpd="sng" algn="ctr">
-          <a:solidFill>
-            <a:schemeClr val="lt1">
-              <a:hueOff val="0"/>
-              <a:satOff val="0"/>
-              <a:lumOff val="0"/>
-              <a:alphaOff val="0"/>
-            </a:schemeClr>
-          </a:solidFill>
-          <a:prstDash val="solid"/>
-        </a:ln>
-        <a:effectLst/>
-      </dsp:spPr>
-      <dsp:style>
-        <a:lnRef idx="2">
-          <a:scrgbClr r="0" g="0" b="0"/>
-        </a:lnRef>
-        <a:fillRef idx="1">
-          <a:scrgbClr r="0" g="0" b="0"/>
-        </a:fillRef>
-        <a:effectRef idx="0">
-          <a:scrgbClr r="0" g="0" b="0"/>
-        </a:effectRef>
-        <a:fontRef idx="minor">
-          <a:schemeClr val="lt1"/>
-        </a:fontRef>
-      </dsp:style>
-      <dsp:txBody>
-        <a:bodyPr spcFirstLastPara="0" vert="horz" wrap="square" lIns="56007" tIns="18669" rIns="18669" bIns="18669" numCol="1" spcCol="1270" anchor="ctr" anchorCtr="0">
-          <a:noAutofit/>
-        </a:bodyPr>
-        <a:lstStyle/>
-        <a:p>
-          <a:pPr lvl="0" algn="ctr" defTabSz="622300">
-            <a:lnSpc>
-              <a:spcPct val="90000"/>
-            </a:lnSpc>
-            <a:spcBef>
-              <a:spcPct val="0"/>
-            </a:spcBef>
-            <a:spcAft>
-              <a:spcPct val="35000"/>
-            </a:spcAft>
-          </a:pPr>
-          <a:r>
-            <a:rPr lang="en-US" sz="1400" kern="1200" dirty="0" smtClean="0"/>
-            <a:t>Full-Custom</a:t>
-          </a:r>
-          <a:br>
-            <a:rPr lang="en-US" sz="1400" kern="1200" dirty="0" smtClean="0"/>
-          </a:br>
-          <a:r>
-            <a:rPr lang="en-US" sz="1400" kern="1200" dirty="0" smtClean="0"/>
-            <a:t>ASIC</a:t>
-          </a:r>
-          <a:endParaRPr lang="en-US" sz="1400" kern="1200" dirty="0"/>
-        </a:p>
-      </dsp:txBody>
-      <dsp:txXfrm>
-        <a:off x="308594" y="54272"/>
-        <a:ext cx="913507" cy="609004"/>
-      </dsp:txXfrm>
-    </dsp:sp>
-    <dsp:sp modelId="{62544C78-EC42-46A9-8C1C-7B2370E13A5E}">
-      <dsp:nvSpPr>
-        <dsp:cNvPr id="0" name=""/>
-        <dsp:cNvSpPr/>
-      </dsp:nvSpPr>
-      <dsp:spPr>
-        <a:xfrm>
-          <a:off x="1374353" y="54272"/>
-          <a:ext cx="1522511" cy="609004"/>
-        </a:xfrm>
-        <a:prstGeom prst="chevron">
-          <a:avLst/>
-        </a:prstGeom>
-        <a:solidFill>
-          <a:schemeClr val="accent2">
-            <a:hueOff val="0"/>
-            <a:satOff val="0"/>
-            <a:lumOff val="0"/>
-            <a:alphaOff val="0"/>
-          </a:schemeClr>
-        </a:solidFill>
-        <a:ln w="25400" cap="flat" cmpd="sng" algn="ctr">
-          <a:solidFill>
-            <a:schemeClr val="lt1">
-              <a:hueOff val="0"/>
-              <a:satOff val="0"/>
-              <a:lumOff val="0"/>
-              <a:alphaOff val="0"/>
-            </a:schemeClr>
-          </a:solidFill>
-          <a:prstDash val="solid"/>
-        </a:ln>
-        <a:effectLst/>
-      </dsp:spPr>
-      <dsp:style>
-        <a:lnRef idx="2">
-          <a:scrgbClr r="0" g="0" b="0"/>
-        </a:lnRef>
-        <a:fillRef idx="1">
-          <a:scrgbClr r="0" g="0" b="0"/>
-        </a:fillRef>
-        <a:effectRef idx="0">
-          <a:scrgbClr r="0" g="0" b="0"/>
-        </a:effectRef>
-        <a:fontRef idx="minor">
-          <a:schemeClr val="lt1"/>
-        </a:fontRef>
-      </dsp:style>
-      <dsp:txBody>
-        <a:bodyPr spcFirstLastPara="0" vert="horz" wrap="square" lIns="56007" tIns="18669" rIns="18669" bIns="18669" numCol="1" spcCol="1270" anchor="ctr" anchorCtr="0">
-          <a:noAutofit/>
-        </a:bodyPr>
-        <a:lstStyle/>
-        <a:p>
-          <a:pPr lvl="0" algn="ctr" defTabSz="622300">
-            <a:lnSpc>
-              <a:spcPct val="90000"/>
-            </a:lnSpc>
-            <a:spcBef>
-              <a:spcPct val="0"/>
-            </a:spcBef>
-            <a:spcAft>
-              <a:spcPct val="35000"/>
-            </a:spcAft>
-          </a:pPr>
-          <a:r>
-            <a:rPr lang="en-US" sz="1400" kern="1200" dirty="0" smtClean="0"/>
-            <a:t>Standard-Cell</a:t>
-          </a:r>
-          <a:br>
-            <a:rPr lang="en-US" sz="1400" kern="1200" dirty="0" smtClean="0"/>
-          </a:br>
-          <a:r>
-            <a:rPr lang="en-US" sz="1400" kern="1200" dirty="0" smtClean="0"/>
-            <a:t>ASIC</a:t>
-          </a:r>
-          <a:endParaRPr lang="en-US" sz="1400" kern="1200" dirty="0"/>
-        </a:p>
-      </dsp:txBody>
-      <dsp:txXfrm>
-        <a:off x="1678855" y="54272"/>
-        <a:ext cx="913507" cy="609004"/>
-      </dsp:txXfrm>
-    </dsp:sp>
-    <dsp:sp modelId="{FCA272A7-0AA9-4BD3-B02C-44CCB3BE2CE9}">
-      <dsp:nvSpPr>
-        <dsp:cNvPr id="0" name=""/>
-        <dsp:cNvSpPr/>
-      </dsp:nvSpPr>
-      <dsp:spPr>
-        <a:xfrm>
-          <a:off x="2744613" y="54272"/>
-          <a:ext cx="1522511" cy="609004"/>
-        </a:xfrm>
-        <a:prstGeom prst="chevron">
-          <a:avLst/>
-        </a:prstGeom>
-        <a:solidFill>
-          <a:schemeClr val="accent2">
-            <a:hueOff val="0"/>
-            <a:satOff val="0"/>
-            <a:lumOff val="0"/>
-            <a:alphaOff val="0"/>
-          </a:schemeClr>
-        </a:solidFill>
-        <a:ln w="25400" cap="flat" cmpd="sng" algn="ctr">
-          <a:solidFill>
-            <a:schemeClr val="lt1">
-              <a:hueOff val="0"/>
-              <a:satOff val="0"/>
-              <a:lumOff val="0"/>
-              <a:alphaOff val="0"/>
-            </a:schemeClr>
-          </a:solidFill>
-          <a:prstDash val="solid"/>
-        </a:ln>
-        <a:effectLst/>
-      </dsp:spPr>
-      <dsp:style>
-        <a:lnRef idx="2">
-          <a:scrgbClr r="0" g="0" b="0"/>
-        </a:lnRef>
-        <a:fillRef idx="1">
-          <a:scrgbClr r="0" g="0" b="0"/>
-        </a:fillRef>
-        <a:effectRef idx="0">
-          <a:scrgbClr r="0" g="0" b="0"/>
-        </a:effectRef>
-        <a:fontRef idx="minor">
-          <a:schemeClr val="lt1"/>
-        </a:fontRef>
-      </dsp:style>
-      <dsp:txBody>
-        <a:bodyPr spcFirstLastPara="0" vert="horz" wrap="square" lIns="56007" tIns="18669" rIns="18669" bIns="18669" numCol="1" spcCol="1270" anchor="ctr" anchorCtr="0">
-          <a:noAutofit/>
-        </a:bodyPr>
-        <a:lstStyle/>
-        <a:p>
-          <a:pPr lvl="0" algn="ctr" defTabSz="622300">
-            <a:lnSpc>
-              <a:spcPct val="90000"/>
-            </a:lnSpc>
-            <a:spcBef>
-              <a:spcPct val="0"/>
-            </a:spcBef>
-            <a:spcAft>
-              <a:spcPct val="35000"/>
-            </a:spcAft>
-          </a:pPr>
-          <a:r>
-            <a:rPr lang="en-US" sz="1400" kern="1200" dirty="0" smtClean="0"/>
-            <a:t>Gate-Array</a:t>
-          </a:r>
-          <a:br>
-            <a:rPr lang="en-US" sz="1400" kern="1200" dirty="0" smtClean="0"/>
-          </a:br>
-          <a:r>
-            <a:rPr lang="en-US" sz="1400" kern="1200" dirty="0" smtClean="0"/>
-            <a:t>ASIC</a:t>
-          </a:r>
-          <a:endParaRPr lang="en-US" sz="1400" kern="1200" dirty="0"/>
-        </a:p>
-      </dsp:txBody>
-      <dsp:txXfrm>
-        <a:off x="3049115" y="54272"/>
-        <a:ext cx="913507" cy="609004"/>
-      </dsp:txXfrm>
-    </dsp:sp>
-    <dsp:sp modelId="{19D0620F-58AE-495D-9E4F-38154498B738}">
-      <dsp:nvSpPr>
-        <dsp:cNvPr id="0" name=""/>
-        <dsp:cNvSpPr/>
-      </dsp:nvSpPr>
-      <dsp:spPr>
-        <a:xfrm>
-          <a:off x="4114874" y="54272"/>
-          <a:ext cx="1522511" cy="609004"/>
-        </a:xfrm>
-        <a:prstGeom prst="chevron">
-          <a:avLst/>
-        </a:prstGeom>
-        <a:solidFill>
-          <a:schemeClr val="accent2">
-            <a:hueOff val="0"/>
-            <a:satOff val="0"/>
-            <a:lumOff val="0"/>
-            <a:alphaOff val="0"/>
-          </a:schemeClr>
-        </a:solidFill>
-        <a:ln w="25400" cap="flat" cmpd="sng" algn="ctr">
-          <a:solidFill>
-            <a:schemeClr val="lt1">
-              <a:hueOff val="0"/>
-              <a:satOff val="0"/>
-              <a:lumOff val="0"/>
-              <a:alphaOff val="0"/>
-            </a:schemeClr>
-          </a:solidFill>
-          <a:prstDash val="solid"/>
-        </a:ln>
-        <a:effectLst/>
-      </dsp:spPr>
-      <dsp:style>
-        <a:lnRef idx="2">
-          <a:scrgbClr r="0" g="0" b="0"/>
-        </a:lnRef>
-        <a:fillRef idx="1">
-          <a:scrgbClr r="0" g="0" b="0"/>
-        </a:fillRef>
-        <a:effectRef idx="0">
-          <a:scrgbClr r="0" g="0" b="0"/>
-        </a:effectRef>
-        <a:fontRef idx="minor">
-          <a:schemeClr val="lt1"/>
-        </a:fontRef>
-      </dsp:style>
-      <dsp:txBody>
-        <a:bodyPr spcFirstLastPara="0" vert="horz" wrap="square" lIns="56007" tIns="18669" rIns="18669" bIns="18669" numCol="1" spcCol="1270" anchor="ctr" anchorCtr="0">
-          <a:noAutofit/>
-        </a:bodyPr>
-        <a:lstStyle/>
-        <a:p>
-          <a:pPr lvl="0" algn="ctr" defTabSz="622300">
-            <a:lnSpc>
-              <a:spcPct val="90000"/>
-            </a:lnSpc>
-            <a:spcBef>
-              <a:spcPct val="0"/>
-            </a:spcBef>
-            <a:spcAft>
-              <a:spcPct val="35000"/>
-            </a:spcAft>
-          </a:pPr>
-          <a:r>
-            <a:rPr lang="en-US" sz="1400" kern="1200" dirty="0" smtClean="0"/>
-            <a:t>Complex</a:t>
-          </a:r>
-          <a:br>
-            <a:rPr lang="en-US" sz="1400" kern="1200" dirty="0" smtClean="0"/>
-          </a:br>
-          <a:r>
-            <a:rPr lang="en-US" sz="1400" kern="1200" dirty="0" smtClean="0"/>
-            <a:t>PLDs</a:t>
-          </a:r>
-          <a:endParaRPr lang="en-US" sz="1400" kern="1200" dirty="0"/>
-        </a:p>
-      </dsp:txBody>
-      <dsp:txXfrm>
-        <a:off x="4419376" y="54272"/>
-        <a:ext cx="913507" cy="609004"/>
-      </dsp:txXfrm>
-    </dsp:sp>
-    <dsp:sp modelId="{9F8BF49D-0932-4672-B6FD-8C36BD321AA1}">
-      <dsp:nvSpPr>
-        <dsp:cNvPr id="0" name=""/>
-        <dsp:cNvSpPr/>
-      </dsp:nvSpPr>
-      <dsp:spPr>
-        <a:xfrm>
-          <a:off x="5485134" y="54272"/>
-          <a:ext cx="1522511" cy="609004"/>
-        </a:xfrm>
-        <a:prstGeom prst="chevron">
-          <a:avLst/>
-        </a:prstGeom>
-        <a:solidFill>
-          <a:schemeClr val="lt1"/>
-        </a:solidFill>
-        <a:ln w="25400" cap="flat" cmpd="sng" algn="ctr">
-          <a:solidFill>
-            <a:schemeClr val="accent6"/>
-          </a:solidFill>
-          <a:prstDash val="solid"/>
-        </a:ln>
-        <a:effectLst/>
-      </dsp:spPr>
-      <dsp:style>
-        <a:lnRef idx="2">
-          <a:schemeClr val="accent6"/>
-        </a:lnRef>
-        <a:fillRef idx="1">
-          <a:schemeClr val="lt1"/>
-        </a:fillRef>
-        <a:effectRef idx="0">
-          <a:schemeClr val="accent6"/>
-        </a:effectRef>
-        <a:fontRef idx="minor">
-          <a:schemeClr val="dk1"/>
-        </a:fontRef>
-      </dsp:style>
-      <dsp:txBody>
-        <a:bodyPr spcFirstLastPara="0" vert="horz" wrap="square" lIns="56007" tIns="18669" rIns="18669" bIns="18669" numCol="1" spcCol="1270" anchor="ctr" anchorCtr="0">
-          <a:noAutofit/>
-        </a:bodyPr>
-        <a:lstStyle/>
-        <a:p>
-          <a:pPr lvl="0" algn="ctr" defTabSz="622300">
-            <a:lnSpc>
-              <a:spcPct val="90000"/>
-            </a:lnSpc>
-            <a:spcBef>
-              <a:spcPct val="0"/>
-            </a:spcBef>
-            <a:spcAft>
-              <a:spcPct val="35000"/>
-            </a:spcAft>
-          </a:pPr>
-          <a:r>
-            <a:rPr lang="en-US" sz="1400" kern="1200" dirty="0" smtClean="0"/>
-            <a:t>Simple</a:t>
-          </a:r>
-          <a:br>
-            <a:rPr lang="en-US" sz="1400" kern="1200" dirty="0" smtClean="0"/>
-          </a:br>
-          <a:r>
-            <a:rPr lang="en-US" sz="1400" kern="1200" dirty="0" smtClean="0"/>
-            <a:t>PLDs</a:t>
-          </a:r>
-          <a:endParaRPr lang="en-US" sz="1400" kern="1200" dirty="0"/>
-        </a:p>
-      </dsp:txBody>
-      <dsp:txXfrm>
-        <a:off x="5789636" y="54272"/>
-        <a:ext cx="913507" cy="609004"/>
-      </dsp:txXfrm>
-    </dsp:sp>
-    <dsp:sp modelId="{DBCA5975-2D08-4DDE-B712-A5C79732427B}">
-      <dsp:nvSpPr>
-        <dsp:cNvPr id="0" name=""/>
-        <dsp:cNvSpPr/>
-      </dsp:nvSpPr>
-      <dsp:spPr>
-        <a:xfrm>
-          <a:off x="6855395" y="54272"/>
-          <a:ext cx="1522511" cy="609004"/>
-        </a:xfrm>
-        <a:prstGeom prst="chevron">
-          <a:avLst/>
-        </a:prstGeom>
-        <a:solidFill>
-          <a:schemeClr val="accent2">
-            <a:hueOff val="0"/>
-            <a:satOff val="0"/>
-            <a:lumOff val="0"/>
-            <a:alphaOff val="0"/>
-          </a:schemeClr>
-        </a:solidFill>
-        <a:ln w="25400" cap="flat" cmpd="sng" algn="ctr">
-          <a:solidFill>
-            <a:schemeClr val="lt1">
-              <a:hueOff val="0"/>
-              <a:satOff val="0"/>
-              <a:lumOff val="0"/>
-              <a:alphaOff val="0"/>
-            </a:schemeClr>
-          </a:solidFill>
-          <a:prstDash val="solid"/>
-        </a:ln>
-        <a:effectLst/>
-      </dsp:spPr>
-      <dsp:style>
-        <a:lnRef idx="2">
-          <a:scrgbClr r="0" g="0" b="0"/>
-        </a:lnRef>
-        <a:fillRef idx="1">
-          <a:scrgbClr r="0" g="0" b="0"/>
-        </a:fillRef>
-        <a:effectRef idx="0">
-          <a:scrgbClr r="0" g="0" b="0"/>
-        </a:effectRef>
-        <a:fontRef idx="minor">
-          <a:schemeClr val="lt1"/>
-        </a:fontRef>
-      </dsp:style>
-      <dsp:txBody>
-        <a:bodyPr spcFirstLastPara="0" vert="horz" wrap="square" lIns="56007" tIns="18669" rIns="18669" bIns="18669" numCol="1" spcCol="1270" anchor="ctr" anchorCtr="0">
-          <a:noAutofit/>
-        </a:bodyPr>
-        <a:lstStyle/>
-        <a:p>
-          <a:pPr lvl="0" algn="ctr" defTabSz="622300">
-            <a:lnSpc>
-              <a:spcPct val="90000"/>
-            </a:lnSpc>
-            <a:spcBef>
-              <a:spcPct val="0"/>
-            </a:spcBef>
-            <a:spcAft>
-              <a:spcPct val="35000"/>
-            </a:spcAft>
-          </a:pPr>
-          <a:r>
-            <a:rPr lang="en-US" sz="1400" kern="1200" dirty="0" smtClean="0"/>
-            <a:t>SSI/MSI</a:t>
-          </a:r>
-          <a:endParaRPr lang="en-US" sz="1400" kern="1200" dirty="0"/>
-        </a:p>
-      </dsp:txBody>
-      <dsp:txXfrm>
-        <a:off x="7159897" y="54272"/>
-        <a:ext cx="913507" cy="609004"/>
-      </dsp:txXfrm>
-    </dsp:sp>
   </dsp:spTree>
 </dsp:drawing>
 </file>
@@ -11114,493 +8413,6 @@
       <dsp:cNvGrpSpPr/>
     </dsp:nvGrpSpPr>
     <dsp:grpSpPr/>
-    <dsp:sp modelId="{78FECA45-8955-476D-8065-815296FD7DE0}">
-      <dsp:nvSpPr>
-        <dsp:cNvPr id="0" name=""/>
-        <dsp:cNvSpPr/>
-      </dsp:nvSpPr>
-      <dsp:spPr>
-        <a:xfrm>
-          <a:off x="4092" y="54272"/>
-          <a:ext cx="1522511" cy="609004"/>
-        </a:xfrm>
-        <a:prstGeom prst="chevron">
-          <a:avLst/>
-        </a:prstGeom>
-        <a:solidFill>
-          <a:schemeClr val="accent2">
-            <a:hueOff val="0"/>
-            <a:satOff val="0"/>
-            <a:lumOff val="0"/>
-            <a:alphaOff val="0"/>
-          </a:schemeClr>
-        </a:solidFill>
-        <a:ln w="25400" cap="flat" cmpd="sng" algn="ctr">
-          <a:solidFill>
-            <a:schemeClr val="lt1">
-              <a:hueOff val="0"/>
-              <a:satOff val="0"/>
-              <a:lumOff val="0"/>
-              <a:alphaOff val="0"/>
-            </a:schemeClr>
-          </a:solidFill>
-          <a:prstDash val="solid"/>
-        </a:ln>
-        <a:effectLst/>
-      </dsp:spPr>
-      <dsp:style>
-        <a:lnRef idx="2">
-          <a:scrgbClr r="0" g="0" b="0"/>
-        </a:lnRef>
-        <a:fillRef idx="1">
-          <a:scrgbClr r="0" g="0" b="0"/>
-        </a:fillRef>
-        <a:effectRef idx="0">
-          <a:scrgbClr r="0" g="0" b="0"/>
-        </a:effectRef>
-        <a:fontRef idx="minor">
-          <a:schemeClr val="lt1"/>
-        </a:fontRef>
-      </dsp:style>
-      <dsp:txBody>
-        <a:bodyPr spcFirstLastPara="0" vert="horz" wrap="square" lIns="56007" tIns="18669" rIns="18669" bIns="18669" numCol="1" spcCol="1270" anchor="ctr" anchorCtr="0">
-          <a:noAutofit/>
-        </a:bodyPr>
-        <a:lstStyle/>
-        <a:p>
-          <a:pPr lvl="0" algn="ctr" defTabSz="622300">
-            <a:lnSpc>
-              <a:spcPct val="90000"/>
-            </a:lnSpc>
-            <a:spcBef>
-              <a:spcPct val="0"/>
-            </a:spcBef>
-            <a:spcAft>
-              <a:spcPct val="35000"/>
-            </a:spcAft>
-          </a:pPr>
-          <a:r>
-            <a:rPr lang="en-US" sz="1400" kern="1200" dirty="0" smtClean="0"/>
-            <a:t>Full-Custom</a:t>
-          </a:r>
-          <a:br>
-            <a:rPr lang="en-US" sz="1400" kern="1200" dirty="0" smtClean="0"/>
-          </a:br>
-          <a:r>
-            <a:rPr lang="en-US" sz="1400" kern="1200" dirty="0" smtClean="0"/>
-            <a:t>ASIC</a:t>
-          </a:r>
-          <a:endParaRPr lang="en-US" sz="1400" kern="1200" dirty="0"/>
-        </a:p>
-      </dsp:txBody>
-      <dsp:txXfrm>
-        <a:off x="308594" y="54272"/>
-        <a:ext cx="913507" cy="609004"/>
-      </dsp:txXfrm>
-    </dsp:sp>
-    <dsp:sp modelId="{62544C78-EC42-46A9-8C1C-7B2370E13A5E}">
-      <dsp:nvSpPr>
-        <dsp:cNvPr id="0" name=""/>
-        <dsp:cNvSpPr/>
-      </dsp:nvSpPr>
-      <dsp:spPr>
-        <a:xfrm>
-          <a:off x="1374353" y="54272"/>
-          <a:ext cx="1522511" cy="609004"/>
-        </a:xfrm>
-        <a:prstGeom prst="chevron">
-          <a:avLst/>
-        </a:prstGeom>
-        <a:solidFill>
-          <a:schemeClr val="accent2">
-            <a:hueOff val="0"/>
-            <a:satOff val="0"/>
-            <a:lumOff val="0"/>
-            <a:alphaOff val="0"/>
-          </a:schemeClr>
-        </a:solidFill>
-        <a:ln w="25400" cap="flat" cmpd="sng" algn="ctr">
-          <a:solidFill>
-            <a:schemeClr val="lt1">
-              <a:hueOff val="0"/>
-              <a:satOff val="0"/>
-              <a:lumOff val="0"/>
-              <a:alphaOff val="0"/>
-            </a:schemeClr>
-          </a:solidFill>
-          <a:prstDash val="solid"/>
-        </a:ln>
-        <a:effectLst/>
-      </dsp:spPr>
-      <dsp:style>
-        <a:lnRef idx="2">
-          <a:scrgbClr r="0" g="0" b="0"/>
-        </a:lnRef>
-        <a:fillRef idx="1">
-          <a:scrgbClr r="0" g="0" b="0"/>
-        </a:fillRef>
-        <a:effectRef idx="0">
-          <a:scrgbClr r="0" g="0" b="0"/>
-        </a:effectRef>
-        <a:fontRef idx="minor">
-          <a:schemeClr val="lt1"/>
-        </a:fontRef>
-      </dsp:style>
-      <dsp:txBody>
-        <a:bodyPr spcFirstLastPara="0" vert="horz" wrap="square" lIns="56007" tIns="18669" rIns="18669" bIns="18669" numCol="1" spcCol="1270" anchor="ctr" anchorCtr="0">
-          <a:noAutofit/>
-        </a:bodyPr>
-        <a:lstStyle/>
-        <a:p>
-          <a:pPr lvl="0" algn="ctr" defTabSz="622300">
-            <a:lnSpc>
-              <a:spcPct val="90000"/>
-            </a:lnSpc>
-            <a:spcBef>
-              <a:spcPct val="0"/>
-            </a:spcBef>
-            <a:spcAft>
-              <a:spcPct val="35000"/>
-            </a:spcAft>
-          </a:pPr>
-          <a:r>
-            <a:rPr lang="en-US" sz="1400" kern="1200" dirty="0" smtClean="0"/>
-            <a:t>Standard-Cell</a:t>
-          </a:r>
-          <a:br>
-            <a:rPr lang="en-US" sz="1400" kern="1200" dirty="0" smtClean="0"/>
-          </a:br>
-          <a:r>
-            <a:rPr lang="en-US" sz="1400" kern="1200" dirty="0" smtClean="0"/>
-            <a:t>ASIC</a:t>
-          </a:r>
-          <a:endParaRPr lang="en-US" sz="1400" kern="1200" dirty="0"/>
-        </a:p>
-      </dsp:txBody>
-      <dsp:txXfrm>
-        <a:off x="1678855" y="54272"/>
-        <a:ext cx="913507" cy="609004"/>
-      </dsp:txXfrm>
-    </dsp:sp>
-    <dsp:sp modelId="{FCA272A7-0AA9-4BD3-B02C-44CCB3BE2CE9}">
-      <dsp:nvSpPr>
-        <dsp:cNvPr id="0" name=""/>
-        <dsp:cNvSpPr/>
-      </dsp:nvSpPr>
-      <dsp:spPr>
-        <a:xfrm>
-          <a:off x="2744613" y="54272"/>
-          <a:ext cx="1522511" cy="609004"/>
-        </a:xfrm>
-        <a:prstGeom prst="chevron">
-          <a:avLst/>
-        </a:prstGeom>
-        <a:solidFill>
-          <a:schemeClr val="accent2">
-            <a:hueOff val="0"/>
-            <a:satOff val="0"/>
-            <a:lumOff val="0"/>
-            <a:alphaOff val="0"/>
-          </a:schemeClr>
-        </a:solidFill>
-        <a:ln w="25400" cap="flat" cmpd="sng" algn="ctr">
-          <a:solidFill>
-            <a:schemeClr val="lt1">
-              <a:hueOff val="0"/>
-              <a:satOff val="0"/>
-              <a:lumOff val="0"/>
-              <a:alphaOff val="0"/>
-            </a:schemeClr>
-          </a:solidFill>
-          <a:prstDash val="solid"/>
-        </a:ln>
-        <a:effectLst/>
-      </dsp:spPr>
-      <dsp:style>
-        <a:lnRef idx="2">
-          <a:scrgbClr r="0" g="0" b="0"/>
-        </a:lnRef>
-        <a:fillRef idx="1">
-          <a:scrgbClr r="0" g="0" b="0"/>
-        </a:fillRef>
-        <a:effectRef idx="0">
-          <a:scrgbClr r="0" g="0" b="0"/>
-        </a:effectRef>
-        <a:fontRef idx="minor">
-          <a:schemeClr val="lt1"/>
-        </a:fontRef>
-      </dsp:style>
-      <dsp:txBody>
-        <a:bodyPr spcFirstLastPara="0" vert="horz" wrap="square" lIns="56007" tIns="18669" rIns="18669" bIns="18669" numCol="1" spcCol="1270" anchor="ctr" anchorCtr="0">
-          <a:noAutofit/>
-        </a:bodyPr>
-        <a:lstStyle/>
-        <a:p>
-          <a:pPr lvl="0" algn="ctr" defTabSz="622300">
-            <a:lnSpc>
-              <a:spcPct val="90000"/>
-            </a:lnSpc>
-            <a:spcBef>
-              <a:spcPct val="0"/>
-            </a:spcBef>
-            <a:spcAft>
-              <a:spcPct val="35000"/>
-            </a:spcAft>
-          </a:pPr>
-          <a:r>
-            <a:rPr lang="en-US" sz="1400" kern="1200" dirty="0" smtClean="0"/>
-            <a:t>Gate-Array</a:t>
-          </a:r>
-          <a:br>
-            <a:rPr lang="en-US" sz="1400" kern="1200" dirty="0" smtClean="0"/>
-          </a:br>
-          <a:r>
-            <a:rPr lang="en-US" sz="1400" kern="1200" dirty="0" smtClean="0"/>
-            <a:t>ASIC</a:t>
-          </a:r>
-          <a:endParaRPr lang="en-US" sz="1400" kern="1200" dirty="0"/>
-        </a:p>
-      </dsp:txBody>
-      <dsp:txXfrm>
-        <a:off x="3049115" y="54272"/>
-        <a:ext cx="913507" cy="609004"/>
-      </dsp:txXfrm>
-    </dsp:sp>
-    <dsp:sp modelId="{19D0620F-58AE-495D-9E4F-38154498B738}">
-      <dsp:nvSpPr>
-        <dsp:cNvPr id="0" name=""/>
-        <dsp:cNvSpPr/>
-      </dsp:nvSpPr>
-      <dsp:spPr>
-        <a:xfrm>
-          <a:off x="4114874" y="54272"/>
-          <a:ext cx="1522511" cy="609004"/>
-        </a:xfrm>
-        <a:prstGeom prst="chevron">
-          <a:avLst/>
-        </a:prstGeom>
-        <a:solidFill>
-          <a:schemeClr val="accent2">
-            <a:hueOff val="0"/>
-            <a:satOff val="0"/>
-            <a:lumOff val="0"/>
-            <a:alphaOff val="0"/>
-          </a:schemeClr>
-        </a:solidFill>
-        <a:ln w="25400" cap="flat" cmpd="sng" algn="ctr">
-          <a:solidFill>
-            <a:schemeClr val="lt1">
-              <a:hueOff val="0"/>
-              <a:satOff val="0"/>
-              <a:lumOff val="0"/>
-              <a:alphaOff val="0"/>
-            </a:schemeClr>
-          </a:solidFill>
-          <a:prstDash val="solid"/>
-        </a:ln>
-        <a:effectLst/>
-      </dsp:spPr>
-      <dsp:style>
-        <a:lnRef idx="2">
-          <a:scrgbClr r="0" g="0" b="0"/>
-        </a:lnRef>
-        <a:fillRef idx="1">
-          <a:scrgbClr r="0" g="0" b="0"/>
-        </a:fillRef>
-        <a:effectRef idx="0">
-          <a:scrgbClr r="0" g="0" b="0"/>
-        </a:effectRef>
-        <a:fontRef idx="minor">
-          <a:schemeClr val="lt1"/>
-        </a:fontRef>
-      </dsp:style>
-      <dsp:txBody>
-        <a:bodyPr spcFirstLastPara="0" vert="horz" wrap="square" lIns="56007" tIns="18669" rIns="18669" bIns="18669" numCol="1" spcCol="1270" anchor="ctr" anchorCtr="0">
-          <a:noAutofit/>
-        </a:bodyPr>
-        <a:lstStyle/>
-        <a:p>
-          <a:pPr lvl="0" algn="ctr" defTabSz="622300">
-            <a:lnSpc>
-              <a:spcPct val="90000"/>
-            </a:lnSpc>
-            <a:spcBef>
-              <a:spcPct val="0"/>
-            </a:spcBef>
-            <a:spcAft>
-              <a:spcPct val="35000"/>
-            </a:spcAft>
-          </a:pPr>
-          <a:r>
-            <a:rPr lang="en-US" sz="1400" kern="1200" dirty="0" smtClean="0"/>
-            <a:t>Complex</a:t>
-          </a:r>
-          <a:br>
-            <a:rPr lang="en-US" sz="1400" kern="1200" dirty="0" smtClean="0"/>
-          </a:br>
-          <a:r>
-            <a:rPr lang="en-US" sz="1400" kern="1200" dirty="0" smtClean="0"/>
-            <a:t>PLDs</a:t>
-          </a:r>
-          <a:endParaRPr lang="en-US" sz="1400" kern="1200" dirty="0"/>
-        </a:p>
-      </dsp:txBody>
-      <dsp:txXfrm>
-        <a:off x="4419376" y="54272"/>
-        <a:ext cx="913507" cy="609004"/>
-      </dsp:txXfrm>
-    </dsp:sp>
-    <dsp:sp modelId="{9F8BF49D-0932-4672-B6FD-8C36BD321AA1}">
-      <dsp:nvSpPr>
-        <dsp:cNvPr id="0" name=""/>
-        <dsp:cNvSpPr/>
-      </dsp:nvSpPr>
-      <dsp:spPr>
-        <a:xfrm>
-          <a:off x="5485134" y="54272"/>
-          <a:ext cx="1522511" cy="609004"/>
-        </a:xfrm>
-        <a:prstGeom prst="chevron">
-          <a:avLst/>
-        </a:prstGeom>
-        <a:solidFill>
-          <a:schemeClr val="accent2">
-            <a:hueOff val="0"/>
-            <a:satOff val="0"/>
-            <a:lumOff val="0"/>
-            <a:alphaOff val="0"/>
-          </a:schemeClr>
-        </a:solidFill>
-        <a:ln w="25400" cap="flat" cmpd="sng" algn="ctr">
-          <a:solidFill>
-            <a:schemeClr val="lt1">
-              <a:hueOff val="0"/>
-              <a:satOff val="0"/>
-              <a:lumOff val="0"/>
-              <a:alphaOff val="0"/>
-            </a:schemeClr>
-          </a:solidFill>
-          <a:prstDash val="solid"/>
-        </a:ln>
-        <a:effectLst/>
-      </dsp:spPr>
-      <dsp:style>
-        <a:lnRef idx="2">
-          <a:scrgbClr r="0" g="0" b="0"/>
-        </a:lnRef>
-        <a:fillRef idx="1">
-          <a:scrgbClr r="0" g="0" b="0"/>
-        </a:fillRef>
-        <a:effectRef idx="0">
-          <a:scrgbClr r="0" g="0" b="0"/>
-        </a:effectRef>
-        <a:fontRef idx="minor">
-          <a:schemeClr val="lt1"/>
-        </a:fontRef>
-      </dsp:style>
-      <dsp:txBody>
-        <a:bodyPr spcFirstLastPara="0" vert="horz" wrap="square" lIns="56007" tIns="18669" rIns="18669" bIns="18669" numCol="1" spcCol="1270" anchor="ctr" anchorCtr="0">
-          <a:noAutofit/>
-        </a:bodyPr>
-        <a:lstStyle/>
-        <a:p>
-          <a:pPr lvl="0" algn="ctr" defTabSz="622300">
-            <a:lnSpc>
-              <a:spcPct val="90000"/>
-            </a:lnSpc>
-            <a:spcBef>
-              <a:spcPct val="0"/>
-            </a:spcBef>
-            <a:spcAft>
-              <a:spcPct val="35000"/>
-            </a:spcAft>
-          </a:pPr>
-          <a:r>
-            <a:rPr lang="en-US" sz="1400" kern="1200" dirty="0" smtClean="0"/>
-            <a:t>Simple</a:t>
-          </a:r>
-          <a:br>
-            <a:rPr lang="en-US" sz="1400" kern="1200" dirty="0" smtClean="0"/>
-          </a:br>
-          <a:r>
-            <a:rPr lang="en-US" sz="1400" kern="1200" dirty="0" smtClean="0"/>
-            <a:t>PLDs</a:t>
-          </a:r>
-          <a:endParaRPr lang="en-US" sz="1400" kern="1200" dirty="0"/>
-        </a:p>
-      </dsp:txBody>
-      <dsp:txXfrm>
-        <a:off x="5789636" y="54272"/>
-        <a:ext cx="913507" cy="609004"/>
-      </dsp:txXfrm>
-    </dsp:sp>
-    <dsp:sp modelId="{DBCA5975-2D08-4DDE-B712-A5C79732427B}">
-      <dsp:nvSpPr>
-        <dsp:cNvPr id="0" name=""/>
-        <dsp:cNvSpPr/>
-      </dsp:nvSpPr>
-      <dsp:spPr>
-        <a:xfrm>
-          <a:off x="6855395" y="54272"/>
-          <a:ext cx="1522511" cy="609004"/>
-        </a:xfrm>
-        <a:prstGeom prst="chevron">
-          <a:avLst/>
-        </a:prstGeom>
-        <a:solidFill>
-          <a:schemeClr val="lt1"/>
-        </a:solidFill>
-        <a:ln w="25400" cap="flat" cmpd="sng" algn="ctr">
-          <a:solidFill>
-            <a:schemeClr val="accent2"/>
-          </a:solidFill>
-          <a:prstDash val="solid"/>
-        </a:ln>
-        <a:effectLst/>
-      </dsp:spPr>
-      <dsp:style>
-        <a:lnRef idx="2">
-          <a:schemeClr val="accent2"/>
-        </a:lnRef>
-        <a:fillRef idx="1">
-          <a:schemeClr val="lt1"/>
-        </a:fillRef>
-        <a:effectRef idx="0">
-          <a:schemeClr val="accent2"/>
-        </a:effectRef>
-        <a:fontRef idx="minor">
-          <a:schemeClr val="dk1"/>
-        </a:fontRef>
-      </dsp:style>
-      <dsp:txBody>
-        <a:bodyPr spcFirstLastPara="0" vert="horz" wrap="square" lIns="56007" tIns="18669" rIns="18669" bIns="18669" numCol="1" spcCol="1270" anchor="ctr" anchorCtr="0">
-          <a:noAutofit/>
-        </a:bodyPr>
-        <a:lstStyle/>
-        <a:p>
-          <a:pPr lvl="0" algn="ctr" defTabSz="622300">
-            <a:lnSpc>
-              <a:spcPct val="90000"/>
-            </a:lnSpc>
-            <a:spcBef>
-              <a:spcPct val="0"/>
-            </a:spcBef>
-            <a:spcAft>
-              <a:spcPct val="35000"/>
-            </a:spcAft>
-          </a:pPr>
-          <a:r>
-            <a:rPr lang="en-US" sz="1400" kern="1200" dirty="0" smtClean="0"/>
-            <a:t>SSI/MSI</a:t>
-          </a:r>
-          <a:endParaRPr lang="en-US" sz="1400" kern="1200" dirty="0"/>
-        </a:p>
-      </dsp:txBody>
-      <dsp:txXfrm>
-        <a:off x="7159897" y="54272"/>
-        <a:ext cx="913507" cy="609004"/>
-      </dsp:txXfrm>
-    </dsp:sp>
   </dsp:spTree>
 </dsp:drawing>
 </file>
@@ -21882,11 +18694,19 @@
           <a:lstStyle/>
           <a:p>
             <a:fld id="{833866E5-B94A-483C-A5BE-4F8375C5FC28}" type="slidenum">
-              <a:rPr lang="en-US" smtClean="0"/>
+              <a:rPr lang="en-US" smtClean="0">
+                <a:solidFill>
+                  <a:prstClr val="black"/>
+                </a:solidFill>
+              </a:rPr>
               <a:pPr/>
-              <a:t>12</a:t>
+              <a:t>13</a:t>
             </a:fld>
-            <a:endParaRPr lang="en-US"/>
+            <a:endParaRPr lang="en-US">
+              <a:solidFill>
+                <a:prstClr val="black"/>
+              </a:solidFill>
+            </a:endParaRPr>
           </a:p>
         </p:txBody>
       </p:sp>
@@ -21971,96 +18791,6 @@
               </a:rPr>
               <a:pPr/>
               <a:t>14</a:t>
-            </a:fld>
-            <a:endParaRPr lang="en-US">
-              <a:solidFill>
-                <a:prstClr val="black"/>
-              </a:solidFill>
-            </a:endParaRPr>
-          </a:p>
-        </p:txBody>
-      </p:sp>
-    </p:spTree>
-  </p:cSld>
-  <p:clrMapOvr>
-    <a:masterClrMapping/>
-  </p:clrMapOvr>
-</p:notes>
-</file>
-
-<file path=ppt/notesSlides/notesSlide7.xml><?xml version="1.0" encoding="utf-8"?>
-<p:notes xmlns:a="http://schemas.openxmlformats.org/drawingml/2006/main" xmlns:r="http://schemas.openxmlformats.org/officeDocument/2006/relationships" xmlns:p="http://schemas.openxmlformats.org/presentationml/2006/main">
-  <p:cSld>
-    <p:spTree>
-      <p:nvGrpSpPr>
-        <p:cNvPr id="1" name=""/>
-        <p:cNvGrpSpPr/>
-        <p:nvPr/>
-      </p:nvGrpSpPr>
-      <p:grpSpPr>
-        <a:xfrm>
-          <a:off x="0" y="0"/>
-          <a:ext cx="0" cy="0"/>
-          <a:chOff x="0" y="0"/>
-          <a:chExt cx="0" cy="0"/>
-        </a:xfrm>
-      </p:grpSpPr>
-      <p:sp>
-        <p:nvSpPr>
-          <p:cNvPr id="2" name="Slide Image Placeholder 1"/>
-          <p:cNvSpPr>
-            <a:spLocks noGrp="1" noRot="1" noChangeAspect="1"/>
-          </p:cNvSpPr>
-          <p:nvPr>
-            <p:ph type="sldImg"/>
-          </p:nvPr>
-        </p:nvSpPr>
-        <p:spPr/>
-      </p:sp>
-      <p:sp>
-        <p:nvSpPr>
-          <p:cNvPr id="3" name="Notes Placeholder 2"/>
-          <p:cNvSpPr>
-            <a:spLocks noGrp="1"/>
-          </p:cNvSpPr>
-          <p:nvPr>
-            <p:ph type="body" idx="1"/>
-          </p:nvPr>
-        </p:nvSpPr>
-        <p:spPr/>
-        <p:txBody>
-          <a:bodyPr>
-            <a:normAutofit/>
-          </a:bodyPr>
-          <a:lstStyle/>
-          <a:p>
-            <a:endParaRPr lang="en-US"/>
-          </a:p>
-        </p:txBody>
-      </p:sp>
-      <p:sp>
-        <p:nvSpPr>
-          <p:cNvPr id="4" name="Slide Number Placeholder 3"/>
-          <p:cNvSpPr>
-            <a:spLocks noGrp="1"/>
-          </p:cNvSpPr>
-          <p:nvPr>
-            <p:ph type="sldNum" sz="quarter" idx="10"/>
-          </p:nvPr>
-        </p:nvSpPr>
-        <p:spPr/>
-        <p:txBody>
-          <a:bodyPr/>
-          <a:lstStyle/>
-          <a:p>
-            <a:fld id="{833866E5-B94A-483C-A5BE-4F8375C5FC28}" type="slidenum">
-              <a:rPr lang="en-US" smtClean="0">
-                <a:solidFill>
-                  <a:prstClr val="black"/>
-                </a:solidFill>
-              </a:rPr>
-              <a:pPr/>
-              <a:t>15</a:t>
             </a:fld>
             <a:endParaRPr lang="en-US">
               <a:solidFill>
@@ -37651,7 +34381,15 @@
                   <a:prstClr val="white"/>
                 </a:solidFill>
               </a:rPr>
-              <a:t>463 – 2G2</a:t>
+              <a:t>464 </a:t>
+            </a:r>
+            <a:r>
+              <a:rPr lang="en-US" sz="1200" b="1" dirty="0" smtClean="0">
+                <a:solidFill>
+                  <a:prstClr val="white"/>
+                </a:solidFill>
+              </a:rPr>
+              <a:t>– 2G2</a:t>
             </a:r>
             <a:endParaRPr lang="en-US" sz="1200" b="1" dirty="0">
               <a:solidFill>
@@ -37749,7 +34487,15 @@
                   <a:prstClr val="white"/>
                 </a:solidFill>
               </a:rPr>
-              <a:t>463 – 2G2</a:t>
+              <a:t>464 </a:t>
+            </a:r>
+            <a:r>
+              <a:rPr lang="en-US" sz="1200" b="1" dirty="0" smtClean="0">
+                <a:solidFill>
+                  <a:prstClr val="white"/>
+                </a:solidFill>
+              </a:rPr>
+              <a:t>– 2G2</a:t>
             </a:r>
             <a:endParaRPr lang="en-US" sz="1200" b="1" dirty="0">
               <a:solidFill>
@@ -38111,23 +34857,8 @@
                 </a:solidFill>
                 <a:latin typeface="Arial"/>
               </a:rPr>
-              <a:t>Office:  </a:t>
-            </a:r>
-            <a:r>
-              <a:rPr lang="en-US" dirty="0" smtClean="0">
-                <a:solidFill>
-                  <a:srgbClr val="000000"/>
-                </a:solidFill>
-                <a:latin typeface="Arial"/>
-              </a:rPr>
-              <a:t>333-7366</a:t>
-            </a:r>
-            <a:endParaRPr lang="en-US" dirty="0" smtClean="0">
-              <a:solidFill>
-                <a:srgbClr val="000000"/>
-              </a:solidFill>
-              <a:latin typeface="Arial"/>
-            </a:endParaRPr>
+              <a:t>Office:  333-7366</a:t>
+            </a:r>
           </a:p>
         </p:txBody>
       </p:sp>
@@ -38492,562 +35223,6 @@
 </file>
 
 <file path=ppt/slides/slide12.xml><?xml version="1.0" encoding="utf-8"?>
-<p:sld xmlns:a="http://schemas.openxmlformats.org/drawingml/2006/main" xmlns:r="http://schemas.openxmlformats.org/officeDocument/2006/relationships" xmlns:p="http://schemas.openxmlformats.org/presentationml/2006/main">
-  <p:cSld>
-    <p:spTree>
-      <p:nvGrpSpPr>
-        <p:cNvPr id="1" name=""/>
-        <p:cNvGrpSpPr/>
-        <p:nvPr/>
-      </p:nvGrpSpPr>
-      <p:grpSpPr>
-        <a:xfrm>
-          <a:off x="0" y="0"/>
-          <a:ext cx="0" cy="0"/>
-          <a:chOff x="0" y="0"/>
-          <a:chExt cx="0" cy="0"/>
-        </a:xfrm>
-      </p:grpSpPr>
-      <p:sp>
-        <p:nvSpPr>
-          <p:cNvPr id="3" name="Rectangle 2"/>
-          <p:cNvSpPr/>
-          <p:nvPr/>
-        </p:nvSpPr>
-        <p:spPr bwMode="auto">
-          <a:xfrm>
-            <a:off x="0" y="0"/>
-            <a:ext cx="9144000" cy="6858000"/>
-          </a:xfrm>
-          <a:prstGeom prst="rect">
-            <a:avLst/>
-          </a:prstGeom>
-          <a:ln>
-            <a:headEnd type="none" w="med" len="med"/>
-            <a:tailEnd type="none" w="med" len="med"/>
-          </a:ln>
-        </p:spPr>
-        <p:style>
-          <a:lnRef idx="2">
-            <a:schemeClr val="accent3"/>
-          </a:lnRef>
-          <a:fillRef idx="1">
-            <a:schemeClr val="lt1"/>
-          </a:fillRef>
-          <a:effectRef idx="0">
-            <a:schemeClr val="accent3"/>
-          </a:effectRef>
-          <a:fontRef idx="minor">
-            <a:schemeClr val="dk1"/>
-          </a:fontRef>
-        </p:style>
-        <p:txBody>
-          <a:bodyPr vert="horz" wrap="square" lIns="91440" tIns="45720" rIns="91440" bIns="45720" numCol="1" rtlCol="0" anchor="t" anchorCtr="0" compatLnSpc="1">
-            <a:prstTxWarp prst="textNoShape">
-              <a:avLst/>
-            </a:prstTxWarp>
-          </a:bodyPr>
-          <a:lstStyle/>
-          <a:p>
-            <a:pPr marL="0" marR="0" indent="0" algn="ctr" defTabSz="914400" rtl="0" eaLnBrk="0" fontAlgn="base" latinLnBrk="0" hangingPunct="0">
-              <a:lnSpc>
-                <a:spcPct val="100000"/>
-              </a:lnSpc>
-              <a:spcBef>
-                <a:spcPct val="0"/>
-              </a:spcBef>
-              <a:spcAft>
-                <a:spcPct val="0"/>
-              </a:spcAft>
-              <a:buClrTx/>
-              <a:buSzTx/>
-              <a:buFontTx/>
-              <a:buNone/>
-              <a:tabLst/>
-            </a:pPr>
-            <a:endParaRPr lang="en-US" sz="400" b="1" dirty="0" smtClean="0">
-              <a:solidFill>
-                <a:schemeClr val="tx1"/>
-              </a:solidFill>
-              <a:latin typeface="Arial" pitchFamily="34" charset="0"/>
-            </a:endParaRPr>
-          </a:p>
-          <a:p>
-            <a:pPr marL="0" marR="0" indent="0" algn="ctr" defTabSz="914400" rtl="0" eaLnBrk="0" fontAlgn="base" latinLnBrk="0" hangingPunct="0">
-              <a:lnSpc>
-                <a:spcPct val="100000"/>
-              </a:lnSpc>
-              <a:spcBef>
-                <a:spcPct val="0"/>
-              </a:spcBef>
-              <a:spcAft>
-                <a:spcPct val="0"/>
-              </a:spcAft>
-              <a:buClrTx/>
-              <a:buSzTx/>
-              <a:buFontTx/>
-              <a:buNone/>
-              <a:tabLst/>
-            </a:pPr>
-            <a:r>
-              <a:rPr lang="en-US" sz="2400" b="1" dirty="0" smtClean="0">
-                <a:solidFill>
-                  <a:schemeClr val="tx1"/>
-                </a:solidFill>
-                <a:latin typeface="Arial" pitchFamily="34" charset="0"/>
-              </a:rPr>
-              <a:t>West </a:t>
-            </a:r>
-            <a:r>
-              <a:rPr kumimoji="0" lang="en-US" sz="2400" b="1" i="0" u="none" strike="noStrike" cap="none" normalizeH="0" baseline="0" dirty="0" smtClean="0">
-                <a:ln>
-                  <a:noFill/>
-                </a:ln>
-                <a:solidFill>
-                  <a:schemeClr val="tx1"/>
-                </a:solidFill>
-                <a:effectLst/>
-                <a:latin typeface="Arial" pitchFamily="34" charset="0"/>
-              </a:rPr>
-              <a:t>(Terrazzo)</a:t>
-            </a:r>
-            <a:r>
-              <a:rPr lang="en-US" sz="2400" b="1" dirty="0">
-                <a:solidFill>
-                  <a:schemeClr val="tx1"/>
-                </a:solidFill>
-                <a:latin typeface="Arial" pitchFamily="34" charset="0"/>
-              </a:rPr>
-              <a:t> </a:t>
-            </a:r>
-            <a:r>
-              <a:rPr kumimoji="0" lang="en-US" sz="2400" b="1" i="0" u="none" strike="noStrike" cap="none" normalizeH="0" dirty="0" smtClean="0">
-                <a:ln>
-                  <a:noFill/>
-                </a:ln>
-                <a:solidFill>
-                  <a:schemeClr val="tx1"/>
-                </a:solidFill>
-                <a:effectLst/>
-                <a:latin typeface="Arial" pitchFamily="34" charset="0"/>
-              </a:rPr>
-              <a:t>Side</a:t>
-            </a:r>
-            <a:endParaRPr kumimoji="0" lang="en-US" sz="2400" b="1" i="0" u="none" strike="noStrike" cap="none" normalizeH="0" baseline="0" dirty="0" smtClean="0">
-              <a:ln>
-                <a:noFill/>
-              </a:ln>
-              <a:solidFill>
-                <a:schemeClr val="tx1"/>
-              </a:solidFill>
-              <a:effectLst/>
-              <a:latin typeface="Arial" pitchFamily="34" charset="0"/>
-            </a:endParaRPr>
-          </a:p>
-        </p:txBody>
-      </p:sp>
-      <p:pic>
-        <p:nvPicPr>
-          <p:cNvPr id="1026" name="Picture 2"/>
-          <p:cNvPicPr>
-            <a:picLocks noGrp="1" noChangeAspect="1" noChangeArrowheads="1"/>
-          </p:cNvPicPr>
-          <p:nvPr>
-            <p:ph idx="1"/>
-          </p:nvPr>
-        </p:nvPicPr>
-        <p:blipFill>
-          <a:blip r:embed="rId3" cstate="print">
-            <a:clrChange>
-              <a:clrFrom>
-                <a:srgbClr val="FFFFFF"/>
-              </a:clrFrom>
-              <a:clrTo>
-                <a:srgbClr val="FFFFFF">
-                  <a:alpha val="0"/>
-                </a:srgbClr>
-              </a:clrTo>
-            </a:clrChange>
-          </a:blip>
-          <a:srcRect/>
-          <a:stretch>
-            <a:fillRect/>
-          </a:stretch>
-        </p:blipFill>
-        <p:spPr bwMode="auto">
-          <a:xfrm>
-            <a:off x="1072440" y="441928"/>
-            <a:ext cx="6999120" cy="5974145"/>
-          </a:xfrm>
-          <a:prstGeom prst="rect">
-            <a:avLst/>
-          </a:prstGeom>
-          <a:noFill/>
-          <a:ln w="9525">
-            <a:noFill/>
-            <a:miter lim="800000"/>
-            <a:headEnd/>
-            <a:tailEnd/>
-          </a:ln>
-        </p:spPr>
-      </p:pic>
-      <p:sp>
-        <p:nvSpPr>
-          <p:cNvPr id="2" name="Rectangle 1"/>
-          <p:cNvSpPr/>
-          <p:nvPr/>
-        </p:nvSpPr>
-        <p:spPr>
-          <a:xfrm>
-            <a:off x="3695700" y="914399"/>
-            <a:ext cx="381000" cy="5453063"/>
-          </a:xfrm>
-          <a:prstGeom prst="rect">
-            <a:avLst/>
-          </a:prstGeom>
-          <a:solidFill>
-            <a:schemeClr val="accent6">
-              <a:alpha val="70000"/>
-            </a:schemeClr>
-          </a:solidFill>
-          <a:ln>
-            <a:noFill/>
-          </a:ln>
-        </p:spPr>
-        <p:style>
-          <a:lnRef idx="2">
-            <a:schemeClr val="accent1">
-              <a:shade val="50000"/>
-            </a:schemeClr>
-          </a:lnRef>
-          <a:fillRef idx="1">
-            <a:schemeClr val="accent1"/>
-          </a:fillRef>
-          <a:effectRef idx="0">
-            <a:schemeClr val="accent1"/>
-          </a:effectRef>
-          <a:fontRef idx="minor">
-            <a:schemeClr val="lt1"/>
-          </a:fontRef>
-        </p:style>
-        <p:txBody>
-          <a:bodyPr rtlCol="0" anchor="ctr"/>
-          <a:lstStyle/>
-          <a:p>
-            <a:pPr algn="ctr"/>
-            <a:endParaRPr lang="en-US"/>
-          </a:p>
-        </p:txBody>
-      </p:sp>
-      <p:sp>
-        <p:nvSpPr>
-          <p:cNvPr id="5" name="Rectangle 4"/>
-          <p:cNvSpPr/>
-          <p:nvPr/>
-        </p:nvSpPr>
-        <p:spPr>
-          <a:xfrm>
-            <a:off x="6477001" y="904867"/>
-            <a:ext cx="371474" cy="5453063"/>
-          </a:xfrm>
-          <a:prstGeom prst="rect">
-            <a:avLst/>
-          </a:prstGeom>
-          <a:solidFill>
-            <a:srgbClr val="FFFF00">
-              <a:alpha val="70000"/>
-            </a:srgbClr>
-          </a:solidFill>
-          <a:ln>
-            <a:noFill/>
-          </a:ln>
-        </p:spPr>
-        <p:style>
-          <a:lnRef idx="2">
-            <a:schemeClr val="accent1">
-              <a:shade val="50000"/>
-            </a:schemeClr>
-          </a:lnRef>
-          <a:fillRef idx="1">
-            <a:schemeClr val="accent1"/>
-          </a:fillRef>
-          <a:effectRef idx="0">
-            <a:schemeClr val="accent1"/>
-          </a:effectRef>
-          <a:fontRef idx="minor">
-            <a:schemeClr val="lt1"/>
-          </a:fontRef>
-        </p:style>
-        <p:txBody>
-          <a:bodyPr rtlCol="0" anchor="ctr"/>
-          <a:lstStyle/>
-          <a:p>
-            <a:pPr algn="ctr"/>
-            <a:endParaRPr lang="en-US"/>
-          </a:p>
-        </p:txBody>
-      </p:sp>
-      <p:sp>
-        <p:nvSpPr>
-          <p:cNvPr id="4" name="Multiply 3"/>
-          <p:cNvSpPr/>
-          <p:nvPr/>
-        </p:nvSpPr>
-        <p:spPr bwMode="auto">
-          <a:xfrm>
-            <a:off x="4343173" y="1485021"/>
-            <a:ext cx="466725" cy="471488"/>
-          </a:xfrm>
-          <a:prstGeom prst="mathMultiply">
-            <a:avLst/>
-          </a:prstGeom>
-          <a:solidFill>
-            <a:srgbClr val="C00000"/>
-          </a:solidFill>
-          <a:ln w="12700" cap="flat" cmpd="sng" algn="ctr">
-            <a:solidFill>
-              <a:schemeClr val="tx1"/>
-            </a:solidFill>
-            <a:prstDash val="solid"/>
-            <a:round/>
-            <a:headEnd type="none" w="med" len="med"/>
-            <a:tailEnd type="none" w="med" len="med"/>
-          </a:ln>
-          <a:effectLst/>
-        </p:spPr>
-        <p:txBody>
-          <a:bodyPr vert="horz" wrap="square" lIns="91440" tIns="45720" rIns="91440" bIns="45720" numCol="1" rtlCol="0" anchor="t" anchorCtr="0" compatLnSpc="1">
-            <a:prstTxWarp prst="textNoShape">
-              <a:avLst/>
-            </a:prstTxWarp>
-          </a:bodyPr>
-          <a:lstStyle/>
-          <a:p>
-            <a:pPr marL="0" marR="0" indent="0" algn="ctr" defTabSz="914400" rtl="0" eaLnBrk="0" fontAlgn="base" latinLnBrk="0" hangingPunct="0">
-              <a:lnSpc>
-                <a:spcPct val="100000"/>
-              </a:lnSpc>
-              <a:spcBef>
-                <a:spcPct val="0"/>
-              </a:spcBef>
-              <a:spcAft>
-                <a:spcPct val="0"/>
-              </a:spcAft>
-              <a:buClrTx/>
-              <a:buSzTx/>
-              <a:buFontTx/>
-              <a:buNone/>
-              <a:tabLst/>
-            </a:pPr>
-            <a:endParaRPr kumimoji="0" lang="en-US" sz="1400" b="0" i="0" u="none" strike="noStrike" cap="none" normalizeH="0" baseline="0" smtClean="0">
-              <a:ln>
-                <a:noFill/>
-              </a:ln>
-              <a:solidFill>
-                <a:schemeClr val="tx1"/>
-              </a:solidFill>
-              <a:effectLst/>
-              <a:latin typeface="Arial" pitchFamily="34" charset="0"/>
-            </a:endParaRPr>
-          </a:p>
-        </p:txBody>
-      </p:sp>
-      <p:sp>
-        <p:nvSpPr>
-          <p:cNvPr id="8" name="Rectangle 7"/>
-          <p:cNvSpPr/>
-          <p:nvPr/>
-        </p:nvSpPr>
-        <p:spPr>
-          <a:xfrm>
-            <a:off x="1097643" y="478970"/>
-            <a:ext cx="6957786" cy="425897"/>
-          </a:xfrm>
-          <a:prstGeom prst="rect">
-            <a:avLst/>
-          </a:prstGeom>
-          <a:solidFill>
-            <a:schemeClr val="bg2">
-              <a:lumMod val="75000"/>
-              <a:alpha val="70000"/>
-            </a:schemeClr>
-          </a:solidFill>
-          <a:ln>
-            <a:noFill/>
-          </a:ln>
-        </p:spPr>
-        <p:style>
-          <a:lnRef idx="2">
-            <a:schemeClr val="accent1">
-              <a:shade val="50000"/>
-            </a:schemeClr>
-          </a:lnRef>
-          <a:fillRef idx="1">
-            <a:schemeClr val="accent1"/>
-          </a:fillRef>
-          <a:effectRef idx="0">
-            <a:schemeClr val="accent1"/>
-          </a:effectRef>
-          <a:fontRef idx="minor">
-            <a:schemeClr val="lt1"/>
-          </a:fontRef>
-        </p:style>
-        <p:txBody>
-          <a:bodyPr rtlCol="0" anchor="ctr"/>
-          <a:lstStyle/>
-          <a:p>
-            <a:pPr algn="ctr"/>
-            <a:endParaRPr lang="en-US"/>
-          </a:p>
-        </p:txBody>
-      </p:sp>
-      <p:sp>
-        <p:nvSpPr>
-          <p:cNvPr id="9" name="Slide Number Placeholder 3"/>
-          <p:cNvSpPr>
-            <a:spLocks noGrp="1"/>
-          </p:cNvSpPr>
-          <p:nvPr>
-            <p:ph type="sldNum" sz="quarter" idx="10"/>
-          </p:nvPr>
-        </p:nvSpPr>
-        <p:spPr>
-          <a:xfrm>
-            <a:off x="6910388" y="6253163"/>
-            <a:ext cx="2133600" cy="476250"/>
-          </a:xfrm>
-        </p:spPr>
-        <p:txBody>
-          <a:bodyPr/>
-          <a:lstStyle/>
-          <a:p>
-            <a:pPr algn="r" rtl="0">
-              <a:defRPr/>
-            </a:pPr>
-            <a:endParaRPr lang="en-US" kern="1200" dirty="0" smtClean="0">
-              <a:solidFill>
-                <a:srgbClr val="000000"/>
-              </a:solidFill>
-              <a:latin typeface="Times New Roman" pitchFamily="18" charset="0"/>
-              <a:ea typeface="+mn-ea"/>
-              <a:cs typeface="+mn-cs"/>
-            </a:endParaRPr>
-          </a:p>
-          <a:p>
-            <a:pPr algn="r" rtl="0">
-              <a:defRPr/>
-            </a:pPr>
-            <a:fld id="{62D6D4B2-7611-498F-8780-1EDC26277454}" type="slidenum">
-              <a:rPr lang="en-US" kern="1200" smtClean="0">
-                <a:solidFill>
-                  <a:srgbClr val="000000"/>
-                </a:solidFill>
-                <a:latin typeface="Times New Roman" pitchFamily="18" charset="0"/>
-                <a:ea typeface="+mn-ea"/>
-                <a:cs typeface="+mn-cs"/>
-              </a:rPr>
-              <a:pPr algn="r" rtl="0">
-                <a:defRPr/>
-              </a:pPr>
-              <a:t>12</a:t>
-            </a:fld>
-            <a:endParaRPr lang="en-US" kern="1200" dirty="0">
-              <a:solidFill>
-                <a:srgbClr val="000000"/>
-              </a:solidFill>
-              <a:latin typeface="Times New Roman" pitchFamily="18" charset="0"/>
-              <a:ea typeface="+mn-ea"/>
-              <a:cs typeface="+mn-cs"/>
-            </a:endParaRPr>
-          </a:p>
-        </p:txBody>
-      </p:sp>
-      <p:sp>
-        <p:nvSpPr>
-          <p:cNvPr id="10" name="Multiply 9"/>
-          <p:cNvSpPr/>
-          <p:nvPr/>
-        </p:nvSpPr>
-        <p:spPr bwMode="auto">
-          <a:xfrm>
-            <a:off x="4876800" y="2057400"/>
-            <a:ext cx="466725" cy="471488"/>
-          </a:xfrm>
-          <a:prstGeom prst="mathMultiply">
-            <a:avLst/>
-          </a:prstGeom>
-          <a:solidFill>
-            <a:srgbClr val="C00000"/>
-          </a:solidFill>
-          <a:ln w="12700" cap="flat" cmpd="sng" algn="ctr">
-            <a:solidFill>
-              <a:schemeClr val="tx1"/>
-            </a:solidFill>
-            <a:prstDash val="solid"/>
-            <a:round/>
-            <a:headEnd type="none" w="med" len="med"/>
-            <a:tailEnd type="none" w="med" len="med"/>
-          </a:ln>
-          <a:effectLst/>
-        </p:spPr>
-        <p:txBody>
-          <a:bodyPr vert="horz" wrap="square" lIns="91440" tIns="45720" rIns="91440" bIns="45720" numCol="1" rtlCol="0" anchor="t" anchorCtr="0" compatLnSpc="1">
-            <a:prstTxWarp prst="textNoShape">
-              <a:avLst/>
-            </a:prstTxWarp>
-          </a:bodyPr>
-          <a:lstStyle/>
-          <a:p>
-            <a:pPr marL="0" marR="0" indent="0" algn="ctr" defTabSz="914400" rtl="0" eaLnBrk="0" fontAlgn="base" latinLnBrk="0" hangingPunct="0">
-              <a:lnSpc>
-                <a:spcPct val="100000"/>
-              </a:lnSpc>
-              <a:spcBef>
-                <a:spcPct val="0"/>
-              </a:spcBef>
-              <a:spcAft>
-                <a:spcPct val="0"/>
-              </a:spcAft>
-              <a:buClrTx/>
-              <a:buSzTx/>
-              <a:buFontTx/>
-              <a:buNone/>
-              <a:tabLst/>
-            </a:pPr>
-            <a:endParaRPr kumimoji="0" lang="en-US" sz="1400" b="0" i="0" u="none" strike="noStrike" cap="none" normalizeH="0" baseline="0" smtClean="0">
-              <a:ln>
-                <a:noFill/>
-              </a:ln>
-              <a:solidFill>
-                <a:schemeClr val="tx1"/>
-              </a:solidFill>
-              <a:effectLst/>
-              <a:latin typeface="Arial" pitchFamily="34" charset="0"/>
-            </a:endParaRPr>
-          </a:p>
-        </p:txBody>
-      </p:sp>
-    </p:spTree>
-    <p:extLst>
-      <p:ext uri="{BB962C8B-B14F-4D97-AF65-F5344CB8AC3E}">
-        <p14:creationId xmlns:p14="http://schemas.microsoft.com/office/powerpoint/2010/main" val="2940186920"/>
-      </p:ext>
-    </p:extLst>
-  </p:cSld>
-  <p:clrMapOvr>
-    <a:masterClrMapping/>
-  </p:clrMapOvr>
-  <p:timing>
-    <p:tnLst>
-      <p:par>
-        <p:cTn id="1" dur="indefinite" restart="never" nodeType="tmRoot"/>
-      </p:par>
-    </p:tnLst>
-  </p:timing>
-</p:sld>
-</file>
-
-<file path=ppt/slides/slide13.xml><?xml version="1.0" encoding="utf-8"?>
 <p:sld xmlns:a="http://schemas.openxmlformats.org/drawingml/2006/main" xmlns:r="http://schemas.openxmlformats.org/officeDocument/2006/relationships" xmlns:p="http://schemas.openxmlformats.org/presentationml/2006/main">
   <p:cSld>
     <p:spTree>
@@ -39290,6 +35465,186 @@
 </p:sld>
 </file>
 
+<file path=ppt/slides/slide13.xml><?xml version="1.0" encoding="utf-8"?>
+<p:sld xmlns:a="http://schemas.openxmlformats.org/drawingml/2006/main" xmlns:r="http://schemas.openxmlformats.org/officeDocument/2006/relationships" xmlns:p="http://schemas.openxmlformats.org/presentationml/2006/main">
+  <p:cSld>
+    <p:spTree>
+      <p:nvGrpSpPr>
+        <p:cNvPr id="1" name=""/>
+        <p:cNvGrpSpPr/>
+        <p:nvPr/>
+      </p:nvGrpSpPr>
+      <p:grpSpPr>
+        <a:xfrm>
+          <a:off x="0" y="0"/>
+          <a:ext cx="0" cy="0"/>
+          <a:chOff x="0" y="0"/>
+          <a:chExt cx="0" cy="0"/>
+        </a:xfrm>
+      </p:grpSpPr>
+      <p:sp>
+        <p:nvSpPr>
+          <p:cNvPr id="2" name="Title 1"/>
+          <p:cNvSpPr>
+            <a:spLocks noGrp="1"/>
+          </p:cNvSpPr>
+          <p:nvPr>
+            <p:ph type="title"/>
+          </p:nvPr>
+        </p:nvSpPr>
+        <p:spPr/>
+        <p:txBody>
+          <a:bodyPr/>
+          <a:lstStyle/>
+          <a:p>
+            <a:r>
+              <a:rPr lang="en-US" dirty="0" smtClean="0"/>
+              <a:t>Rules</a:t>
+            </a:r>
+            <a:endParaRPr lang="en-US" dirty="0"/>
+          </a:p>
+        </p:txBody>
+      </p:sp>
+      <p:sp>
+        <p:nvSpPr>
+          <p:cNvPr id="3" name="Content Placeholder 2"/>
+          <p:cNvSpPr>
+            <a:spLocks noGrp="1"/>
+          </p:cNvSpPr>
+          <p:nvPr>
+            <p:ph idx="1"/>
+          </p:nvPr>
+        </p:nvSpPr>
+        <p:spPr>
+          <a:xfrm>
+            <a:off x="304800" y="1600200"/>
+            <a:ext cx="8610600" cy="1398111"/>
+          </a:xfrm>
+        </p:spPr>
+        <p:txBody>
+          <a:bodyPr/>
+          <a:lstStyle/>
+          <a:p>
+            <a:pPr marL="457200" indent="-457200">
+              <a:buFont typeface="+mj-lt"/>
+              <a:buAutoNum type="arabicPeriod"/>
+            </a:pPr>
+            <a:r>
+              <a:rPr lang="en-US" dirty="0" smtClean="0"/>
+              <a:t>Be prepared for class (reading/homework)</a:t>
+            </a:r>
+          </a:p>
+          <a:p>
+            <a:pPr marL="457200" indent="-457200">
+              <a:buFont typeface="+mj-lt"/>
+              <a:buAutoNum type="arabicPeriod"/>
+            </a:pPr>
+            <a:r>
+              <a:rPr lang="en-US" dirty="0" smtClean="0"/>
+              <a:t>Pay attention in lecture (1</a:t>
+            </a:r>
+            <a:r>
+              <a:rPr lang="en-US" baseline="30000" dirty="0" smtClean="0"/>
+              <a:t>st</a:t>
+            </a:r>
+            <a:r>
+              <a:rPr lang="en-US" dirty="0" smtClean="0"/>
+              <a:t> hour)</a:t>
+            </a:r>
+          </a:p>
+          <a:p>
+            <a:pPr marL="457200" indent="-457200">
+              <a:buFont typeface="+mj-lt"/>
+              <a:buAutoNum type="arabicPeriod"/>
+            </a:pPr>
+            <a:r>
+              <a:rPr lang="en-US" dirty="0" smtClean="0"/>
+              <a:t>Be productive during 2</a:t>
+            </a:r>
+            <a:r>
+              <a:rPr lang="en-US" baseline="30000" dirty="0" smtClean="0"/>
+              <a:t>nd</a:t>
+            </a:r>
+            <a:r>
+              <a:rPr lang="en-US" dirty="0" smtClean="0"/>
+              <a:t> hour of application</a:t>
+            </a:r>
+            <a:endParaRPr lang="en-US" dirty="0"/>
+          </a:p>
+        </p:txBody>
+      </p:sp>
+      <p:sp>
+        <p:nvSpPr>
+          <p:cNvPr id="5" name="Slide Number Placeholder 3"/>
+          <p:cNvSpPr>
+            <a:spLocks noGrp="1"/>
+          </p:cNvSpPr>
+          <p:nvPr>
+            <p:ph type="sldNum" sz="quarter" idx="10"/>
+          </p:nvPr>
+        </p:nvSpPr>
+        <p:spPr>
+          <a:xfrm>
+            <a:off x="6910388" y="6253163"/>
+            <a:ext cx="2133600" cy="476250"/>
+          </a:xfrm>
+        </p:spPr>
+        <p:txBody>
+          <a:bodyPr/>
+          <a:lstStyle/>
+          <a:p>
+            <a:pPr>
+              <a:defRPr/>
+            </a:pPr>
+            <a:endParaRPr lang="en-US" dirty="0" smtClean="0">
+              <a:solidFill>
+                <a:srgbClr val="000000"/>
+              </a:solidFill>
+            </a:endParaRPr>
+          </a:p>
+          <a:p>
+            <a:pPr>
+              <a:defRPr/>
+            </a:pPr>
+            <a:fld id="{62D6D4B2-7611-498F-8780-1EDC26277454}" type="slidenum">
+              <a:rPr lang="en-US" smtClean="0">
+                <a:solidFill>
+                  <a:srgbClr val="000000"/>
+                </a:solidFill>
+              </a:rPr>
+              <a:pPr>
+                <a:defRPr/>
+              </a:pPr>
+              <a:t>13</a:t>
+            </a:fld>
+            <a:endParaRPr lang="en-US" dirty="0">
+              <a:solidFill>
+                <a:srgbClr val="000000"/>
+              </a:solidFill>
+            </a:endParaRPr>
+          </a:p>
+        </p:txBody>
+      </p:sp>
+    </p:spTree>
+    <p:extLst>
+      <p:ext uri="{BB962C8B-B14F-4D97-AF65-F5344CB8AC3E}">
+        <p14:creationId xmlns:p14="http://schemas.microsoft.com/office/powerpoint/2010/main" val="4067463390"/>
+      </p:ext>
+    </p:extLst>
+  </p:cSld>
+  <p:clrMapOvr>
+    <a:masterClrMapping/>
+  </p:clrMapOvr>
+  <p:timing>
+    <p:tnLst>
+      <p:par>
+        <p:cTn id="1" dur="indefinite" restart="never" nodeType="tmRoot"/>
+      </p:par>
+    </p:tnLst>
+  </p:timing>
+</p:sld>
+</file>
+
 <file path=ppt/slides/slide14.xml><?xml version="1.0" encoding="utf-8"?>
 <p:sld xmlns:a="http://schemas.openxmlformats.org/drawingml/2006/main" xmlns:r="http://schemas.openxmlformats.org/officeDocument/2006/relationships" xmlns:p="http://schemas.openxmlformats.org/presentationml/2006/main">
   <p:cSld>
@@ -39324,7 +35679,7 @@
           <a:p>
             <a:r>
               <a:rPr lang="en-US" dirty="0" smtClean="0"/>
-              <a:t>Rules</a:t>
+              <a:t>Course Materials</a:t>
             </a:r>
             <a:endParaRPr lang="en-US" dirty="0"/>
           </a:p>
@@ -39343,64 +35698,54 @@
         <p:spPr>
           <a:xfrm>
             <a:off x="304800" y="1600200"/>
-            <a:ext cx="8610600" cy="1398111"/>
+            <a:ext cx="8610600" cy="4525963"/>
           </a:xfrm>
         </p:spPr>
         <p:txBody>
           <a:bodyPr/>
           <a:lstStyle/>
           <a:p>
-            <a:pPr marL="457200" indent="-457200">
-              <a:buFont typeface="+mj-lt"/>
-              <a:buAutoNum type="arabicPeriod"/>
-            </a:pPr>
             <a:r>
               <a:rPr lang="en-US" dirty="0" smtClean="0"/>
-              <a:t>Be prepared for class (reading/homework)</a:t>
-            </a:r>
-          </a:p>
-          <a:p>
-            <a:pPr marL="457200" indent="-457200">
-              <a:buFont typeface="+mj-lt"/>
-              <a:buAutoNum type="arabicPeriod"/>
-            </a:pPr>
+              <a:t>Website:</a:t>
+            </a:r>
+          </a:p>
+          <a:p>
+            <a:pPr lvl="1"/>
+            <a:r>
+              <a:rPr lang="en-US" b="0" dirty="0" smtClean="0">
+                <a:hlinkClick r:id="rId3"/>
+              </a:rPr>
+              <a:t>http://ece.ninja/383/</a:t>
+            </a:r>
+            <a:endParaRPr lang="en-US" b="0" dirty="0" smtClean="0"/>
+          </a:p>
+          <a:p>
             <a:r>
               <a:rPr lang="en-US" dirty="0" smtClean="0"/>
-              <a:t>Pay attention in lecture (1</a:t>
-            </a:r>
-            <a:r>
-              <a:rPr lang="en-US" baseline="30000" dirty="0" smtClean="0"/>
-              <a:t>st</a:t>
-            </a:r>
-            <a:r>
-              <a:rPr lang="en-US" dirty="0" smtClean="0"/>
-              <a:t> hour)</a:t>
-            </a:r>
-          </a:p>
-          <a:p>
-            <a:pPr marL="457200" indent="-457200">
-              <a:buFont typeface="+mj-lt"/>
-              <a:buAutoNum type="arabicPeriod"/>
-            </a:pPr>
-            <a:r>
-              <a:rPr lang="en-US" dirty="0" smtClean="0"/>
-              <a:t>Be productive during 2</a:t>
-            </a:r>
-            <a:r>
-              <a:rPr lang="en-US" baseline="30000" dirty="0" smtClean="0"/>
-              <a:t>nd</a:t>
-            </a:r>
-            <a:r>
-              <a:rPr lang="en-US" dirty="0" smtClean="0"/>
-              <a:t> hour of application</a:t>
-            </a:r>
-            <a:endParaRPr lang="en-US" dirty="0"/>
+              <a:t>Textbook:</a:t>
+            </a:r>
+            <a:endParaRPr lang="en-US" b="0" dirty="0" smtClean="0"/>
+          </a:p>
+          <a:p>
+            <a:pPr lvl="1"/>
+            <a:r>
+              <a:rPr lang="en-US" b="0" dirty="0" smtClean="0"/>
+              <a:t>RTL Hardware Design Using VHDL</a:t>
+            </a:r>
+          </a:p>
+          <a:p>
+            <a:pPr lvl="1"/>
+            <a:r>
+              <a:rPr lang="en-US" b="0" dirty="0" smtClean="0"/>
+              <a:t>Pong P. Chu</a:t>
+            </a:r>
           </a:p>
         </p:txBody>
       </p:sp>
       <p:sp>
         <p:nvSpPr>
-          <p:cNvPr id="5" name="Slide Number Placeholder 3"/>
+          <p:cNvPr id="4" name="Slide Number Placeholder 3"/>
           <p:cNvSpPr>
             <a:spLocks noGrp="1"/>
           </p:cNvSpPr>
@@ -39453,7 +35798,7 @@
     </p:spTree>
     <p:extLst>
       <p:ext uri="{BB962C8B-B14F-4D97-AF65-F5344CB8AC3E}">
-        <p14:creationId xmlns:p14="http://schemas.microsoft.com/office/powerpoint/2010/main" val="4067463390"/>
+        <p14:creationId xmlns:p14="http://schemas.microsoft.com/office/powerpoint/2010/main" val="962343996"/>
       </p:ext>
     </p:extLst>
   </p:cSld>
@@ -39489,7 +35834,7 @@
       </p:grpSpPr>
       <p:sp>
         <p:nvSpPr>
-          <p:cNvPr id="2" name="Title 1"/>
+          <p:cNvPr id="6" name="Title 5"/>
           <p:cNvSpPr>
             <a:spLocks noGrp="1"/>
           </p:cNvSpPr>
@@ -39502,69 +35847,34 @@
           <a:bodyPr/>
           <a:lstStyle/>
           <a:p>
-            <a:r>
-              <a:rPr lang="en-US" dirty="0" smtClean="0"/>
-              <a:t>Course Materials</a:t>
-            </a:r>
-            <a:endParaRPr lang="en-US" dirty="0"/>
+            <a:pPr marL="514350" indent="-514350" eaLnBrk="1" hangingPunct="1">
+              <a:lnSpc>
+                <a:spcPct val="80000"/>
+              </a:lnSpc>
+            </a:pPr>
+            <a:r>
+              <a:rPr lang="en-US" dirty="0"/>
+              <a:t>Methods of implementing digital systems</a:t>
+            </a:r>
           </a:p>
         </p:txBody>
       </p:sp>
       <p:sp>
         <p:nvSpPr>
-          <p:cNvPr id="3" name="Content Placeholder 2"/>
+          <p:cNvPr id="7" name="Text Placeholder 6"/>
           <p:cNvSpPr>
             <a:spLocks noGrp="1"/>
           </p:cNvSpPr>
           <p:nvPr>
-            <p:ph idx="1"/>
+            <p:ph type="body" idx="1"/>
           </p:nvPr>
         </p:nvSpPr>
-        <p:spPr>
-          <a:xfrm>
-            <a:off x="304800" y="1600200"/>
-            <a:ext cx="8610600" cy="4525963"/>
-          </a:xfrm>
-        </p:spPr>
+        <p:spPr/>
         <p:txBody>
           <a:bodyPr/>
           <a:lstStyle/>
           <a:p>
-            <a:r>
-              <a:rPr lang="en-US" dirty="0" smtClean="0"/>
-              <a:t>Website:</a:t>
-            </a:r>
-          </a:p>
-          <a:p>
-            <a:pPr lvl="1"/>
-            <a:r>
-              <a:rPr lang="en-US" b="0" dirty="0" smtClean="0">
-                <a:hlinkClick r:id="rId3"/>
-              </a:rPr>
-              <a:t>http://ece.ninja/383/</a:t>
-            </a:r>
-            <a:endParaRPr lang="en-US" b="0" dirty="0" smtClean="0"/>
-          </a:p>
-          <a:p>
-            <a:r>
-              <a:rPr lang="en-US" dirty="0" smtClean="0"/>
-              <a:t>Textbook:</a:t>
-            </a:r>
-            <a:endParaRPr lang="en-US" b="0" dirty="0" smtClean="0"/>
-          </a:p>
-          <a:p>
-            <a:pPr lvl="1"/>
-            <a:r>
-              <a:rPr lang="en-US" b="0" dirty="0" smtClean="0"/>
-              <a:t>RTL Hardware Design Using VHDL</a:t>
-            </a:r>
-          </a:p>
-          <a:p>
-            <a:pPr lvl="1"/>
-            <a:r>
-              <a:rPr lang="en-US" b="0" dirty="0" smtClean="0"/>
-              <a:t>Pong P. Chu</a:t>
-            </a:r>
+            <a:endParaRPr lang="en-US" dirty="0"/>
           </a:p>
         </p:txBody>
       </p:sp>
@@ -39578,12 +35888,7 @@
             <p:ph type="sldNum" sz="quarter" idx="10"/>
           </p:nvPr>
         </p:nvSpPr>
-        <p:spPr>
-          <a:xfrm>
-            <a:off x="6910388" y="6253163"/>
-            <a:ext cx="2133600" cy="476250"/>
-          </a:xfrm>
-        </p:spPr>
+        <p:spPr/>
         <p:txBody>
           <a:bodyPr/>
           <a:lstStyle/>
@@ -39591,7 +35896,7 @@
             <a:pPr>
               <a:defRPr/>
             </a:pPr>
-            <a:endParaRPr lang="en-US" dirty="0" smtClean="0">
+            <a:endParaRPr lang="en-US" smtClean="0">
               <a:solidFill>
                 <a:srgbClr val="000000"/>
               </a:solidFill>
@@ -39612,7 +35917,7 @@
               </a:pPr>
               <a:t>15</a:t>
             </a:fld>
-            <a:endParaRPr lang="en-US" dirty="0">
+            <a:endParaRPr lang="en-US">
               <a:solidFill>
                 <a:srgbClr val="000000"/>
               </a:solidFill>
@@ -39623,7 +35928,7 @@
     </p:spTree>
     <p:extLst>
       <p:ext uri="{BB962C8B-B14F-4D97-AF65-F5344CB8AC3E}">
-        <p14:creationId xmlns:p14="http://schemas.microsoft.com/office/powerpoint/2010/main" val="962343996"/>
+        <p14:creationId xmlns:p14="http://schemas.microsoft.com/office/powerpoint/2010/main" val="757855265"/>
       </p:ext>
     </p:extLst>
   </p:cSld>
@@ -39672,26 +35977,22 @@
           <a:bodyPr/>
           <a:lstStyle/>
           <a:p>
-            <a:pPr marL="514350" indent="-514350" eaLnBrk="1" hangingPunct="1">
-              <a:lnSpc>
-                <a:spcPct val="80000"/>
-              </a:lnSpc>
-            </a:pPr>
-            <a:r>
-              <a:rPr lang="en-US" dirty="0"/>
-              <a:t>Methods of implementing digital systems</a:t>
-            </a:r>
+            <a:r>
+              <a:rPr lang="en-US" sz="3200" dirty="0" smtClean="0"/>
+              <a:t>Digital Implementation Methods</a:t>
+            </a:r>
+            <a:endParaRPr lang="en-US" sz="3200" dirty="0"/>
           </a:p>
         </p:txBody>
       </p:sp>
       <p:sp>
         <p:nvSpPr>
-          <p:cNvPr id="7" name="Text Placeholder 6"/>
+          <p:cNvPr id="7" name="Content Placeholder 6"/>
           <p:cNvSpPr>
             <a:spLocks noGrp="1"/>
           </p:cNvSpPr>
           <p:nvPr>
-            <p:ph type="body" idx="1"/>
+            <p:ph idx="1"/>
           </p:nvPr>
         </p:nvSpPr>
         <p:spPr/>
@@ -39699,6 +36000,185 @@
           <a:bodyPr/>
           <a:lstStyle/>
           <a:p>
+            <a:pPr marL="457200" indent="-457200" eaLnBrk="1" hangingPunct="1">
+              <a:lnSpc>
+                <a:spcPct val="90000"/>
+              </a:lnSpc>
+              <a:buFont typeface="+mj-lt"/>
+              <a:buAutoNum type="arabicPeriod"/>
+            </a:pPr>
+            <a:r>
+              <a:rPr lang="en-US" dirty="0" smtClean="0"/>
+              <a:t>General-purpose hardware </a:t>
+            </a:r>
+            <a:r>
+              <a:rPr lang="en-US" dirty="0"/>
+              <a:t>with custom software</a:t>
+            </a:r>
+          </a:p>
+          <a:p>
+            <a:pPr lvl="1" eaLnBrk="1" hangingPunct="1">
+              <a:lnSpc>
+                <a:spcPct val="90000"/>
+              </a:lnSpc>
+            </a:pPr>
+            <a:r>
+              <a:rPr lang="en-US" sz="2000" dirty="0" smtClean="0"/>
+              <a:t>General purpose processor</a:t>
+            </a:r>
+          </a:p>
+          <a:p>
+            <a:pPr lvl="2" eaLnBrk="1" hangingPunct="1">
+              <a:lnSpc>
+                <a:spcPct val="90000"/>
+              </a:lnSpc>
+            </a:pPr>
+            <a:r>
+              <a:rPr lang="en-US" sz="1800" dirty="0" smtClean="0"/>
+              <a:t>Performance-oriented </a:t>
+            </a:r>
+            <a:r>
+              <a:rPr lang="en-US" sz="1800" dirty="0"/>
+              <a:t>processor (e.g., </a:t>
+            </a:r>
+            <a:r>
+              <a:rPr lang="en-US" sz="1800" dirty="0" smtClean="0"/>
+              <a:t>Core i7)</a:t>
+            </a:r>
+          </a:p>
+          <a:p>
+            <a:pPr lvl="2" eaLnBrk="1" hangingPunct="1">
+              <a:lnSpc>
+                <a:spcPct val="90000"/>
+              </a:lnSpc>
+            </a:pPr>
+            <a:r>
+              <a:rPr lang="en-US" sz="1800" dirty="0" smtClean="0"/>
+              <a:t>Cost-oriented </a:t>
+            </a:r>
+            <a:r>
+              <a:rPr lang="en-US" sz="1800" dirty="0"/>
+              <a:t>processor (e.g., PIC </a:t>
+            </a:r>
+            <a:r>
+              <a:rPr lang="en-US" sz="1800" dirty="0" smtClean="0"/>
+              <a:t>microcontroller</a:t>
+            </a:r>
+            <a:r>
+              <a:rPr lang="en-US" sz="1800" dirty="0"/>
+              <a:t>)</a:t>
+            </a:r>
+          </a:p>
+          <a:p>
+            <a:pPr lvl="1" eaLnBrk="1" hangingPunct="1">
+              <a:lnSpc>
+                <a:spcPct val="90000"/>
+              </a:lnSpc>
+            </a:pPr>
+            <a:r>
+              <a:rPr lang="en-US" sz="2000" dirty="0"/>
+              <a:t>Special purpose </a:t>
+            </a:r>
+            <a:r>
+              <a:rPr lang="en-US" sz="2000" dirty="0" smtClean="0"/>
+              <a:t>processor</a:t>
+            </a:r>
+          </a:p>
+          <a:p>
+            <a:pPr lvl="2" eaLnBrk="1" hangingPunct="1">
+              <a:lnSpc>
+                <a:spcPct val="90000"/>
+              </a:lnSpc>
+            </a:pPr>
+            <a:r>
+              <a:rPr lang="en-US" sz="1800" dirty="0" smtClean="0"/>
+              <a:t>DSP </a:t>
+            </a:r>
+            <a:r>
+              <a:rPr lang="en-US" sz="1800" dirty="0"/>
+              <a:t>processor </a:t>
+            </a:r>
+            <a:r>
+              <a:rPr lang="en-US" sz="1800" dirty="0" smtClean="0"/>
+              <a:t>(multiplication-addition)</a:t>
+            </a:r>
+          </a:p>
+          <a:p>
+            <a:pPr lvl="2" eaLnBrk="1" hangingPunct="1">
+              <a:lnSpc>
+                <a:spcPct val="90000"/>
+              </a:lnSpc>
+            </a:pPr>
+            <a:r>
+              <a:rPr lang="en-US" sz="1800" dirty="0" smtClean="0"/>
+              <a:t>Network </a:t>
+            </a:r>
+            <a:r>
+              <a:rPr lang="en-US" sz="1800" dirty="0"/>
+              <a:t>processor </a:t>
+            </a:r>
+            <a:r>
+              <a:rPr lang="en-US" sz="1800" dirty="0" smtClean="0"/>
+              <a:t>(buffering </a:t>
+            </a:r>
+            <a:r>
+              <a:rPr lang="en-US" sz="1800" dirty="0"/>
+              <a:t>and routing</a:t>
+            </a:r>
+            <a:r>
+              <a:rPr lang="en-US" sz="1800" dirty="0" smtClean="0"/>
+              <a:t>)</a:t>
+            </a:r>
+          </a:p>
+          <a:p>
+            <a:pPr lvl="2" eaLnBrk="1" hangingPunct="1">
+              <a:lnSpc>
+                <a:spcPct val="90000"/>
+              </a:lnSpc>
+            </a:pPr>
+            <a:r>
+              <a:rPr lang="en-US" sz="1800" dirty="0" smtClean="0"/>
+              <a:t>Graphics engine (3D </a:t>
+            </a:r>
+            <a:r>
+              <a:rPr lang="en-US" sz="1800" dirty="0"/>
+              <a:t>rendering</a:t>
+            </a:r>
+            <a:r>
+              <a:rPr lang="en-US" sz="1800" dirty="0" smtClean="0"/>
+              <a:t>)</a:t>
+            </a:r>
+          </a:p>
+          <a:p>
+            <a:pPr marL="457200" indent="-457200" eaLnBrk="1" hangingPunct="1">
+              <a:buFont typeface="+mj-lt"/>
+              <a:buAutoNum type="arabicPeriod"/>
+            </a:pPr>
+            <a:r>
+              <a:rPr lang="en-US" dirty="0" smtClean="0"/>
+              <a:t>Custom </a:t>
+            </a:r>
+            <a:r>
+              <a:rPr lang="en-US" dirty="0"/>
+              <a:t>software on a custom processor (known as hardware-software co-design)</a:t>
+            </a:r>
+          </a:p>
+          <a:p>
+            <a:pPr marL="457200" indent="-457200" eaLnBrk="1" hangingPunct="1">
+              <a:lnSpc>
+                <a:spcPct val="90000"/>
+              </a:lnSpc>
+              <a:buFont typeface="+mj-lt"/>
+              <a:buAutoNum type="arabicPeriod"/>
+            </a:pPr>
+            <a:r>
+              <a:rPr lang="en-US" dirty="0"/>
+              <a:t>Custom </a:t>
+            </a:r>
+            <a:r>
+              <a:rPr lang="en-US" dirty="0" smtClean="0"/>
+              <a:t>hardware</a:t>
+            </a:r>
             <a:endParaRPr lang="en-US" dirty="0"/>
           </a:p>
         </p:txBody>
@@ -39731,7 +36211,7 @@
             <a:pPr>
               <a:defRPr/>
             </a:pPr>
-            <a:fld id="{62D6D4B2-7611-498F-8780-1EDC26277454}" type="slidenum">
+            <a:fld id="{683EF015-741B-43DE-8A3A-BDAB0992138F}" type="slidenum">
               <a:rPr lang="en-US" smtClean="0">
                 <a:solidFill>
                   <a:srgbClr val="000000"/>
@@ -39741,311 +36221,6 @@
                 <a:defRPr/>
               </a:pPr>
               <a:t>16</a:t>
-            </a:fld>
-            <a:endParaRPr lang="en-US">
-              <a:solidFill>
-                <a:srgbClr val="000000"/>
-              </a:solidFill>
-            </a:endParaRPr>
-          </a:p>
-        </p:txBody>
-      </p:sp>
-    </p:spTree>
-    <p:extLst>
-      <p:ext uri="{BB962C8B-B14F-4D97-AF65-F5344CB8AC3E}">
-        <p14:creationId xmlns:p14="http://schemas.microsoft.com/office/powerpoint/2010/main" val="757855265"/>
-      </p:ext>
-    </p:extLst>
-  </p:cSld>
-  <p:clrMapOvr>
-    <a:masterClrMapping/>
-  </p:clrMapOvr>
-  <p:timing>
-    <p:tnLst>
-      <p:par>
-        <p:cTn id="1" dur="indefinite" restart="never" nodeType="tmRoot"/>
-      </p:par>
-    </p:tnLst>
-  </p:timing>
-</p:sld>
-</file>
-
-<file path=ppt/slides/slide17.xml><?xml version="1.0" encoding="utf-8"?>
-<p:sld xmlns:a="http://schemas.openxmlformats.org/drawingml/2006/main" xmlns:r="http://schemas.openxmlformats.org/officeDocument/2006/relationships" xmlns:p="http://schemas.openxmlformats.org/presentationml/2006/main">
-  <p:cSld>
-    <p:spTree>
-      <p:nvGrpSpPr>
-        <p:cNvPr id="1" name=""/>
-        <p:cNvGrpSpPr/>
-        <p:nvPr/>
-      </p:nvGrpSpPr>
-      <p:grpSpPr>
-        <a:xfrm>
-          <a:off x="0" y="0"/>
-          <a:ext cx="0" cy="0"/>
-          <a:chOff x="0" y="0"/>
-          <a:chExt cx="0" cy="0"/>
-        </a:xfrm>
-      </p:grpSpPr>
-      <p:sp>
-        <p:nvSpPr>
-          <p:cNvPr id="6" name="Title 5"/>
-          <p:cNvSpPr>
-            <a:spLocks noGrp="1"/>
-          </p:cNvSpPr>
-          <p:nvPr>
-            <p:ph type="title"/>
-          </p:nvPr>
-        </p:nvSpPr>
-        <p:spPr/>
-        <p:txBody>
-          <a:bodyPr/>
-          <a:lstStyle/>
-          <a:p>
-            <a:r>
-              <a:rPr lang="en-US" sz="3200" dirty="0" smtClean="0"/>
-              <a:t>Digital Implementation Methods</a:t>
-            </a:r>
-            <a:endParaRPr lang="en-US" sz="3200" dirty="0"/>
-          </a:p>
-        </p:txBody>
-      </p:sp>
-      <p:sp>
-        <p:nvSpPr>
-          <p:cNvPr id="7" name="Content Placeholder 6"/>
-          <p:cNvSpPr>
-            <a:spLocks noGrp="1"/>
-          </p:cNvSpPr>
-          <p:nvPr>
-            <p:ph idx="1"/>
-          </p:nvPr>
-        </p:nvSpPr>
-        <p:spPr/>
-        <p:txBody>
-          <a:bodyPr/>
-          <a:lstStyle/>
-          <a:p>
-            <a:pPr marL="457200" indent="-457200" eaLnBrk="1" hangingPunct="1">
-              <a:lnSpc>
-                <a:spcPct val="90000"/>
-              </a:lnSpc>
-              <a:buFont typeface="+mj-lt"/>
-              <a:buAutoNum type="arabicPeriod"/>
-            </a:pPr>
-            <a:r>
-              <a:rPr lang="en-US" dirty="0" smtClean="0"/>
-              <a:t>General-purpose hardware </a:t>
-            </a:r>
-            <a:r>
-              <a:rPr lang="en-US" dirty="0"/>
-              <a:t>with custom software</a:t>
-            </a:r>
-          </a:p>
-          <a:p>
-            <a:pPr lvl="1" eaLnBrk="1" hangingPunct="1">
-              <a:lnSpc>
-                <a:spcPct val="90000"/>
-              </a:lnSpc>
-            </a:pPr>
-            <a:r>
-              <a:rPr lang="en-US" sz="2000" dirty="0" smtClean="0"/>
-              <a:t>General purpose processor</a:t>
-            </a:r>
-          </a:p>
-          <a:p>
-            <a:pPr lvl="2" eaLnBrk="1" hangingPunct="1">
-              <a:lnSpc>
-                <a:spcPct val="90000"/>
-              </a:lnSpc>
-            </a:pPr>
-            <a:r>
-              <a:rPr lang="en-US" sz="1800" dirty="0" smtClean="0"/>
-              <a:t>Performance-oriented </a:t>
-            </a:r>
-            <a:r>
-              <a:rPr lang="en-US" sz="1800" dirty="0"/>
-              <a:t>processor (e.g., </a:t>
-            </a:r>
-            <a:r>
-              <a:rPr lang="en-US" sz="1800" dirty="0" smtClean="0"/>
-              <a:t>Core i7)</a:t>
-            </a:r>
-          </a:p>
-          <a:p>
-            <a:pPr lvl="2" eaLnBrk="1" hangingPunct="1">
-              <a:lnSpc>
-                <a:spcPct val="90000"/>
-              </a:lnSpc>
-            </a:pPr>
-            <a:r>
-              <a:rPr lang="en-US" sz="1800" dirty="0" smtClean="0"/>
-              <a:t>Cost-oriented </a:t>
-            </a:r>
-            <a:r>
-              <a:rPr lang="en-US" sz="1800" dirty="0"/>
-              <a:t>processor (e.g., PIC </a:t>
-            </a:r>
-            <a:r>
-              <a:rPr lang="en-US" sz="1800" dirty="0" smtClean="0"/>
-              <a:t>microcontroller</a:t>
-            </a:r>
-            <a:r>
-              <a:rPr lang="en-US" sz="1800" dirty="0"/>
-              <a:t>)</a:t>
-            </a:r>
-          </a:p>
-          <a:p>
-            <a:pPr lvl="1" eaLnBrk="1" hangingPunct="1">
-              <a:lnSpc>
-                <a:spcPct val="90000"/>
-              </a:lnSpc>
-            </a:pPr>
-            <a:r>
-              <a:rPr lang="en-US" sz="2000" dirty="0"/>
-              <a:t>Special purpose </a:t>
-            </a:r>
-            <a:r>
-              <a:rPr lang="en-US" sz="2000" dirty="0" smtClean="0"/>
-              <a:t>processor</a:t>
-            </a:r>
-          </a:p>
-          <a:p>
-            <a:pPr lvl="2" eaLnBrk="1" hangingPunct="1">
-              <a:lnSpc>
-                <a:spcPct val="90000"/>
-              </a:lnSpc>
-            </a:pPr>
-            <a:r>
-              <a:rPr lang="en-US" sz="1800" dirty="0" smtClean="0"/>
-              <a:t>DSP </a:t>
-            </a:r>
-            <a:r>
-              <a:rPr lang="en-US" sz="1800" dirty="0"/>
-              <a:t>processor </a:t>
-            </a:r>
-            <a:r>
-              <a:rPr lang="en-US" sz="1800" dirty="0" smtClean="0"/>
-              <a:t>(multiplication-addition)</a:t>
-            </a:r>
-          </a:p>
-          <a:p>
-            <a:pPr lvl="2" eaLnBrk="1" hangingPunct="1">
-              <a:lnSpc>
-                <a:spcPct val="90000"/>
-              </a:lnSpc>
-            </a:pPr>
-            <a:r>
-              <a:rPr lang="en-US" sz="1800" dirty="0" smtClean="0"/>
-              <a:t>Network </a:t>
-            </a:r>
-            <a:r>
-              <a:rPr lang="en-US" sz="1800" dirty="0"/>
-              <a:t>processor </a:t>
-            </a:r>
-            <a:r>
-              <a:rPr lang="en-US" sz="1800" dirty="0" smtClean="0"/>
-              <a:t>(buffering </a:t>
-            </a:r>
-            <a:r>
-              <a:rPr lang="en-US" sz="1800" dirty="0"/>
-              <a:t>and routing</a:t>
-            </a:r>
-            <a:r>
-              <a:rPr lang="en-US" sz="1800" dirty="0" smtClean="0"/>
-              <a:t>)</a:t>
-            </a:r>
-          </a:p>
-          <a:p>
-            <a:pPr lvl="2" eaLnBrk="1" hangingPunct="1">
-              <a:lnSpc>
-                <a:spcPct val="90000"/>
-              </a:lnSpc>
-            </a:pPr>
-            <a:r>
-              <a:rPr lang="en-US" sz="1800" dirty="0" smtClean="0"/>
-              <a:t>Graphics engine (3D </a:t>
-            </a:r>
-            <a:r>
-              <a:rPr lang="en-US" sz="1800" dirty="0"/>
-              <a:t>rendering</a:t>
-            </a:r>
-            <a:r>
-              <a:rPr lang="en-US" sz="1800" dirty="0" smtClean="0"/>
-              <a:t>)</a:t>
-            </a:r>
-          </a:p>
-          <a:p>
-            <a:pPr marL="457200" indent="-457200" eaLnBrk="1" hangingPunct="1">
-              <a:buFont typeface="+mj-lt"/>
-              <a:buAutoNum type="arabicPeriod"/>
-            </a:pPr>
-            <a:r>
-              <a:rPr lang="en-US" dirty="0" smtClean="0"/>
-              <a:t>Custom </a:t>
-            </a:r>
-            <a:r>
-              <a:rPr lang="en-US" dirty="0"/>
-              <a:t>software on a custom processor (known as hardware-software co-design)</a:t>
-            </a:r>
-          </a:p>
-          <a:p>
-            <a:pPr marL="457200" indent="-457200" eaLnBrk="1" hangingPunct="1">
-              <a:lnSpc>
-                <a:spcPct val="90000"/>
-              </a:lnSpc>
-              <a:buFont typeface="+mj-lt"/>
-              <a:buAutoNum type="arabicPeriod"/>
-            </a:pPr>
-            <a:r>
-              <a:rPr lang="en-US" dirty="0"/>
-              <a:t>Custom </a:t>
-            </a:r>
-            <a:r>
-              <a:rPr lang="en-US" dirty="0" smtClean="0"/>
-              <a:t>hardware</a:t>
-            </a:r>
-            <a:endParaRPr lang="en-US" dirty="0"/>
-          </a:p>
-        </p:txBody>
-      </p:sp>
-      <p:sp>
-        <p:nvSpPr>
-          <p:cNvPr id="4" name="Slide Number Placeholder 3"/>
-          <p:cNvSpPr>
-            <a:spLocks noGrp="1"/>
-          </p:cNvSpPr>
-          <p:nvPr>
-            <p:ph type="sldNum" sz="quarter" idx="10"/>
-          </p:nvPr>
-        </p:nvSpPr>
-        <p:spPr/>
-        <p:txBody>
-          <a:bodyPr/>
-          <a:lstStyle/>
-          <a:p>
-            <a:pPr>
-              <a:defRPr/>
-            </a:pPr>
-            <a:endParaRPr lang="en-US" smtClean="0">
-              <a:solidFill>
-                <a:srgbClr val="000000"/>
-              </a:solidFill>
-            </a:endParaRPr>
-          </a:p>
-          <a:p>
-            <a:pPr>
-              <a:defRPr/>
-            </a:pPr>
-            <a:fld id="{683EF015-741B-43DE-8A3A-BDAB0992138F}" type="slidenum">
-              <a:rPr lang="en-US" smtClean="0">
-                <a:solidFill>
-                  <a:srgbClr val="000000"/>
-                </a:solidFill>
-              </a:rPr>
-              <a:pPr>
-                <a:defRPr/>
-              </a:pPr>
-              <a:t>17</a:t>
             </a:fld>
             <a:endParaRPr lang="en-US">
               <a:solidFill>
@@ -40142,7 +36317,7 @@
 </p:sld>
 </file>
 
-<file path=ppt/slides/slide18.xml><?xml version="1.0" encoding="utf-8"?>
+<file path=ppt/slides/slide17.xml><?xml version="1.0" encoding="utf-8"?>
 <p:sld xmlns:a="http://schemas.openxmlformats.org/drawingml/2006/main" xmlns:r="http://schemas.openxmlformats.org/officeDocument/2006/relationships" xmlns:p="http://schemas.openxmlformats.org/presentationml/2006/main">
   <p:cSld>
     <p:spTree>
@@ -40218,7 +36393,7 @@
               <a:pPr>
                 <a:defRPr/>
               </a:pPr>
-              <a:t>18</a:t>
+              <a:t>17</a:t>
             </a:fld>
             <a:endParaRPr lang="en-US">
               <a:solidFill>
@@ -40482,6 +36657,136 @@
 </p:sld>
 </file>
 
+<file path=ppt/slides/slide18.xml><?xml version="1.0" encoding="utf-8"?>
+<p:sld xmlns:a="http://schemas.openxmlformats.org/drawingml/2006/main" xmlns:r="http://schemas.openxmlformats.org/officeDocument/2006/relationships" xmlns:p="http://schemas.openxmlformats.org/presentationml/2006/main">
+  <p:cSld>
+    <p:spTree>
+      <p:nvGrpSpPr>
+        <p:cNvPr id="1" name=""/>
+        <p:cNvGrpSpPr/>
+        <p:nvPr/>
+      </p:nvGrpSpPr>
+      <p:grpSpPr>
+        <a:xfrm>
+          <a:off x="0" y="0"/>
+          <a:ext cx="0" cy="0"/>
+          <a:chOff x="0" y="0"/>
+          <a:chExt cx="0" cy="0"/>
+        </a:xfrm>
+      </p:grpSpPr>
+      <p:sp>
+        <p:nvSpPr>
+          <p:cNvPr id="6" name="Title 5"/>
+          <p:cNvSpPr>
+            <a:spLocks noGrp="1"/>
+          </p:cNvSpPr>
+          <p:nvPr>
+            <p:ph type="title"/>
+          </p:nvPr>
+        </p:nvSpPr>
+        <p:spPr/>
+        <p:txBody>
+          <a:bodyPr/>
+          <a:lstStyle/>
+          <a:p>
+            <a:pPr marL="514350" indent="-514350" eaLnBrk="1" hangingPunct="1">
+              <a:lnSpc>
+                <a:spcPct val="80000"/>
+              </a:lnSpc>
+            </a:pPr>
+            <a:r>
+              <a:rPr lang="en-US" dirty="0"/>
+              <a:t>Custom digital device technologies</a:t>
+            </a:r>
+          </a:p>
+        </p:txBody>
+      </p:sp>
+      <p:sp>
+        <p:nvSpPr>
+          <p:cNvPr id="7" name="Text Placeholder 6"/>
+          <p:cNvSpPr>
+            <a:spLocks noGrp="1"/>
+          </p:cNvSpPr>
+          <p:nvPr>
+            <p:ph type="body" idx="1"/>
+          </p:nvPr>
+        </p:nvSpPr>
+        <p:spPr/>
+        <p:txBody>
+          <a:bodyPr/>
+          <a:lstStyle/>
+          <a:p>
+            <a:endParaRPr lang="en-US" dirty="0"/>
+          </a:p>
+        </p:txBody>
+      </p:sp>
+      <p:sp>
+        <p:nvSpPr>
+          <p:cNvPr id="4" name="Slide Number Placeholder 3"/>
+          <p:cNvSpPr>
+            <a:spLocks noGrp="1"/>
+          </p:cNvSpPr>
+          <p:nvPr>
+            <p:ph type="sldNum" sz="quarter" idx="10"/>
+          </p:nvPr>
+        </p:nvSpPr>
+        <p:spPr/>
+        <p:txBody>
+          <a:bodyPr/>
+          <a:lstStyle/>
+          <a:p>
+            <a:pPr>
+              <a:defRPr/>
+            </a:pPr>
+            <a:endParaRPr lang="en-US" smtClean="0">
+              <a:solidFill>
+                <a:srgbClr val="000000"/>
+              </a:solidFill>
+            </a:endParaRPr>
+          </a:p>
+          <a:p>
+            <a:pPr>
+              <a:defRPr/>
+            </a:pPr>
+            <a:fld id="{62D6D4B2-7611-498F-8780-1EDC26277454}" type="slidenum">
+              <a:rPr lang="en-US" smtClean="0">
+                <a:solidFill>
+                  <a:srgbClr val="000000"/>
+                </a:solidFill>
+              </a:rPr>
+              <a:pPr>
+                <a:defRPr/>
+              </a:pPr>
+              <a:t>18</a:t>
+            </a:fld>
+            <a:endParaRPr lang="en-US">
+              <a:solidFill>
+                <a:srgbClr val="000000"/>
+              </a:solidFill>
+            </a:endParaRPr>
+          </a:p>
+        </p:txBody>
+      </p:sp>
+    </p:spTree>
+    <p:extLst>
+      <p:ext uri="{BB962C8B-B14F-4D97-AF65-F5344CB8AC3E}">
+        <p14:creationId xmlns:p14="http://schemas.microsoft.com/office/powerpoint/2010/main" val="954822005"/>
+      </p:ext>
+    </p:extLst>
+  </p:cSld>
+  <p:clrMapOvr>
+    <a:masterClrMapping/>
+  </p:clrMapOvr>
+  <p:timing>
+    <p:tnLst>
+      <p:par>
+        <p:cTn id="1" dur="indefinite" restart="never" nodeType="tmRoot"/>
+      </p:par>
+    </p:tnLst>
+  </p:timing>
+</p:sld>
+</file>
+
 <file path=ppt/slides/slide19.xml><?xml version="1.0" encoding="utf-8"?>
 <p:sld xmlns:a="http://schemas.openxmlformats.org/drawingml/2006/main" xmlns:r="http://schemas.openxmlformats.org/officeDocument/2006/relationships" xmlns:p="http://schemas.openxmlformats.org/presentationml/2006/main">
   <p:cSld>
@@ -40514,26 +36819,22 @@
           <a:bodyPr/>
           <a:lstStyle/>
           <a:p>
-            <a:pPr marL="514350" indent="-514350" eaLnBrk="1" hangingPunct="1">
-              <a:lnSpc>
-                <a:spcPct val="80000"/>
-              </a:lnSpc>
-            </a:pPr>
-            <a:r>
-              <a:rPr lang="en-US" dirty="0"/>
-              <a:t>Custom digital device technologies</a:t>
-            </a:r>
+            <a:r>
+              <a:rPr lang="en-US" dirty="0" smtClean="0"/>
+              <a:t>Custom Digital Device Technologies</a:t>
+            </a:r>
+            <a:endParaRPr lang="en-US" dirty="0"/>
           </a:p>
         </p:txBody>
       </p:sp>
       <p:sp>
         <p:nvSpPr>
-          <p:cNvPr id="7" name="Text Placeholder 6"/>
+          <p:cNvPr id="7" name="Content Placeholder 6"/>
           <p:cNvSpPr>
             <a:spLocks noGrp="1"/>
           </p:cNvSpPr>
           <p:nvPr>
-            <p:ph type="body" idx="1"/>
+            <p:ph idx="1"/>
           </p:nvPr>
         </p:nvSpPr>
         <p:spPr/>
@@ -40541,7 +36842,144 @@
           <a:bodyPr/>
           <a:lstStyle/>
           <a:p>
-            <a:endParaRPr lang="en-US" dirty="0"/>
+            <a:pPr eaLnBrk="1" hangingPunct="1">
+              <a:lnSpc>
+                <a:spcPct val="80000"/>
+              </a:lnSpc>
+            </a:pPr>
+            <a:r>
+              <a:rPr lang="en-US" sz="2800" dirty="0"/>
+              <a:t>Where customization is done:</a:t>
+            </a:r>
+          </a:p>
+          <a:p>
+            <a:pPr lvl="1" eaLnBrk="1" hangingPunct="1">
+              <a:lnSpc>
+                <a:spcPct val="80000"/>
+              </a:lnSpc>
+            </a:pPr>
+            <a:r>
+              <a:rPr lang="en-US" sz="2400" dirty="0"/>
+              <a:t>In a fab (fabrication facility): ASIC (Application </a:t>
+            </a:r>
+            <a:br>
+              <a:rPr lang="en-US" sz="2400" dirty="0"/>
+            </a:br>
+            <a:r>
+              <a:rPr lang="en-US" sz="2400" dirty="0"/>
+              <a:t>Specific IC) </a:t>
+            </a:r>
+          </a:p>
+          <a:p>
+            <a:pPr lvl="1" eaLnBrk="1" hangingPunct="1">
+              <a:lnSpc>
+                <a:spcPct val="80000"/>
+              </a:lnSpc>
+            </a:pPr>
+            <a:r>
+              <a:rPr lang="en-US" sz="2400" dirty="0"/>
+              <a:t>In the “field</a:t>
+            </a:r>
+            <a:r>
+              <a:rPr lang="en-US" sz="2400" dirty="0" smtClean="0"/>
+              <a:t>”: </a:t>
+            </a:r>
+            <a:r>
+              <a:rPr lang="en-US" sz="2400" dirty="0"/>
+              <a:t>non-ASIC</a:t>
+            </a:r>
+          </a:p>
+          <a:p>
+            <a:r>
+              <a:rPr lang="en-US" sz="2800" dirty="0" smtClean="0"/>
+              <a:t>Six device technology classifications:</a:t>
+            </a:r>
+          </a:p>
+          <a:p>
+            <a:pPr marL="863600" lvl="1" indent="-457200" eaLnBrk="1" hangingPunct="1">
+              <a:lnSpc>
+                <a:spcPct val="80000"/>
+              </a:lnSpc>
+              <a:buFont typeface="+mj-lt"/>
+              <a:buAutoNum type="arabicPeriod"/>
+            </a:pPr>
+            <a:r>
+              <a:rPr lang="en-US" sz="2400" dirty="0" smtClean="0"/>
+              <a:t>Full-custom </a:t>
+            </a:r>
+            <a:r>
+              <a:rPr lang="en-US" sz="2400" dirty="0"/>
+              <a:t>ASIC</a:t>
+            </a:r>
+          </a:p>
+          <a:p>
+            <a:pPr marL="863600" lvl="1" indent="-457200" eaLnBrk="1" hangingPunct="1">
+              <a:lnSpc>
+                <a:spcPct val="80000"/>
+              </a:lnSpc>
+              <a:buFont typeface="+mj-lt"/>
+              <a:buAutoNum type="arabicPeriod"/>
+            </a:pPr>
+            <a:r>
+              <a:rPr lang="en-US" sz="2400" dirty="0"/>
+              <a:t>Standard cell ASIC</a:t>
+            </a:r>
+          </a:p>
+          <a:p>
+            <a:pPr marL="863600" lvl="1" indent="-457200" eaLnBrk="1" hangingPunct="1">
+              <a:lnSpc>
+                <a:spcPct val="80000"/>
+              </a:lnSpc>
+              <a:buFont typeface="+mj-lt"/>
+              <a:buAutoNum type="arabicPeriod"/>
+            </a:pPr>
+            <a:r>
+              <a:rPr lang="en-US" sz="2400" dirty="0"/>
+              <a:t>Gate array ASIC</a:t>
+            </a:r>
+          </a:p>
+          <a:p>
+            <a:pPr marL="863600" lvl="1" indent="-457200" eaLnBrk="1" hangingPunct="1">
+              <a:lnSpc>
+                <a:spcPct val="80000"/>
+              </a:lnSpc>
+              <a:buFont typeface="+mj-lt"/>
+              <a:buAutoNum type="arabicPeriod"/>
+            </a:pPr>
+            <a:r>
+              <a:rPr lang="en-US" sz="2400" dirty="0"/>
+              <a:t>Complex field programmable logic device</a:t>
+            </a:r>
+          </a:p>
+          <a:p>
+            <a:pPr marL="863600" lvl="1" indent="-457200" eaLnBrk="1" hangingPunct="1">
+              <a:lnSpc>
+                <a:spcPct val="80000"/>
+              </a:lnSpc>
+              <a:buFont typeface="+mj-lt"/>
+              <a:buAutoNum type="arabicPeriod"/>
+            </a:pPr>
+            <a:r>
+              <a:rPr lang="en-US" sz="2400" dirty="0"/>
+              <a:t>Simple field programmable logic device</a:t>
+            </a:r>
+          </a:p>
+          <a:p>
+            <a:pPr marL="863600" lvl="1" indent="-457200" eaLnBrk="1" hangingPunct="1">
+              <a:lnSpc>
+                <a:spcPct val="80000"/>
+              </a:lnSpc>
+              <a:buFont typeface="+mj-lt"/>
+              <a:buAutoNum type="arabicPeriod"/>
+            </a:pPr>
+            <a:r>
+              <a:rPr lang="en-US" sz="2400" dirty="0"/>
+              <a:t>Off-the-shelf SSI (Small Scaled IC)/MSI (Medium Scaled IC) </a:t>
+            </a:r>
+            <a:r>
+              <a:rPr lang="en-US" sz="2400" dirty="0" smtClean="0"/>
+              <a:t>components</a:t>
+            </a:r>
           </a:p>
         </p:txBody>
       </p:sp>
@@ -40573,7 +37011,7 @@
             <a:pPr>
               <a:defRPr/>
             </a:pPr>
-            <a:fld id="{62D6D4B2-7611-498F-8780-1EDC26277454}" type="slidenum">
+            <a:fld id="{683EF015-741B-43DE-8A3A-BDAB0992138F}" type="slidenum">
               <a:rPr lang="en-US" smtClean="0">
                 <a:solidFill>
                   <a:srgbClr val="000000"/>
@@ -40595,7 +37033,7 @@
     </p:spTree>
     <p:extLst>
       <p:ext uri="{BB962C8B-B14F-4D97-AF65-F5344CB8AC3E}">
-        <p14:creationId xmlns:p14="http://schemas.microsoft.com/office/powerpoint/2010/main" val="954822005"/>
+        <p14:creationId xmlns:p14="http://schemas.microsoft.com/office/powerpoint/2010/main" val="3042783988"/>
       </p:ext>
     </p:extLst>
   </p:cSld>
@@ -41379,7 +37817,7 @@
       </p:grpSpPr>
       <p:sp>
         <p:nvSpPr>
-          <p:cNvPr id="6" name="Title 5"/>
+          <p:cNvPr id="2" name="Title 1"/>
           <p:cNvSpPr>
             <a:spLocks noGrp="1"/>
           </p:cNvSpPr>
@@ -41393,16 +37831,15 @@
           <a:lstStyle/>
           <a:p>
             <a:r>
-              <a:rPr lang="en-US" dirty="0" smtClean="0"/>
-              <a:t>Custom Digital Device Technologies</a:t>
-            </a:r>
-            <a:endParaRPr lang="en-US" dirty="0"/>
+              <a:rPr lang="en-US" dirty="0"/>
+              <a:t>Full-custom ASIC</a:t>
+            </a:r>
           </a:p>
         </p:txBody>
       </p:sp>
       <p:sp>
         <p:nvSpPr>
-          <p:cNvPr id="7" name="Content Placeholder 6"/>
+          <p:cNvPr id="3" name="Content Placeholder 2"/>
           <p:cNvSpPr>
             <a:spLocks noGrp="1"/>
           </p:cNvSpPr>
@@ -41415,144 +37852,44 @@
           <a:bodyPr/>
           <a:lstStyle/>
           <a:p>
-            <a:pPr eaLnBrk="1" hangingPunct="1">
-              <a:lnSpc>
-                <a:spcPct val="80000"/>
-              </a:lnSpc>
-            </a:pPr>
-            <a:r>
-              <a:rPr lang="en-US" sz="2800" dirty="0"/>
-              <a:t>Where customization is done:</a:t>
-            </a:r>
-          </a:p>
-          <a:p>
-            <a:pPr lvl="1" eaLnBrk="1" hangingPunct="1">
-              <a:lnSpc>
-                <a:spcPct val="80000"/>
-              </a:lnSpc>
-            </a:pPr>
-            <a:r>
-              <a:rPr lang="en-US" sz="2400" dirty="0"/>
-              <a:t>In a fab (fabrication facility): ASIC (Application </a:t>
-            </a:r>
-            <a:br>
-              <a:rPr lang="en-US" sz="2400" dirty="0"/>
-            </a:br>
-            <a:r>
-              <a:rPr lang="en-US" sz="2400" dirty="0"/>
-              <a:t>Specific IC) </a:t>
-            </a:r>
-          </a:p>
-          <a:p>
-            <a:pPr lvl="1" eaLnBrk="1" hangingPunct="1">
-              <a:lnSpc>
-                <a:spcPct val="80000"/>
-              </a:lnSpc>
-            </a:pPr>
-            <a:r>
-              <a:rPr lang="en-US" sz="2400" dirty="0"/>
-              <a:t>In the “field</a:t>
-            </a:r>
-            <a:r>
-              <a:rPr lang="en-US" sz="2400" dirty="0" smtClean="0"/>
-              <a:t>”: </a:t>
-            </a:r>
-            <a:r>
-              <a:rPr lang="en-US" sz="2400" dirty="0"/>
-              <a:t>non-ASIC</a:t>
-            </a:r>
-          </a:p>
-          <a:p>
-            <a:r>
-              <a:rPr lang="en-US" sz="2800" dirty="0" smtClean="0"/>
-              <a:t>Six device technology classifications:</a:t>
-            </a:r>
-          </a:p>
-          <a:p>
-            <a:pPr marL="863600" lvl="1" indent="-457200" eaLnBrk="1" hangingPunct="1">
-              <a:lnSpc>
-                <a:spcPct val="80000"/>
-              </a:lnSpc>
-              <a:buFont typeface="+mj-lt"/>
-              <a:buAutoNum type="arabicPeriod"/>
-            </a:pPr>
-            <a:r>
-              <a:rPr lang="en-US" sz="2400" dirty="0" smtClean="0"/>
-              <a:t>Full-custom </a:t>
-            </a:r>
-            <a:r>
-              <a:rPr lang="en-US" sz="2400" dirty="0"/>
-              <a:t>ASIC</a:t>
-            </a:r>
-          </a:p>
-          <a:p>
-            <a:pPr marL="863600" lvl="1" indent="-457200" eaLnBrk="1" hangingPunct="1">
-              <a:lnSpc>
-                <a:spcPct val="80000"/>
-              </a:lnSpc>
-              <a:buFont typeface="+mj-lt"/>
-              <a:buAutoNum type="arabicPeriod"/>
-            </a:pPr>
-            <a:r>
-              <a:rPr lang="en-US" sz="2400" dirty="0"/>
-              <a:t>Standard cell ASIC</a:t>
-            </a:r>
-          </a:p>
-          <a:p>
-            <a:pPr marL="863600" lvl="1" indent="-457200" eaLnBrk="1" hangingPunct="1">
-              <a:lnSpc>
-                <a:spcPct val="80000"/>
-              </a:lnSpc>
-              <a:buFont typeface="+mj-lt"/>
-              <a:buAutoNum type="arabicPeriod"/>
-            </a:pPr>
-            <a:r>
-              <a:rPr lang="en-US" sz="2400" dirty="0"/>
-              <a:t>Gate array ASIC</a:t>
-            </a:r>
-          </a:p>
-          <a:p>
-            <a:pPr marL="863600" lvl="1" indent="-457200" eaLnBrk="1" hangingPunct="1">
-              <a:lnSpc>
-                <a:spcPct val="80000"/>
-              </a:lnSpc>
-              <a:buFont typeface="+mj-lt"/>
-              <a:buAutoNum type="arabicPeriod"/>
-            </a:pPr>
-            <a:r>
-              <a:rPr lang="en-US" sz="2400" dirty="0"/>
-              <a:t>Complex field programmable logic device</a:t>
-            </a:r>
-          </a:p>
-          <a:p>
-            <a:pPr marL="863600" lvl="1" indent="-457200" eaLnBrk="1" hangingPunct="1">
-              <a:lnSpc>
-                <a:spcPct val="80000"/>
-              </a:lnSpc>
-              <a:buFont typeface="+mj-lt"/>
-              <a:buAutoNum type="arabicPeriod"/>
-            </a:pPr>
-            <a:r>
-              <a:rPr lang="en-US" sz="2400" dirty="0"/>
-              <a:t>Simple field programmable logic device</a:t>
-            </a:r>
-          </a:p>
-          <a:p>
-            <a:pPr marL="863600" lvl="1" indent="-457200" eaLnBrk="1" hangingPunct="1">
-              <a:lnSpc>
-                <a:spcPct val="80000"/>
-              </a:lnSpc>
-              <a:buFont typeface="+mj-lt"/>
-              <a:buAutoNum type="arabicPeriod"/>
-            </a:pPr>
-            <a:r>
-              <a:rPr lang="en-US" sz="2400" dirty="0"/>
-              <a:t>Off-the-shelf SSI (Small Scaled IC)/MSI (Medium Scaled IC) </a:t>
-            </a:r>
-            <a:r>
-              <a:rPr lang="en-US" sz="2400" dirty="0" smtClean="0"/>
-              <a:t>components</a:t>
-            </a:r>
+            <a:pPr eaLnBrk="1" hangingPunct="1"/>
+            <a:r>
+              <a:rPr lang="en-US" dirty="0"/>
+              <a:t>All aspects (e.g., size of a transistor) of a circuit are tailored for a particular application.</a:t>
+            </a:r>
+          </a:p>
+          <a:p>
+            <a:pPr eaLnBrk="1" hangingPunct="1"/>
+            <a:r>
+              <a:rPr lang="en-US" dirty="0"/>
+              <a:t>Circuit fully optimized</a:t>
+            </a:r>
+          </a:p>
+          <a:p>
+            <a:pPr eaLnBrk="1" hangingPunct="1"/>
+            <a:r>
+              <a:rPr lang="en-US" dirty="0"/>
+              <a:t>Design extremely complex and involved</a:t>
+            </a:r>
+          </a:p>
+          <a:p>
+            <a:pPr eaLnBrk="1" hangingPunct="1"/>
+            <a:r>
+              <a:rPr lang="en-US" dirty="0"/>
+              <a:t>Only feasible for small components</a:t>
+            </a:r>
+          </a:p>
+          <a:p>
+            <a:pPr eaLnBrk="1" hangingPunct="1"/>
+            <a:r>
+              <a:rPr lang="en-US" dirty="0"/>
+              <a:t>Masks needed for all </a:t>
+            </a:r>
+            <a:r>
+              <a:rPr lang="en-US" dirty="0" smtClean="0"/>
+              <a:t>layers</a:t>
+            </a:r>
+            <a:endParaRPr lang="en-US" dirty="0"/>
           </a:p>
         </p:txBody>
       </p:sp>
@@ -41584,7 +37921,7 @@
             <a:pPr>
               <a:defRPr/>
             </a:pPr>
-            <a:fld id="{683EF015-741B-43DE-8A3A-BDAB0992138F}" type="slidenum">
+            <a:fld id="{62D6D4B2-7611-498F-8780-1EDC26277454}" type="slidenum">
               <a:rPr lang="en-US" smtClean="0">
                 <a:solidFill>
                   <a:srgbClr val="000000"/>
@@ -41603,10 +37940,32 @@
           </a:p>
         </p:txBody>
       </p:sp>
+      <p:graphicFrame>
+        <p:nvGraphicFramePr>
+          <p:cNvPr id="6" name="Diagram 5"/>
+          <p:cNvGraphicFramePr/>
+          <p:nvPr>
+            <p:extLst>
+              <p:ext uri="{D42A27DB-BD31-4B8C-83A1-F6EECF244321}">
+                <p14:modId xmlns:p14="http://schemas.microsoft.com/office/powerpoint/2010/main" val="2832848317"/>
+              </p:ext>
+            </p:extLst>
+          </p:nvPr>
+        </p:nvGraphicFramePr>
+        <p:xfrm>
+          <a:off x="381000" y="5502275"/>
+          <a:ext cx="8382000" cy="717550"/>
+        </p:xfrm>
+        <a:graphic>
+          <a:graphicData uri="http://schemas.openxmlformats.org/drawingml/2006/diagram">
+            <dgm:relIds xmlns:dgm="http://schemas.openxmlformats.org/drawingml/2006/diagram" xmlns:r="http://schemas.openxmlformats.org/officeDocument/2006/relationships" r:dm="rId2" r:lo="rId3" r:qs="rId4" r:cs="rId5"/>
+          </a:graphicData>
+        </a:graphic>
+      </p:graphicFrame>
     </p:spTree>
     <p:extLst>
       <p:ext uri="{BB962C8B-B14F-4D97-AF65-F5344CB8AC3E}">
-        <p14:creationId xmlns:p14="http://schemas.microsoft.com/office/powerpoint/2010/main" val="3042783988"/>
+        <p14:creationId xmlns:p14="http://schemas.microsoft.com/office/powerpoint/2010/main" val="1490089901"/>
       </p:ext>
     </p:extLst>
   </p:cSld>
@@ -41657,7 +38016,7 @@
           <a:p>
             <a:r>
               <a:rPr lang="en-US" dirty="0"/>
-              <a:t>Full-custom ASIC</a:t>
+              <a:t>Standard-Cell ASIC</a:t>
             </a:r>
           </a:p>
         </p:txBody>
@@ -41680,28 +38039,55 @@
             <a:pPr eaLnBrk="1" hangingPunct="1"/>
             <a:r>
               <a:rPr lang="en-US" dirty="0"/>
-              <a:t>All aspects (e.g., size of a transistor) of a circuit are tailored for a particular application.</a:t>
-            </a:r>
+              <a:t>Circuit made of a set of pre-defined logic, known as </a:t>
+            </a:r>
+            <a:r>
+              <a:rPr lang="en-US" i="1" dirty="0" smtClean="0"/>
+              <a:t>standard cells</a:t>
+            </a:r>
+          </a:p>
+          <a:p>
+            <a:pPr lvl="1" eaLnBrk="1" hangingPunct="1"/>
+            <a:r>
+              <a:rPr lang="en-US" dirty="0" smtClean="0"/>
+              <a:t>Basic </a:t>
+            </a:r>
+            <a:r>
+              <a:rPr lang="en-US" dirty="0"/>
+              <a:t>logic </a:t>
+            </a:r>
+            <a:r>
+              <a:rPr lang="en-US" dirty="0" smtClean="0"/>
+              <a:t>gates</a:t>
+            </a:r>
+          </a:p>
+          <a:p>
+            <a:pPr lvl="1" eaLnBrk="1" hangingPunct="1"/>
+            <a:r>
+              <a:rPr lang="en-US" dirty="0" smtClean="0"/>
+              <a:t>1-bit adder,</a:t>
+            </a:r>
+          </a:p>
+          <a:p>
+            <a:pPr lvl="1" eaLnBrk="1" hangingPunct="1"/>
+            <a:r>
+              <a:rPr lang="en-US" dirty="0" smtClean="0"/>
+              <a:t>D FF</a:t>
+            </a:r>
+          </a:p>
+          <a:p>
+            <a:pPr lvl="1" eaLnBrk="1" hangingPunct="1"/>
+            <a:r>
+              <a:rPr lang="en-US" dirty="0" smtClean="0"/>
+              <a:t>etc.</a:t>
+            </a:r>
+            <a:endParaRPr lang="en-US" dirty="0"/>
           </a:p>
           <a:p>
             <a:pPr eaLnBrk="1" hangingPunct="1"/>
             <a:r>
               <a:rPr lang="en-US" dirty="0"/>
-              <a:t>Circuit fully optimized</a:t>
-            </a:r>
-          </a:p>
-          <a:p>
-            <a:pPr eaLnBrk="1" hangingPunct="1"/>
-            <a:r>
-              <a:rPr lang="en-US" dirty="0"/>
-              <a:t>Design extremely complex and involved</a:t>
-            </a:r>
-          </a:p>
-          <a:p>
-            <a:pPr eaLnBrk="1" hangingPunct="1"/>
-            <a:r>
-              <a:rPr lang="en-US" dirty="0"/>
-              <a:t>Only feasible for small components</a:t>
+              <a:t>Layout of a cell is pre-determined, but layout of the complete circuit is customized</a:t>
             </a:r>
           </a:p>
           <a:p>
@@ -41767,12 +38153,12 @@
       </p:sp>
       <p:graphicFrame>
         <p:nvGraphicFramePr>
-          <p:cNvPr id="6" name="Diagram 5"/>
+          <p:cNvPr id="7" name="Diagram 6"/>
           <p:cNvGraphicFramePr/>
           <p:nvPr>
             <p:extLst>
               <p:ext uri="{D42A27DB-BD31-4B8C-83A1-F6EECF244321}">
-                <p14:modId xmlns:p14="http://schemas.microsoft.com/office/powerpoint/2010/main" val="2832848317"/>
+                <p14:modId xmlns:p14="http://schemas.microsoft.com/office/powerpoint/2010/main" val="2877072927"/>
               </p:ext>
             </p:extLst>
           </p:nvPr>
@@ -41790,7 +38176,7 @@
     </p:spTree>
     <p:extLst>
       <p:ext uri="{BB962C8B-B14F-4D97-AF65-F5344CB8AC3E}">
-        <p14:creationId xmlns:p14="http://schemas.microsoft.com/office/powerpoint/2010/main" val="1490089901"/>
+        <p14:creationId xmlns:p14="http://schemas.microsoft.com/office/powerpoint/2010/main" val="1980524535"/>
       </p:ext>
     </p:extLst>
   </p:cSld>
@@ -41841,7 +38227,7 @@
           <a:p>
             <a:r>
               <a:rPr lang="en-US" dirty="0"/>
-              <a:t>Standard-Cell ASIC</a:t>
+              <a:t>Gate array ASIC</a:t>
             </a:r>
           </a:p>
         </p:txBody>
@@ -41861,70 +38247,66 @@
           <a:bodyPr/>
           <a:lstStyle/>
           <a:p>
-            <a:pPr eaLnBrk="1" hangingPunct="1"/>
+            <a:pPr eaLnBrk="1" hangingPunct="1">
+              <a:lnSpc>
+                <a:spcPct val="90000"/>
+              </a:lnSpc>
+            </a:pPr>
             <a:r>
               <a:rPr lang="en-US" dirty="0"/>
-              <a:t>Circuit made of a set of pre-defined logic, known as </a:t>
-            </a:r>
-            <a:r>
-              <a:rPr lang="en-US" i="1" dirty="0" smtClean="0"/>
-              <a:t>standard cells</a:t>
-            </a:r>
-          </a:p>
-          <a:p>
-            <a:pPr lvl="1" eaLnBrk="1" hangingPunct="1"/>
-            <a:r>
-              <a:rPr lang="en-US" dirty="0" smtClean="0"/>
-              <a:t>Basic </a:t>
+              <a:t>Circuit is built from an array of a single type of  cell (known as </a:t>
+            </a:r>
+            <a:r>
+              <a:rPr lang="en-US" i="1" dirty="0"/>
+              <a:t>base cell</a:t>
             </a:r>
             <a:r>
               <a:rPr lang="en-US" dirty="0"/>
-              <a:t>logic </a:t>
-            </a:r>
-            <a:r>
-              <a:rPr lang="en-US" dirty="0" smtClean="0"/>
-              <a:t>gates</a:t>
-            </a:r>
-          </a:p>
-          <a:p>
-            <a:pPr lvl="1" eaLnBrk="1" hangingPunct="1"/>
-            <a:r>
-              <a:rPr lang="en-US" dirty="0" smtClean="0"/>
-              <a:t>1-bit adder,</a:t>
-            </a:r>
-          </a:p>
-          <a:p>
-            <a:pPr lvl="1" eaLnBrk="1" hangingPunct="1"/>
-            <a:r>
-              <a:rPr lang="en-US" dirty="0" smtClean="0"/>
-              <a:t>D FF</a:t>
-            </a:r>
-          </a:p>
-          <a:p>
-            <a:pPr lvl="1" eaLnBrk="1" hangingPunct="1"/>
-            <a:r>
-              <a:rPr lang="en-US" dirty="0" smtClean="0"/>
-              <a:t>etc.</a:t>
-            </a:r>
-            <a:endParaRPr lang="en-US" dirty="0"/>
-          </a:p>
-          <a:p>
-            <a:pPr eaLnBrk="1" hangingPunct="1"/>
+              <a:t>)</a:t>
+            </a:r>
+          </a:p>
+          <a:p>
+            <a:pPr eaLnBrk="1" hangingPunct="1">
+              <a:lnSpc>
+                <a:spcPct val="90000"/>
+              </a:lnSpc>
+            </a:pPr>
             <a:r>
               <a:rPr lang="en-US" dirty="0"/>
-              <a:t>Layout of a cell is pre-determined, but layout of the complete circuit is customized</a:t>
-            </a:r>
-          </a:p>
-          <a:p>
-            <a:pPr eaLnBrk="1" hangingPunct="1"/>
+              <a:t>Base cells are pre-arranged and placed in fixed positions, aligned as one- or two-dimensional array</a:t>
+            </a:r>
+          </a:p>
+          <a:p>
+            <a:pPr eaLnBrk="1" hangingPunct="1">
+              <a:lnSpc>
+                <a:spcPct val="90000"/>
+              </a:lnSpc>
+            </a:pPr>
             <a:r>
               <a:rPr lang="en-US" dirty="0"/>
-              <a:t>Masks needed for all </a:t>
-            </a:r>
-            <a:r>
-              <a:rPr lang="en-US" dirty="0" smtClean="0"/>
-              <a:t>layers</a:t>
-            </a:r>
+              <a:t>More sophisticated components (</a:t>
+            </a:r>
+            <a:r>
+              <a:rPr lang="en-US" i="1" dirty="0"/>
+              <a:t>macro cells</a:t>
+            </a:r>
+            <a:r>
+              <a:rPr lang="en-US" dirty="0"/>
+              <a:t>) can be constructed from base cells</a:t>
+            </a:r>
+          </a:p>
+          <a:p>
+            <a:pPr eaLnBrk="1" hangingPunct="1">
+              <a:lnSpc>
+                <a:spcPct val="90000"/>
+              </a:lnSpc>
+            </a:pPr>
+            <a:r>
+              <a:rPr lang="en-US" dirty="0"/>
+              <a:t>Masks needed only for metal layers (connection wires)</a:t>
+            </a:r>
+          </a:p>
+          <a:p>
             <a:endParaRPr lang="en-US" dirty="0"/>
           </a:p>
         </p:txBody>
@@ -41978,12 +38360,12 @@
       </p:sp>
       <p:graphicFrame>
         <p:nvGraphicFramePr>
-          <p:cNvPr id="7" name="Diagram 6"/>
+          <p:cNvPr id="6" name="Diagram 5"/>
           <p:cNvGraphicFramePr/>
           <p:nvPr>
             <p:extLst>
               <p:ext uri="{D42A27DB-BD31-4B8C-83A1-F6EECF244321}">
-                <p14:modId xmlns:p14="http://schemas.microsoft.com/office/powerpoint/2010/main" val="2877072927"/>
+                <p14:modId xmlns:p14="http://schemas.microsoft.com/office/powerpoint/2010/main" val="2745470618"/>
               </p:ext>
             </p:extLst>
           </p:nvPr>
@@ -42001,7 +38383,7 @@
     </p:spTree>
     <p:extLst>
       <p:ext uri="{BB962C8B-B14F-4D97-AF65-F5344CB8AC3E}">
-        <p14:creationId xmlns:p14="http://schemas.microsoft.com/office/powerpoint/2010/main" val="1980524535"/>
+        <p14:creationId xmlns:p14="http://schemas.microsoft.com/office/powerpoint/2010/main" val="3021139439"/>
       </p:ext>
     </p:extLst>
   </p:cSld>
@@ -42052,7 +38434,7 @@
           <a:p>
             <a:r>
               <a:rPr lang="en-US" dirty="0"/>
-              <a:t>Gate array ASIC</a:t>
+              <a:t>Complex Field Programmable Device</a:t>
             </a:r>
           </a:p>
         </p:txBody>
@@ -42072,63 +38454,82 @@
           <a:bodyPr/>
           <a:lstStyle/>
           <a:p>
-            <a:pPr eaLnBrk="1" hangingPunct="1">
-              <a:lnSpc>
-                <a:spcPct val="90000"/>
-              </a:lnSpc>
-            </a:pPr>
+            <a:pPr eaLnBrk="1" hangingPunct="1"/>
             <a:r>
               <a:rPr lang="en-US" dirty="0"/>
-              <a:t>Circuit is built from an array of a single type of  cell (known as </a:t>
+              <a:t>Device consists of an array of generic logic cells and general interconnect structure</a:t>
+            </a:r>
+          </a:p>
+          <a:p>
+            <a:pPr eaLnBrk="1" hangingPunct="1"/>
+            <a:r>
+              <a:rPr lang="en-US" dirty="0"/>
+              <a:t>Logic cells and interconnect can be </a:t>
+            </a:r>
+            <a:r>
+              <a:rPr lang="en-US" dirty="0" smtClean="0"/>
+              <a:t>“programmed” </a:t>
+            </a:r>
+            <a:r>
+              <a:rPr lang="en-US" dirty="0"/>
+              <a:t>by utilizing </a:t>
+            </a:r>
+            <a:r>
+              <a:rPr lang="en-US" dirty="0" smtClean="0"/>
+              <a:t>semiconductor </a:t>
             </a:r>
             <a:r>
               <a:rPr lang="en-US" i="1" dirty="0"/>
-              <a:t>base cell</a:t>
+              <a:t>fuses</a:t>
             </a:r>
             <a:r>
               <a:rPr lang="en-US" dirty="0"/>
-              <a:t>)</a:t>
-            </a:r>
-          </a:p>
-          <a:p>
-            <a:pPr eaLnBrk="1" hangingPunct="1">
-              <a:lnSpc>
-                <a:spcPct val="90000"/>
-              </a:lnSpc>
-            </a:pPr>
+              <a:t> or </a:t>
+            </a:r>
+            <a:r>
+              <a:rPr lang="en-US" i="1" dirty="0" smtClean="0"/>
+              <a:t>switches</a:t>
+            </a:r>
+            <a:endParaRPr lang="en-US" i="1" dirty="0"/>
+          </a:p>
+          <a:p>
+            <a:pPr eaLnBrk="1" hangingPunct="1"/>
             <a:r>
               <a:rPr lang="en-US" dirty="0"/>
-              <a:t>Base cells are pre-arranged and placed in fixed positions, aligned as one- or two-dimensional array</a:t>
-            </a:r>
-          </a:p>
-          <a:p>
-            <a:pPr eaLnBrk="1" hangingPunct="1">
-              <a:lnSpc>
-                <a:spcPct val="90000"/>
-              </a:lnSpc>
-            </a:pPr>
+              <a:t>Customization is done “in the </a:t>
+            </a:r>
+            <a:r>
+              <a:rPr lang="en-US" dirty="0" smtClean="0"/>
+              <a:t>field” vs. fab</a:t>
+            </a:r>
+            <a:endParaRPr lang="en-US" dirty="0"/>
+          </a:p>
+          <a:p>
+            <a:pPr eaLnBrk="1" hangingPunct="1"/>
             <a:r>
               <a:rPr lang="en-US" dirty="0"/>
-              <a:t>More sophisticated components (</a:t>
-            </a:r>
-            <a:r>
-              <a:rPr lang="en-US" i="1" dirty="0"/>
-              <a:t>macro cells</a:t>
-            </a:r>
+              <a:t>Two categories:</a:t>
+            </a:r>
+          </a:p>
+          <a:p>
+            <a:pPr lvl="1" eaLnBrk="1" hangingPunct="1"/>
+            <a:r>
+              <a:rPr lang="en-US" sz="2000" dirty="0"/>
+              <a:t>CPLD (Complex Programmable Logic Device)</a:t>
+            </a:r>
+          </a:p>
+          <a:p>
+            <a:pPr lvl="1" eaLnBrk="1" hangingPunct="1"/>
+            <a:r>
+              <a:rPr lang="en-US" sz="2000" dirty="0"/>
+              <a:t>FPGA (Field Programmable Gate Array)</a:t>
+            </a:r>
+          </a:p>
+          <a:p>
+            <a:pPr eaLnBrk="1" hangingPunct="1"/>
             <a:r>
               <a:rPr lang="en-US" dirty="0"/>
-              <a:t>) can be constructed from base cells</a:t>
-            </a:r>
-          </a:p>
-          <a:p>
-            <a:pPr eaLnBrk="1" hangingPunct="1">
-              <a:lnSpc>
-                <a:spcPct val="90000"/>
-              </a:lnSpc>
-            </a:pPr>
-            <a:r>
-              <a:rPr lang="en-US" dirty="0"/>
-              <a:t>Masks needed only for metal layers (connection wires)</a:t>
+              <a:t>No custom mask needed</a:t>
             </a:r>
           </a:p>
           <a:p>
@@ -42190,7 +38591,7 @@
           <p:nvPr>
             <p:extLst>
               <p:ext uri="{D42A27DB-BD31-4B8C-83A1-F6EECF244321}">
-                <p14:modId xmlns:p14="http://schemas.microsoft.com/office/powerpoint/2010/main" val="2745470618"/>
+                <p14:modId xmlns:p14="http://schemas.microsoft.com/office/powerpoint/2010/main" val="895089"/>
               </p:ext>
             </p:extLst>
           </p:nvPr>
@@ -42208,7 +38609,7 @@
     </p:spTree>
     <p:extLst>
       <p:ext uri="{BB962C8B-B14F-4D97-AF65-F5344CB8AC3E}">
-        <p14:creationId xmlns:p14="http://schemas.microsoft.com/office/powerpoint/2010/main" val="3021139439"/>
+        <p14:creationId xmlns:p14="http://schemas.microsoft.com/office/powerpoint/2010/main" val="1057496935"/>
       </p:ext>
     </p:extLst>
   </p:cSld>
@@ -42259,7 +38660,7 @@
           <a:p>
             <a:r>
               <a:rPr lang="en-US" dirty="0"/>
-              <a:t>Complex Field Programmable Device</a:t>
+              <a:t>Simple Field Programmable Device</a:t>
             </a:r>
           </a:p>
         </p:txBody>
@@ -42282,73 +38683,35 @@
             <a:pPr eaLnBrk="1" hangingPunct="1"/>
             <a:r>
               <a:rPr lang="en-US" dirty="0"/>
-              <a:t>Device consists of an array of generic logic cells and general interconnect structure</a:t>
-            </a:r>
-          </a:p>
-          <a:p>
-            <a:pPr eaLnBrk="1" hangingPunct="1"/>
+              <a:t>Programmable device with simple internal structure </a:t>
+            </a:r>
+          </a:p>
+          <a:p>
+            <a:pPr lvl="1" eaLnBrk="1" hangingPunct="1"/>
+            <a:r>
+              <a:rPr lang="en-US" dirty="0" smtClean="0"/>
+              <a:t>PROM </a:t>
+            </a:r>
             <a:r>
               <a:rPr lang="en-US" dirty="0"/>
-              <a:t>Logic cells and interconnect can be </a:t>
-            </a:r>
+              <a:t>(Programmable Read Only Memory)</a:t>
+            </a:r>
+          </a:p>
+          <a:p>
+            <a:pPr lvl="1" eaLnBrk="1" hangingPunct="1"/>
+            <a:r>
+              <a:rPr lang="en-US" dirty="0"/>
+              <a:t>PAL (Programmable Array Logic) </a:t>
+            </a:r>
+            <a:endParaRPr lang="en-US" dirty="0" smtClean="0"/>
+          </a:p>
+          <a:p>
+            <a:pPr lvl="1" eaLnBrk="1" hangingPunct="1"/>
             <a:r>
               <a:rPr lang="en-US" dirty="0" smtClean="0"/>
-              <a:t>“programmed” </a:t>
-            </a:r>
-            <a:r>
-              <a:rPr lang="en-US" dirty="0"/>
-              <a:t>by utilizing </a:t>
-            </a:r>
-            <a:r>
-              <a:rPr lang="en-US" dirty="0" smtClean="0"/>
-              <a:t>semiconductor </a:t>
-            </a:r>
-            <a:r>
-              <a:rPr lang="en-US" i="1" dirty="0"/>
-              <a:t>fuses</a:t>
-            </a:r>
-            <a:r>
-              <a:rPr lang="en-US" dirty="0"/>
-              <a:t> or </a:t>
-            </a:r>
-            <a:r>
-              <a:rPr lang="en-US" i="1" dirty="0" smtClean="0"/>
-              <a:t>switches</a:t>
-            </a:r>
-            <a:endParaRPr lang="en-US" i="1" dirty="0"/>
-          </a:p>
-          <a:p>
-            <a:pPr eaLnBrk="1" hangingPunct="1"/>
-            <a:r>
-              <a:rPr lang="en-US" dirty="0"/>
-              <a:t>Customization is done “in the </a:t>
-            </a:r>
-            <a:r>
-              <a:rPr lang="en-US" dirty="0" smtClean="0"/>
-              <a:t>field” vs. fab</a:t>
+              <a:t>etc.</a:t>
             </a:r>
             <a:endParaRPr lang="en-US" dirty="0"/>
-          </a:p>
-          <a:p>
-            <a:pPr eaLnBrk="1" hangingPunct="1"/>
-            <a:r>
-              <a:rPr lang="en-US" dirty="0"/>
-              <a:t>Two categories:</a:t>
-            </a:r>
-          </a:p>
-          <a:p>
-            <a:pPr lvl="1" eaLnBrk="1" hangingPunct="1"/>
-            <a:r>
-              <a:rPr lang="en-US" sz="2000" dirty="0"/>
-              <a:t>CPLD (Complex Programmable Logic Device)</a:t>
-            </a:r>
-          </a:p>
-          <a:p>
-            <a:pPr lvl="1" eaLnBrk="1" hangingPunct="1"/>
-            <a:r>
-              <a:rPr lang="en-US" sz="2000" dirty="0"/>
-              <a:t>FPGA (Field Programmable Gate Array)</a:t>
-            </a:r>
           </a:p>
           <a:p>
             <a:pPr eaLnBrk="1" hangingPunct="1"/>
@@ -42358,6 +38721,15 @@
             </a:r>
           </a:p>
           <a:p>
+            <a:pPr eaLnBrk="1" hangingPunct="1"/>
+            <a:r>
+              <a:rPr lang="en-US" dirty="0"/>
+              <a:t>Replaced by </a:t>
+            </a:r>
+            <a:r>
+              <a:rPr lang="en-US" dirty="0" smtClean="0"/>
+              <a:t>CPLD/FPGA</a:t>
+            </a:r>
             <a:endParaRPr lang="en-US" dirty="0"/>
           </a:p>
         </p:txBody>
@@ -42380,7 +38752,7 @@
             <a:pPr>
               <a:defRPr/>
             </a:pPr>
-            <a:endParaRPr lang="en-US" smtClean="0">
+            <a:endParaRPr lang="en-US" dirty="0" smtClean="0">
               <a:solidFill>
                 <a:srgbClr val="000000"/>
               </a:solidFill>
@@ -42401,7 +38773,7 @@
               </a:pPr>
               <a:t>24</a:t>
             </a:fld>
-            <a:endParaRPr lang="en-US">
+            <a:endParaRPr lang="en-US" dirty="0">
               <a:solidFill>
                 <a:srgbClr val="000000"/>
               </a:solidFill>
@@ -42416,7 +38788,7 @@
           <p:nvPr>
             <p:extLst>
               <p:ext uri="{D42A27DB-BD31-4B8C-83A1-F6EECF244321}">
-                <p14:modId xmlns:p14="http://schemas.microsoft.com/office/powerpoint/2010/main" val="895089"/>
+                <p14:modId xmlns:p14="http://schemas.microsoft.com/office/powerpoint/2010/main" val="2593414240"/>
               </p:ext>
             </p:extLst>
           </p:nvPr>
@@ -42434,7 +38806,7 @@
     </p:spTree>
     <p:extLst>
       <p:ext uri="{BB962C8B-B14F-4D97-AF65-F5344CB8AC3E}">
-        <p14:creationId xmlns:p14="http://schemas.microsoft.com/office/powerpoint/2010/main" val="1057496935"/>
+        <p14:creationId xmlns:p14="http://schemas.microsoft.com/office/powerpoint/2010/main" val="1473763798"/>
       </p:ext>
     </p:extLst>
   </p:cSld>
@@ -42485,7 +38857,7 @@
           <a:p>
             <a:r>
               <a:rPr lang="en-US" dirty="0"/>
-              <a:t>Simple Field Programmable Device</a:t>
+              <a:t>SSI/MSI components</a:t>
             </a:r>
           </a:p>
         </p:txBody>
@@ -42508,27 +38880,27 @@
             <a:pPr eaLnBrk="1" hangingPunct="1"/>
             <a:r>
               <a:rPr lang="en-US" dirty="0"/>
-              <a:t>Programmable device with simple internal structure </a:t>
+              <a:t>Small parts with fixed, limited </a:t>
+            </a:r>
+            <a:r>
+              <a:rPr lang="en-US" dirty="0" smtClean="0"/>
+              <a:t>functionality</a:t>
             </a:r>
           </a:p>
           <a:p>
             <a:pPr lvl="1" eaLnBrk="1" hangingPunct="1"/>
             <a:r>
               <a:rPr lang="en-US" dirty="0" smtClean="0"/>
-              <a:t>PROM </a:t>
+              <a:t>7400 </a:t>
             </a:r>
             <a:r>
               <a:rPr lang="en-US" dirty="0"/>
-              <a:t>(Programmable Read Only Memory)</a:t>
-            </a:r>
-          </a:p>
-          <a:p>
-            <a:pPr lvl="1" eaLnBrk="1" hangingPunct="1"/>
-            <a:r>
-              <a:rPr lang="en-US" dirty="0"/>
-              <a:t>PAL (Programmable Array Logic) </a:t>
-            </a:r>
-            <a:endParaRPr lang="en-US" dirty="0" smtClean="0"/>
+              <a:t>TTL series (more than 100 parts</a:t>
+            </a:r>
+            <a:r>
+              <a:rPr lang="en-US" dirty="0" smtClean="0"/>
+              <a:t>)</a:t>
+            </a:r>
           </a:p>
           <a:p>
             <a:pPr lvl="1" eaLnBrk="1" hangingPunct="1"/>
@@ -42542,18 +38914,79 @@
             <a:pPr eaLnBrk="1" hangingPunct="1"/>
             <a:r>
               <a:rPr lang="en-US" dirty="0"/>
-              <a:t>No custom mask needed</a:t>
-            </a:r>
+              <a:t>Resource </a:t>
+            </a:r>
+            <a:r>
+              <a:rPr lang="en-US" dirty="0" smtClean="0"/>
+              <a:t>is </a:t>
+            </a:r>
+            <a:r>
+              <a:rPr lang="en-US" dirty="0"/>
+              <a:t>consumed by </a:t>
+            </a:r>
+            <a:r>
+              <a:rPr lang="en-US" i="1" dirty="0" smtClean="0"/>
+              <a:t>package</a:t>
+            </a:r>
+            <a:r>
+              <a:rPr lang="en-US" dirty="0" smtClean="0"/>
+              <a:t> </a:t>
+            </a:r>
+            <a:r>
+              <a:rPr lang="en-US" dirty="0"/>
+              <a:t>but not </a:t>
+            </a:r>
+            <a:r>
+              <a:rPr lang="en-US" i="1" dirty="0" smtClean="0"/>
+              <a:t>silicon</a:t>
+            </a:r>
+            <a:r>
+              <a:rPr lang="en-US" dirty="0" smtClean="0"/>
+              <a:t>:</a:t>
+            </a:r>
+          </a:p>
+          <a:p>
+            <a:pPr lvl="1" eaLnBrk="1" hangingPunct="1"/>
+            <a:r>
+              <a:rPr lang="en-US" dirty="0" smtClean="0"/>
+              <a:t>Power</a:t>
+            </a:r>
+          </a:p>
+          <a:p>
+            <a:pPr lvl="1" eaLnBrk="1" hangingPunct="1"/>
+            <a:r>
+              <a:rPr lang="en-US" dirty="0" smtClean="0"/>
+              <a:t>Board area</a:t>
+            </a:r>
+          </a:p>
+          <a:p>
+            <a:pPr lvl="1" eaLnBrk="1" hangingPunct="1"/>
+            <a:r>
+              <a:rPr lang="en-US" dirty="0" smtClean="0"/>
+              <a:t>Manufacturing cost</a:t>
+            </a:r>
+          </a:p>
+          <a:p>
+            <a:pPr lvl="1" eaLnBrk="1" hangingPunct="1"/>
+            <a:r>
+              <a:rPr lang="en-US" dirty="0"/>
+              <a:t>e</a:t>
+            </a:r>
+            <a:r>
+              <a:rPr lang="en-US" dirty="0" smtClean="0"/>
+              <a:t>tc.</a:t>
+            </a:r>
+            <a:endParaRPr lang="en-US" dirty="0"/>
           </a:p>
           <a:p>
             <a:pPr eaLnBrk="1" hangingPunct="1"/>
             <a:r>
               <a:rPr lang="en-US" dirty="0"/>
-              <a:t>Replaced by </a:t>
+              <a:t>No longer a viable </a:t>
             </a:r>
             <a:r>
               <a:rPr lang="en-US" dirty="0" smtClean="0"/>
-              <a:t>CPLD/FPGA</a:t>
+              <a:t>option</a:t>
             </a:r>
             <a:endParaRPr lang="en-US" dirty="0"/>
           </a:p>
@@ -42577,7 +39010,7 @@
             <a:pPr>
               <a:defRPr/>
             </a:pPr>
-            <a:endParaRPr lang="en-US" dirty="0" smtClean="0">
+            <a:endParaRPr lang="en-US" smtClean="0">
               <a:solidFill>
                 <a:srgbClr val="000000"/>
               </a:solidFill>
@@ -42597,264 +39030,6 @@
                 <a:defRPr/>
               </a:pPr>
               <a:t>25</a:t>
-            </a:fld>
-            <a:endParaRPr lang="en-US" dirty="0">
-              <a:solidFill>
-                <a:srgbClr val="000000"/>
-              </a:solidFill>
-            </a:endParaRPr>
-          </a:p>
-        </p:txBody>
-      </p:sp>
-      <p:graphicFrame>
-        <p:nvGraphicFramePr>
-          <p:cNvPr id="6" name="Diagram 5"/>
-          <p:cNvGraphicFramePr/>
-          <p:nvPr>
-            <p:extLst>
-              <p:ext uri="{D42A27DB-BD31-4B8C-83A1-F6EECF244321}">
-                <p14:modId xmlns:p14="http://schemas.microsoft.com/office/powerpoint/2010/main" val="2593414240"/>
-              </p:ext>
-            </p:extLst>
-          </p:nvPr>
-        </p:nvGraphicFramePr>
-        <p:xfrm>
-          <a:off x="381000" y="5502275"/>
-          <a:ext cx="8382000" cy="717550"/>
-        </p:xfrm>
-        <a:graphic>
-          <a:graphicData uri="http://schemas.openxmlformats.org/drawingml/2006/diagram">
-            <dgm:relIds xmlns:dgm="http://schemas.openxmlformats.org/drawingml/2006/diagram" xmlns:r="http://schemas.openxmlformats.org/officeDocument/2006/relationships" r:dm="rId2" r:lo="rId3" r:qs="rId4" r:cs="rId5"/>
-          </a:graphicData>
-        </a:graphic>
-      </p:graphicFrame>
-    </p:spTree>
-    <p:extLst>
-      <p:ext uri="{BB962C8B-B14F-4D97-AF65-F5344CB8AC3E}">
-        <p14:creationId xmlns:p14="http://schemas.microsoft.com/office/powerpoint/2010/main" val="1473763798"/>
-      </p:ext>
-    </p:extLst>
-  </p:cSld>
-  <p:clrMapOvr>
-    <a:masterClrMapping/>
-  </p:clrMapOvr>
-  <p:timing>
-    <p:tnLst>
-      <p:par>
-        <p:cTn id="1" dur="indefinite" restart="never" nodeType="tmRoot"/>
-      </p:par>
-    </p:tnLst>
-  </p:timing>
-</p:sld>
-</file>
-
-<file path=ppt/slides/slide26.xml><?xml version="1.0" encoding="utf-8"?>
-<p:sld xmlns:a="http://schemas.openxmlformats.org/drawingml/2006/main" xmlns:r="http://schemas.openxmlformats.org/officeDocument/2006/relationships" xmlns:p="http://schemas.openxmlformats.org/presentationml/2006/main">
-  <p:cSld>
-    <p:spTree>
-      <p:nvGrpSpPr>
-        <p:cNvPr id="1" name=""/>
-        <p:cNvGrpSpPr/>
-        <p:nvPr/>
-      </p:nvGrpSpPr>
-      <p:grpSpPr>
-        <a:xfrm>
-          <a:off x="0" y="0"/>
-          <a:ext cx="0" cy="0"/>
-          <a:chOff x="0" y="0"/>
-          <a:chExt cx="0" cy="0"/>
-        </a:xfrm>
-      </p:grpSpPr>
-      <p:sp>
-        <p:nvSpPr>
-          <p:cNvPr id="2" name="Title 1"/>
-          <p:cNvSpPr>
-            <a:spLocks noGrp="1"/>
-          </p:cNvSpPr>
-          <p:nvPr>
-            <p:ph type="title"/>
-          </p:nvPr>
-        </p:nvSpPr>
-        <p:spPr/>
-        <p:txBody>
-          <a:bodyPr/>
-          <a:lstStyle/>
-          <a:p>
-            <a:r>
-              <a:rPr lang="en-US" dirty="0"/>
-              <a:t>SSI/MSI components</a:t>
-            </a:r>
-          </a:p>
-        </p:txBody>
-      </p:sp>
-      <p:sp>
-        <p:nvSpPr>
-          <p:cNvPr id="3" name="Content Placeholder 2"/>
-          <p:cNvSpPr>
-            <a:spLocks noGrp="1"/>
-          </p:cNvSpPr>
-          <p:nvPr>
-            <p:ph idx="1"/>
-          </p:nvPr>
-        </p:nvSpPr>
-        <p:spPr/>
-        <p:txBody>
-          <a:bodyPr/>
-          <a:lstStyle/>
-          <a:p>
-            <a:pPr eaLnBrk="1" hangingPunct="1"/>
-            <a:r>
-              <a:rPr lang="en-US" dirty="0"/>
-              <a:t>Small parts with fixed, limited </a:t>
-            </a:r>
-            <a:r>
-              <a:rPr lang="en-US" dirty="0" smtClean="0"/>
-              <a:t>functionality</a:t>
-            </a:r>
-          </a:p>
-          <a:p>
-            <a:pPr lvl="1" eaLnBrk="1" hangingPunct="1"/>
-            <a:r>
-              <a:rPr lang="en-US" dirty="0" smtClean="0"/>
-              <a:t>7400 </a:t>
-            </a:r>
-            <a:r>
-              <a:rPr lang="en-US" dirty="0"/>
-              <a:t>TTL series (more than 100 parts</a:t>
-            </a:r>
-            <a:r>
-              <a:rPr lang="en-US" dirty="0" smtClean="0"/>
-              <a:t>)</a:t>
-            </a:r>
-          </a:p>
-          <a:p>
-            <a:pPr lvl="1" eaLnBrk="1" hangingPunct="1"/>
-            <a:r>
-              <a:rPr lang="en-US" dirty="0" smtClean="0"/>
-              <a:t>etc.</a:t>
-            </a:r>
-            <a:endParaRPr lang="en-US" dirty="0"/>
-          </a:p>
-          <a:p>
-            <a:pPr eaLnBrk="1" hangingPunct="1"/>
-            <a:r>
-              <a:rPr lang="en-US" dirty="0"/>
-              <a:t>Resource </a:t>
-            </a:r>
-            <a:r>
-              <a:rPr lang="en-US" dirty="0" smtClean="0"/>
-              <a:t>is </a:t>
-            </a:r>
-            <a:r>
-              <a:rPr lang="en-US" dirty="0"/>
-              <a:t>consumed by </a:t>
-            </a:r>
-            <a:r>
-              <a:rPr lang="en-US" i="1" dirty="0" smtClean="0"/>
-              <a:t>package</a:t>
-            </a:r>
-            <a:r>
-              <a:rPr lang="en-US" dirty="0" smtClean="0"/>
-              <a:t> </a:t>
-            </a:r>
-            <a:r>
-              <a:rPr lang="en-US" dirty="0"/>
-              <a:t>but not </a:t>
-            </a:r>
-            <a:r>
-              <a:rPr lang="en-US" i="1" dirty="0" smtClean="0"/>
-              <a:t>silicon</a:t>
-            </a:r>
-            <a:r>
-              <a:rPr lang="en-US" dirty="0" smtClean="0"/>
-              <a:t>:</a:t>
-            </a:r>
-          </a:p>
-          <a:p>
-            <a:pPr lvl="1" eaLnBrk="1" hangingPunct="1"/>
-            <a:r>
-              <a:rPr lang="en-US" dirty="0" smtClean="0"/>
-              <a:t>Power</a:t>
-            </a:r>
-          </a:p>
-          <a:p>
-            <a:pPr lvl="1" eaLnBrk="1" hangingPunct="1"/>
-            <a:r>
-              <a:rPr lang="en-US" dirty="0" smtClean="0"/>
-              <a:t>Board area</a:t>
-            </a:r>
-          </a:p>
-          <a:p>
-            <a:pPr lvl="1" eaLnBrk="1" hangingPunct="1"/>
-            <a:r>
-              <a:rPr lang="en-US" dirty="0" smtClean="0"/>
-              <a:t>Manufacturing cost</a:t>
-            </a:r>
-          </a:p>
-          <a:p>
-            <a:pPr lvl="1" eaLnBrk="1" hangingPunct="1"/>
-            <a:r>
-              <a:rPr lang="en-US" dirty="0"/>
-              <a:t>e</a:t>
-            </a:r>
-            <a:r>
-              <a:rPr lang="en-US" dirty="0" smtClean="0"/>
-              <a:t>tc.</a:t>
-            </a:r>
-            <a:endParaRPr lang="en-US" dirty="0"/>
-          </a:p>
-          <a:p>
-            <a:pPr eaLnBrk="1" hangingPunct="1"/>
-            <a:r>
-              <a:rPr lang="en-US" dirty="0"/>
-              <a:t>No longer a viable </a:t>
-            </a:r>
-            <a:r>
-              <a:rPr lang="en-US" dirty="0" smtClean="0"/>
-              <a:t>option</a:t>
-            </a:r>
-            <a:endParaRPr lang="en-US" dirty="0"/>
-          </a:p>
-        </p:txBody>
-      </p:sp>
-      <p:sp>
-        <p:nvSpPr>
-          <p:cNvPr id="4" name="Slide Number Placeholder 3"/>
-          <p:cNvSpPr>
-            <a:spLocks noGrp="1"/>
-          </p:cNvSpPr>
-          <p:nvPr>
-            <p:ph type="sldNum" sz="quarter" idx="10"/>
-          </p:nvPr>
-        </p:nvSpPr>
-        <p:spPr/>
-        <p:txBody>
-          <a:bodyPr/>
-          <a:lstStyle/>
-          <a:p>
-            <a:pPr>
-              <a:defRPr/>
-            </a:pPr>
-            <a:endParaRPr lang="en-US" smtClean="0">
-              <a:solidFill>
-                <a:srgbClr val="000000"/>
-              </a:solidFill>
-            </a:endParaRPr>
-          </a:p>
-          <a:p>
-            <a:pPr>
-              <a:defRPr/>
-            </a:pPr>
-            <a:fld id="{62D6D4B2-7611-498F-8780-1EDC26277454}" type="slidenum">
-              <a:rPr lang="en-US" smtClean="0">
-                <a:solidFill>
-                  <a:srgbClr val="000000"/>
-                </a:solidFill>
-              </a:rPr>
-              <a:pPr>
-                <a:defRPr/>
-              </a:pPr>
-              <a:t>26</a:t>
             </a:fld>
             <a:endParaRPr lang="en-US">
               <a:solidFill>
@@ -42906,7 +39081,7 @@
 </p:sld>
 </file>
 
-<file path=ppt/slides/slide27.xml><?xml version="1.0" encoding="utf-8"?>
+<file path=ppt/slides/slide26.xml><?xml version="1.0" encoding="utf-8"?>
 <p:sld xmlns:a="http://schemas.openxmlformats.org/drawingml/2006/main" xmlns:r="http://schemas.openxmlformats.org/officeDocument/2006/relationships" xmlns:p="http://schemas.openxmlformats.org/presentationml/2006/main">
   <p:cSld>
     <p:spTree>
@@ -43105,7 +39280,7 @@
               <a:pPr>
                 <a:defRPr/>
               </a:pPr>
-              <a:t>27</a:t>
+              <a:t>26</a:t>
             </a:fld>
             <a:endParaRPr lang="en-US">
               <a:solidFill>
@@ -43442,7 +39617,7 @@
 </p:sld>
 </file>
 
-<file path=ppt/slides/slide28.xml><?xml version="1.0" encoding="utf-8"?>
+<file path=ppt/slides/slide27.xml><?xml version="1.0" encoding="utf-8"?>
 <p:sld xmlns:a="http://schemas.openxmlformats.org/drawingml/2006/main" xmlns:r="http://schemas.openxmlformats.org/officeDocument/2006/relationships" xmlns:p="http://schemas.openxmlformats.org/presentationml/2006/main">
   <p:cSld>
     <p:spTree>
@@ -43560,7 +39735,7 @@
               <a:pPr>
                 <a:defRPr/>
               </a:pPr>
-              <a:t>28</a:t>
+              <a:t>27</a:t>
             </a:fld>
             <a:endParaRPr lang="en-US">
               <a:solidFill>
@@ -43628,7 +39803,7 @@
 </p:sld>
 </file>
 
-<file path=ppt/slides/slide29.xml><?xml version="1.0" encoding="utf-8"?>
+<file path=ppt/slides/slide28.xml><?xml version="1.0" encoding="utf-8"?>
 <p:sld xmlns:a="http://schemas.openxmlformats.org/drawingml/2006/main" xmlns:r="http://schemas.openxmlformats.org/officeDocument/2006/relationships" xmlns:p="http://schemas.openxmlformats.org/presentationml/2006/main">
   <p:cSld>
     <p:spTree>
@@ -43729,7 +39904,7 @@
               <a:pPr>
                 <a:defRPr/>
               </a:pPr>
-              <a:t>29</a:t>
+              <a:t>28</a:t>
             </a:fld>
             <a:endParaRPr lang="en-US">
               <a:solidFill>
@@ -43759,7 +39934,7 @@
 </p:sld>
 </file>
 
-<file path=ppt/slides/slide3.xml><?xml version="1.0" encoding="utf-8"?>
+<file path=ppt/slides/slide29.xml><?xml version="1.0" encoding="utf-8"?>
 <p:sld xmlns:a="http://schemas.openxmlformats.org/drawingml/2006/main" xmlns:r="http://schemas.openxmlformats.org/officeDocument/2006/relationships" xmlns:p="http://schemas.openxmlformats.org/presentationml/2006/main">
   <p:cSld>
     <p:spTree>
@@ -43793,271 +39968,6 @@
           <a:p>
             <a:r>
               <a:rPr lang="en-US" dirty="0" smtClean="0"/>
-              <a:t>Lesson Outline</a:t>
-            </a:r>
-            <a:endParaRPr lang="en-US" dirty="0"/>
-          </a:p>
-        </p:txBody>
-      </p:sp>
-      <p:sp>
-        <p:nvSpPr>
-          <p:cNvPr id="4" name="Content Placeholder 3"/>
-          <p:cNvSpPr>
-            <a:spLocks noGrp="1"/>
-          </p:cNvSpPr>
-          <p:nvPr>
-            <p:ph idx="1"/>
-          </p:nvPr>
-        </p:nvSpPr>
-        <p:spPr/>
-        <p:txBody>
-          <a:bodyPr/>
-          <a:lstStyle/>
-          <a:p>
-            <a:pPr marL="514350" indent="-514350" eaLnBrk="1" hangingPunct="1">
-              <a:lnSpc>
-                <a:spcPct val="80000"/>
-              </a:lnSpc>
-              <a:buFont typeface="+mj-lt"/>
-              <a:buAutoNum type="arabicPeriod"/>
-            </a:pPr>
-            <a:r>
-              <a:rPr lang="en-US" sz="2600" dirty="0"/>
-              <a:t>Why digital systems?</a:t>
-            </a:r>
-          </a:p>
-          <a:p>
-            <a:pPr marL="514350" indent="-514350" eaLnBrk="1" hangingPunct="1">
-              <a:lnSpc>
-                <a:spcPct val="80000"/>
-              </a:lnSpc>
-              <a:buFont typeface="+mj-lt"/>
-              <a:buAutoNum type="arabicPeriod"/>
-            </a:pPr>
-            <a:r>
-              <a:rPr lang="en-US" sz="2600" dirty="0"/>
-              <a:t>Instructor/Course Introduction</a:t>
-            </a:r>
-          </a:p>
-          <a:p>
-            <a:pPr marL="514350" indent="-514350" eaLnBrk="1" hangingPunct="1">
-              <a:lnSpc>
-                <a:spcPct val="80000"/>
-              </a:lnSpc>
-              <a:buFont typeface="+mj-lt"/>
-              <a:buAutoNum type="arabicPeriod"/>
-            </a:pPr>
-            <a:r>
-              <a:rPr lang="en-US" sz="2600" dirty="0"/>
-              <a:t>Methods of implementing digital systems</a:t>
-            </a:r>
-          </a:p>
-          <a:p>
-            <a:pPr marL="514350" indent="-514350" eaLnBrk="1" hangingPunct="1">
-              <a:lnSpc>
-                <a:spcPct val="80000"/>
-              </a:lnSpc>
-              <a:buFont typeface="+mj-lt"/>
-              <a:buAutoNum type="arabicPeriod"/>
-            </a:pPr>
-            <a:r>
-              <a:rPr lang="en-US" sz="2600" dirty="0"/>
-              <a:t>Custom digital device technologies</a:t>
-            </a:r>
-          </a:p>
-          <a:p>
-            <a:pPr marL="514350" indent="-514350" eaLnBrk="1" hangingPunct="1">
-              <a:lnSpc>
-                <a:spcPct val="80000"/>
-              </a:lnSpc>
-              <a:buFont typeface="+mj-lt"/>
-              <a:buAutoNum type="arabicPeriod"/>
-            </a:pPr>
-            <a:r>
-              <a:rPr lang="en-US" sz="2800" dirty="0"/>
-              <a:t>Abstraction</a:t>
-            </a:r>
-          </a:p>
-          <a:p>
-            <a:pPr marL="514350" indent="-514350" eaLnBrk="1" hangingPunct="1">
-              <a:lnSpc>
-                <a:spcPct val="80000"/>
-              </a:lnSpc>
-              <a:buFont typeface="+mj-lt"/>
-              <a:buAutoNum type="arabicPeriod"/>
-            </a:pPr>
-            <a:r>
-              <a:rPr lang="en-US" sz="2600" dirty="0"/>
-              <a:t>Digital System Design</a:t>
-            </a:r>
-          </a:p>
-          <a:p>
-            <a:pPr marL="514350" indent="-514350" eaLnBrk="1" hangingPunct="1">
-              <a:lnSpc>
-                <a:spcPct val="80000"/>
-              </a:lnSpc>
-              <a:buFont typeface="+mj-lt"/>
-              <a:buAutoNum type="arabicPeriod"/>
-            </a:pPr>
-            <a:r>
-              <a:rPr lang="en-US" sz="2600" dirty="0"/>
-              <a:t>Design </a:t>
-            </a:r>
-            <a:r>
-              <a:rPr lang="en-US" sz="2600" dirty="0" smtClean="0"/>
-              <a:t>Goals</a:t>
-            </a:r>
-          </a:p>
-          <a:p>
-            <a:pPr marL="514350" indent="-514350" eaLnBrk="1" hangingPunct="1">
-              <a:lnSpc>
-                <a:spcPct val="80000"/>
-              </a:lnSpc>
-              <a:buFont typeface="+mj-lt"/>
-              <a:buAutoNum type="arabicPeriod"/>
-            </a:pPr>
-            <a:r>
-              <a:rPr lang="en-US" sz="2600" dirty="0"/>
-              <a:t>Digital Design – Majority Circuit</a:t>
-            </a:r>
-          </a:p>
-          <a:p>
-            <a:pPr marL="514350" indent="-514350" eaLnBrk="1" hangingPunct="1">
-              <a:lnSpc>
-                <a:spcPct val="80000"/>
-              </a:lnSpc>
-              <a:buFont typeface="+mj-lt"/>
-              <a:buAutoNum type="arabicPeriod"/>
-            </a:pPr>
-            <a:endParaRPr lang="en-US" sz="2600" dirty="0"/>
-          </a:p>
-          <a:p>
-            <a:pPr eaLnBrk="1" hangingPunct="1">
-              <a:lnSpc>
-                <a:spcPct val="80000"/>
-              </a:lnSpc>
-            </a:pPr>
-            <a:endParaRPr lang="en-US" sz="2000" dirty="0"/>
-          </a:p>
-          <a:p>
-            <a:pPr eaLnBrk="1" hangingPunct="1">
-              <a:lnSpc>
-                <a:spcPct val="80000"/>
-              </a:lnSpc>
-            </a:pPr>
-            <a:endParaRPr lang="en-US" dirty="0" smtClean="0"/>
-          </a:p>
-          <a:p>
-            <a:endParaRPr lang="en-US" dirty="0"/>
-          </a:p>
-        </p:txBody>
-      </p:sp>
-      <p:sp>
-        <p:nvSpPr>
-          <p:cNvPr id="5" name="Slide Number Placeholder 3"/>
-          <p:cNvSpPr>
-            <a:spLocks noGrp="1"/>
-          </p:cNvSpPr>
-          <p:nvPr>
-            <p:ph type="sldNum" sz="quarter" idx="10"/>
-          </p:nvPr>
-        </p:nvSpPr>
-        <p:spPr>
-          <a:xfrm>
-            <a:off x="6910388" y="6253163"/>
-            <a:ext cx="2133600" cy="476250"/>
-          </a:xfrm>
-        </p:spPr>
-        <p:txBody>
-          <a:bodyPr/>
-          <a:lstStyle/>
-          <a:p>
-            <a:pPr>
-              <a:defRPr/>
-            </a:pPr>
-            <a:endParaRPr lang="en-US" dirty="0" smtClean="0">
-              <a:solidFill>
-                <a:srgbClr val="000000"/>
-              </a:solidFill>
-            </a:endParaRPr>
-          </a:p>
-          <a:p>
-            <a:pPr>
-              <a:defRPr/>
-            </a:pPr>
-            <a:fld id="{62D6D4B2-7611-498F-8780-1EDC26277454}" type="slidenum">
-              <a:rPr lang="en-US" smtClean="0">
-                <a:solidFill>
-                  <a:srgbClr val="000000"/>
-                </a:solidFill>
-              </a:rPr>
-              <a:pPr>
-                <a:defRPr/>
-              </a:pPr>
-              <a:t>3</a:t>
-            </a:fld>
-            <a:endParaRPr lang="en-US" dirty="0">
-              <a:solidFill>
-                <a:srgbClr val="000000"/>
-              </a:solidFill>
-            </a:endParaRPr>
-          </a:p>
-        </p:txBody>
-      </p:sp>
-    </p:spTree>
-    <p:extLst>
-      <p:ext uri="{BB962C8B-B14F-4D97-AF65-F5344CB8AC3E}">
-        <p14:creationId xmlns:p14="http://schemas.microsoft.com/office/powerpoint/2010/main" val="3991601210"/>
-      </p:ext>
-    </p:extLst>
-  </p:cSld>
-  <p:clrMapOvr>
-    <a:masterClrMapping/>
-  </p:clrMapOvr>
-  <p:timing>
-    <p:tnLst>
-      <p:par>
-        <p:cTn id="1" dur="indefinite" restart="never" nodeType="tmRoot"/>
-      </p:par>
-    </p:tnLst>
-  </p:timing>
-</p:sld>
-</file>
-
-<file path=ppt/slides/slide30.xml><?xml version="1.0" encoding="utf-8"?>
-<p:sld xmlns:a="http://schemas.openxmlformats.org/drawingml/2006/main" xmlns:r="http://schemas.openxmlformats.org/officeDocument/2006/relationships" xmlns:p="http://schemas.openxmlformats.org/presentationml/2006/main">
-  <p:cSld>
-    <p:spTree>
-      <p:nvGrpSpPr>
-        <p:cNvPr id="1" name=""/>
-        <p:cNvGrpSpPr/>
-        <p:nvPr/>
-      </p:nvGrpSpPr>
-      <p:grpSpPr>
-        <a:xfrm>
-          <a:off x="0" y="0"/>
-          <a:ext cx="0" cy="0"/>
-          <a:chOff x="0" y="0"/>
-          <a:chExt cx="0" cy="0"/>
-        </a:xfrm>
-      </p:grpSpPr>
-      <p:sp>
-        <p:nvSpPr>
-          <p:cNvPr id="2" name="Title 1"/>
-          <p:cNvSpPr>
-            <a:spLocks noGrp="1"/>
-          </p:cNvSpPr>
-          <p:nvPr>
-            <p:ph type="title"/>
-          </p:nvPr>
-        </p:nvSpPr>
-        <p:spPr/>
-        <p:txBody>
-          <a:bodyPr/>
-          <a:lstStyle/>
-          <a:p>
-            <a:r>
-              <a:rPr lang="en-US" dirty="0" smtClean="0"/>
               <a:t>Digital System Views</a:t>
             </a:r>
             <a:endParaRPr lang="en-US" dirty="0"/>
@@ -44229,7 +40139,7 @@
               <a:pPr>
                 <a:defRPr/>
               </a:pPr>
-              <a:t>30</a:t>
+              <a:t>29</a:t>
             </a:fld>
             <a:endParaRPr lang="en-US">
               <a:solidFill>
@@ -44426,7 +40336,272 @@
 </p:sld>
 </file>
 
-<file path=ppt/slides/slide31.xml><?xml version="1.0" encoding="utf-8"?>
+<file path=ppt/slides/slide3.xml><?xml version="1.0" encoding="utf-8"?>
+<p:sld xmlns:a="http://schemas.openxmlformats.org/drawingml/2006/main" xmlns:r="http://schemas.openxmlformats.org/officeDocument/2006/relationships" xmlns:p="http://schemas.openxmlformats.org/presentationml/2006/main">
+  <p:cSld>
+    <p:spTree>
+      <p:nvGrpSpPr>
+        <p:cNvPr id="1" name=""/>
+        <p:cNvGrpSpPr/>
+        <p:nvPr/>
+      </p:nvGrpSpPr>
+      <p:grpSpPr>
+        <a:xfrm>
+          <a:off x="0" y="0"/>
+          <a:ext cx="0" cy="0"/>
+          <a:chOff x="0" y="0"/>
+          <a:chExt cx="0" cy="0"/>
+        </a:xfrm>
+      </p:grpSpPr>
+      <p:sp>
+        <p:nvSpPr>
+          <p:cNvPr id="2" name="Title 1"/>
+          <p:cNvSpPr>
+            <a:spLocks noGrp="1"/>
+          </p:cNvSpPr>
+          <p:nvPr>
+            <p:ph type="title"/>
+          </p:nvPr>
+        </p:nvSpPr>
+        <p:spPr/>
+        <p:txBody>
+          <a:bodyPr/>
+          <a:lstStyle/>
+          <a:p>
+            <a:r>
+              <a:rPr lang="en-US" dirty="0" smtClean="0"/>
+              <a:t>Lesson Outline</a:t>
+            </a:r>
+            <a:endParaRPr lang="en-US" dirty="0"/>
+          </a:p>
+        </p:txBody>
+      </p:sp>
+      <p:sp>
+        <p:nvSpPr>
+          <p:cNvPr id="4" name="Content Placeholder 3"/>
+          <p:cNvSpPr>
+            <a:spLocks noGrp="1"/>
+          </p:cNvSpPr>
+          <p:nvPr>
+            <p:ph idx="1"/>
+          </p:nvPr>
+        </p:nvSpPr>
+        <p:spPr/>
+        <p:txBody>
+          <a:bodyPr/>
+          <a:lstStyle/>
+          <a:p>
+            <a:pPr marL="514350" indent="-514350" eaLnBrk="1" hangingPunct="1">
+              <a:lnSpc>
+                <a:spcPct val="80000"/>
+              </a:lnSpc>
+              <a:buFont typeface="+mj-lt"/>
+              <a:buAutoNum type="arabicPeriod"/>
+            </a:pPr>
+            <a:r>
+              <a:rPr lang="en-US" sz="2600" dirty="0"/>
+              <a:t>Why digital systems?</a:t>
+            </a:r>
+          </a:p>
+          <a:p>
+            <a:pPr marL="514350" indent="-514350" eaLnBrk="1" hangingPunct="1">
+              <a:lnSpc>
+                <a:spcPct val="80000"/>
+              </a:lnSpc>
+              <a:buFont typeface="+mj-lt"/>
+              <a:buAutoNum type="arabicPeriod"/>
+            </a:pPr>
+            <a:r>
+              <a:rPr lang="en-US" sz="2600" dirty="0"/>
+              <a:t>Instructor/Course Introduction</a:t>
+            </a:r>
+          </a:p>
+          <a:p>
+            <a:pPr marL="514350" indent="-514350" eaLnBrk="1" hangingPunct="1">
+              <a:lnSpc>
+                <a:spcPct val="80000"/>
+              </a:lnSpc>
+              <a:buFont typeface="+mj-lt"/>
+              <a:buAutoNum type="arabicPeriod"/>
+            </a:pPr>
+            <a:r>
+              <a:rPr lang="en-US" sz="2600" dirty="0"/>
+              <a:t>Methods of implementing digital systems</a:t>
+            </a:r>
+          </a:p>
+          <a:p>
+            <a:pPr marL="514350" indent="-514350" eaLnBrk="1" hangingPunct="1">
+              <a:lnSpc>
+                <a:spcPct val="80000"/>
+              </a:lnSpc>
+              <a:buFont typeface="+mj-lt"/>
+              <a:buAutoNum type="arabicPeriod"/>
+            </a:pPr>
+            <a:r>
+              <a:rPr lang="en-US" sz="2600" dirty="0"/>
+              <a:t>Custom digital device technologies</a:t>
+            </a:r>
+          </a:p>
+          <a:p>
+            <a:pPr marL="514350" indent="-514350" eaLnBrk="1" hangingPunct="1">
+              <a:lnSpc>
+                <a:spcPct val="80000"/>
+              </a:lnSpc>
+              <a:buFont typeface="+mj-lt"/>
+              <a:buAutoNum type="arabicPeriod"/>
+            </a:pPr>
+            <a:r>
+              <a:rPr lang="en-US" sz="2800" dirty="0"/>
+              <a:t>Abstraction</a:t>
+            </a:r>
+          </a:p>
+          <a:p>
+            <a:pPr marL="514350" indent="-514350" eaLnBrk="1" hangingPunct="1">
+              <a:lnSpc>
+                <a:spcPct val="80000"/>
+              </a:lnSpc>
+              <a:buFont typeface="+mj-lt"/>
+              <a:buAutoNum type="arabicPeriod"/>
+            </a:pPr>
+            <a:r>
+              <a:rPr lang="en-US" sz="2600" dirty="0"/>
+              <a:t>Digital System Design</a:t>
+            </a:r>
+          </a:p>
+          <a:p>
+            <a:pPr marL="514350" indent="-514350" eaLnBrk="1" hangingPunct="1">
+              <a:lnSpc>
+                <a:spcPct val="80000"/>
+              </a:lnSpc>
+              <a:buFont typeface="+mj-lt"/>
+              <a:buAutoNum type="arabicPeriod"/>
+            </a:pPr>
+            <a:r>
+              <a:rPr lang="en-US" sz="2600" dirty="0"/>
+              <a:t>Design </a:t>
+            </a:r>
+            <a:r>
+              <a:rPr lang="en-US" sz="2600" dirty="0" smtClean="0"/>
+              <a:t>Goals</a:t>
+            </a:r>
+          </a:p>
+          <a:p>
+            <a:pPr marL="514350" indent="-514350" eaLnBrk="1" hangingPunct="1">
+              <a:lnSpc>
+                <a:spcPct val="80000"/>
+              </a:lnSpc>
+              <a:buFont typeface="+mj-lt"/>
+              <a:buAutoNum type="arabicPeriod"/>
+            </a:pPr>
+            <a:r>
+              <a:rPr lang="en-US" sz="2600" dirty="0"/>
+              <a:t>Digital Design – Majority Circuit</a:t>
+            </a:r>
+          </a:p>
+          <a:p>
+            <a:pPr marL="514350" indent="-514350" eaLnBrk="1" hangingPunct="1">
+              <a:lnSpc>
+                <a:spcPct val="80000"/>
+              </a:lnSpc>
+              <a:buFont typeface="+mj-lt"/>
+              <a:buAutoNum type="arabicPeriod"/>
+            </a:pPr>
+            <a:endParaRPr lang="en-US" sz="2600" dirty="0"/>
+          </a:p>
+          <a:p>
+            <a:pPr eaLnBrk="1" hangingPunct="1">
+              <a:lnSpc>
+                <a:spcPct val="80000"/>
+              </a:lnSpc>
+            </a:pPr>
+            <a:endParaRPr lang="en-US" sz="2000" dirty="0"/>
+          </a:p>
+          <a:p>
+            <a:pPr eaLnBrk="1" hangingPunct="1">
+              <a:lnSpc>
+                <a:spcPct val="80000"/>
+              </a:lnSpc>
+            </a:pPr>
+            <a:endParaRPr lang="en-US" dirty="0" smtClean="0"/>
+          </a:p>
+          <a:p>
+            <a:endParaRPr lang="en-US" dirty="0"/>
+          </a:p>
+        </p:txBody>
+      </p:sp>
+      <p:sp>
+        <p:nvSpPr>
+          <p:cNvPr id="5" name="Slide Number Placeholder 3"/>
+          <p:cNvSpPr>
+            <a:spLocks noGrp="1"/>
+          </p:cNvSpPr>
+          <p:nvPr>
+            <p:ph type="sldNum" sz="quarter" idx="10"/>
+          </p:nvPr>
+        </p:nvSpPr>
+        <p:spPr>
+          <a:xfrm>
+            <a:off x="6910388" y="6253163"/>
+            <a:ext cx="2133600" cy="476250"/>
+          </a:xfrm>
+        </p:spPr>
+        <p:txBody>
+          <a:bodyPr/>
+          <a:lstStyle/>
+          <a:p>
+            <a:pPr>
+              <a:defRPr/>
+            </a:pPr>
+            <a:endParaRPr lang="en-US" dirty="0" smtClean="0">
+              <a:solidFill>
+                <a:srgbClr val="000000"/>
+              </a:solidFill>
+            </a:endParaRPr>
+          </a:p>
+          <a:p>
+            <a:pPr>
+              <a:defRPr/>
+            </a:pPr>
+            <a:fld id="{62D6D4B2-7611-498F-8780-1EDC26277454}" type="slidenum">
+              <a:rPr lang="en-US" smtClean="0">
+                <a:solidFill>
+                  <a:srgbClr val="000000"/>
+                </a:solidFill>
+              </a:rPr>
+              <a:pPr>
+                <a:defRPr/>
+              </a:pPr>
+              <a:t>3</a:t>
+            </a:fld>
+            <a:endParaRPr lang="en-US" dirty="0">
+              <a:solidFill>
+                <a:srgbClr val="000000"/>
+              </a:solidFill>
+            </a:endParaRPr>
+          </a:p>
+        </p:txBody>
+      </p:sp>
+    </p:spTree>
+    <p:extLst>
+      <p:ext uri="{BB962C8B-B14F-4D97-AF65-F5344CB8AC3E}">
+        <p14:creationId xmlns:p14="http://schemas.microsoft.com/office/powerpoint/2010/main" val="3991601210"/>
+      </p:ext>
+    </p:extLst>
+  </p:cSld>
+  <p:clrMapOvr>
+    <a:masterClrMapping/>
+  </p:clrMapOvr>
+  <p:timing>
+    <p:tnLst>
+      <p:par>
+        <p:cTn id="1" dur="indefinite" restart="never" nodeType="tmRoot"/>
+      </p:par>
+    </p:tnLst>
+  </p:timing>
+</p:sld>
+</file>
+
+<file path=ppt/slides/slide30.xml><?xml version="1.0" encoding="utf-8"?>
 <p:sld xmlns:a="http://schemas.openxmlformats.org/drawingml/2006/main" xmlns:r="http://schemas.openxmlformats.org/officeDocument/2006/relationships" xmlns:p="http://schemas.openxmlformats.org/presentationml/2006/main">
   <p:cSld>
     <p:spTree>
@@ -44646,6 +40821,137 @@
               <a:pPr>
                 <a:defRPr/>
               </a:pPr>
+              <a:t>30</a:t>
+            </a:fld>
+            <a:endParaRPr lang="en-US">
+              <a:solidFill>
+                <a:srgbClr val="000000"/>
+              </a:solidFill>
+            </a:endParaRPr>
+          </a:p>
+        </p:txBody>
+      </p:sp>
+    </p:spTree>
+    <p:extLst>
+      <p:ext uri="{BB962C8B-B14F-4D97-AF65-F5344CB8AC3E}">
+        <p14:creationId xmlns:p14="http://schemas.microsoft.com/office/powerpoint/2010/main" val="3017667858"/>
+      </p:ext>
+    </p:extLst>
+  </p:cSld>
+  <p:clrMapOvr>
+    <a:masterClrMapping/>
+  </p:clrMapOvr>
+  <p:timing>
+    <p:tnLst>
+      <p:par>
+        <p:cTn id="1" dur="indefinite" restart="never" nodeType="tmRoot"/>
+      </p:par>
+    </p:tnLst>
+  </p:timing>
+</p:sld>
+</file>
+
+<file path=ppt/slides/slide31.xml><?xml version="1.0" encoding="utf-8"?>
+<p:sld xmlns:a="http://schemas.openxmlformats.org/drawingml/2006/main" xmlns:r="http://schemas.openxmlformats.org/officeDocument/2006/relationships" xmlns:p="http://schemas.openxmlformats.org/presentationml/2006/main">
+  <p:cSld>
+    <p:spTree>
+      <p:nvGrpSpPr>
+        <p:cNvPr id="1" name=""/>
+        <p:cNvGrpSpPr/>
+        <p:nvPr/>
+      </p:nvGrpSpPr>
+      <p:grpSpPr>
+        <a:xfrm>
+          <a:off x="0" y="0"/>
+          <a:ext cx="0" cy="0"/>
+          <a:chOff x="0" y="0"/>
+          <a:chExt cx="0" cy="0"/>
+        </a:xfrm>
+      </p:grpSpPr>
+      <p:sp>
+        <p:nvSpPr>
+          <p:cNvPr id="6" name="Title 5"/>
+          <p:cNvSpPr>
+            <a:spLocks noGrp="1"/>
+          </p:cNvSpPr>
+          <p:nvPr>
+            <p:ph type="title"/>
+          </p:nvPr>
+        </p:nvSpPr>
+        <p:spPr/>
+        <p:txBody>
+          <a:bodyPr/>
+          <a:lstStyle/>
+          <a:p>
+            <a:pPr marL="514350" indent="-514350" eaLnBrk="1" hangingPunct="1">
+              <a:lnSpc>
+                <a:spcPct val="80000"/>
+              </a:lnSpc>
+            </a:pPr>
+            <a:r>
+              <a:rPr lang="en-US" dirty="0" smtClean="0"/>
+              <a:t>Digital system design</a:t>
+            </a:r>
+            <a:endParaRPr lang="en-US" dirty="0"/>
+          </a:p>
+        </p:txBody>
+      </p:sp>
+      <p:sp>
+        <p:nvSpPr>
+          <p:cNvPr id="7" name="Text Placeholder 6"/>
+          <p:cNvSpPr>
+            <a:spLocks noGrp="1"/>
+          </p:cNvSpPr>
+          <p:nvPr>
+            <p:ph type="body" idx="1"/>
+          </p:nvPr>
+        </p:nvSpPr>
+        <p:spPr/>
+        <p:txBody>
+          <a:bodyPr/>
+          <a:lstStyle/>
+          <a:p>
+            <a:endParaRPr lang="en-US" dirty="0"/>
+          </a:p>
+        </p:txBody>
+      </p:sp>
+      <p:sp>
+        <p:nvSpPr>
+          <p:cNvPr id="4" name="Slide Number Placeholder 3"/>
+          <p:cNvSpPr>
+            <a:spLocks noGrp="1"/>
+          </p:cNvSpPr>
+          <p:nvPr>
+            <p:ph type="sldNum" sz="quarter" idx="10"/>
+          </p:nvPr>
+        </p:nvSpPr>
+        <p:spPr/>
+        <p:txBody>
+          <a:bodyPr/>
+          <a:lstStyle/>
+          <a:p>
+            <a:pPr>
+              <a:defRPr/>
+            </a:pPr>
+            <a:endParaRPr lang="en-US" smtClean="0">
+              <a:solidFill>
+                <a:srgbClr val="000000"/>
+              </a:solidFill>
+            </a:endParaRPr>
+          </a:p>
+          <a:p>
+            <a:pPr>
+              <a:defRPr/>
+            </a:pPr>
+            <a:fld id="{62D6D4B2-7611-498F-8780-1EDC26277454}" type="slidenum">
+              <a:rPr lang="en-US" smtClean="0">
+                <a:solidFill>
+                  <a:srgbClr val="000000"/>
+                </a:solidFill>
+              </a:rPr>
+              <a:pPr>
+                <a:defRPr/>
+              </a:pPr>
               <a:t>31</a:t>
             </a:fld>
             <a:endParaRPr lang="en-US">
@@ -44659,7 +40965,7 @@
     </p:spTree>
     <p:extLst>
       <p:ext uri="{BB962C8B-B14F-4D97-AF65-F5344CB8AC3E}">
-        <p14:creationId xmlns:p14="http://schemas.microsoft.com/office/powerpoint/2010/main" val="3017667858"/>
+        <p14:creationId xmlns:p14="http://schemas.microsoft.com/office/powerpoint/2010/main" val="3305650085"/>
       </p:ext>
     </p:extLst>
   </p:cSld>
@@ -44695,7 +41001,7 @@
       </p:grpSpPr>
       <p:sp>
         <p:nvSpPr>
-          <p:cNvPr id="6" name="Title 5"/>
+          <p:cNvPr id="2" name="Title 1"/>
           <p:cNvSpPr>
             <a:spLocks noGrp="1"/>
           </p:cNvSpPr>
@@ -44708,14 +41014,9 @@
           <a:bodyPr/>
           <a:lstStyle/>
           <a:p>
-            <a:pPr marL="514350" indent="-514350" eaLnBrk="1" hangingPunct="1">
-              <a:lnSpc>
-                <a:spcPct val="80000"/>
-              </a:lnSpc>
-            </a:pPr>
             <a:r>
               <a:rPr lang="en-US" dirty="0" smtClean="0"/>
-              <a:t>Digital system design</a:t>
+              <a:t>VHDL Design</a:t>
             </a:r>
             <a:endParaRPr lang="en-US" dirty="0"/>
           </a:p>
@@ -44723,20 +41024,78 @@
       </p:sp>
       <p:sp>
         <p:nvSpPr>
-          <p:cNvPr id="7" name="Text Placeholder 6"/>
+          <p:cNvPr id="3" name="Content Placeholder 2"/>
           <p:cNvSpPr>
             <a:spLocks noGrp="1"/>
           </p:cNvSpPr>
           <p:nvPr>
-            <p:ph type="body" idx="1"/>
+            <p:ph idx="1"/>
           </p:nvPr>
         </p:nvSpPr>
-        <p:spPr/>
+        <p:spPr>
+          <a:xfrm>
+            <a:off x="304799" y="1536700"/>
+            <a:ext cx="8614611" cy="4324350"/>
+          </a:xfrm>
+        </p:spPr>
         <p:txBody>
           <a:bodyPr/>
           <a:lstStyle/>
           <a:p>
-            <a:endParaRPr lang="en-US" dirty="0"/>
+            <a:pPr eaLnBrk="1" hangingPunct="1">
+              <a:lnSpc>
+                <a:spcPct val="90000"/>
+              </a:lnSpc>
+            </a:pPr>
+            <a:r>
+              <a:rPr lang="en-US" sz="2000" dirty="0" smtClean="0"/>
+              <a:t>VHDL is just a language which is used to describe hardware circuits. </a:t>
+            </a:r>
+          </a:p>
+          <a:p>
+            <a:pPr eaLnBrk="1" hangingPunct="1">
+              <a:lnSpc>
+                <a:spcPct val="90000"/>
+              </a:lnSpc>
+            </a:pPr>
+            <a:r>
+              <a:rPr lang="en-US" sz="2000" dirty="0" smtClean="0"/>
+              <a:t>A piece of hardware is described in VHDL in two separate ways.</a:t>
+            </a:r>
+          </a:p>
+          <a:p>
+            <a:pPr lvl="1" eaLnBrk="1" hangingPunct="1">
+              <a:lnSpc>
+                <a:spcPct val="90000"/>
+              </a:lnSpc>
+            </a:pPr>
+            <a:r>
+              <a:rPr lang="en-US" sz="1800" dirty="0" smtClean="0"/>
+              <a:t>Entity – Describes the inputs and outputs</a:t>
+            </a:r>
+          </a:p>
+          <a:p>
+            <a:pPr lvl="1" eaLnBrk="1" hangingPunct="1">
+              <a:lnSpc>
+                <a:spcPct val="90000"/>
+              </a:lnSpc>
+            </a:pPr>
+            <a:r>
+              <a:rPr lang="en-US" sz="1800" dirty="0" smtClean="0"/>
+              <a:t>Architecture – Describes what transformation the box performs.</a:t>
+            </a:r>
+          </a:p>
+          <a:p>
+            <a:pPr eaLnBrk="1" hangingPunct="1">
+              <a:lnSpc>
+                <a:spcPct val="90000"/>
+              </a:lnSpc>
+            </a:pPr>
+            <a:r>
+              <a:rPr lang="en-US" sz="2000" dirty="0" smtClean="0"/>
+              <a:t>There are two good reasons to realize a design in VHDL, you can simulate and synthesize hardware specified.</a:t>
+            </a:r>
+            <a:endParaRPr lang="en-US" sz="2000" dirty="0"/>
           </a:p>
         </p:txBody>
       </p:sp>
@@ -44790,7 +41149,7 @@
     </p:spTree>
     <p:extLst>
       <p:ext uri="{BB962C8B-B14F-4D97-AF65-F5344CB8AC3E}">
-        <p14:creationId xmlns:p14="http://schemas.microsoft.com/office/powerpoint/2010/main" val="3305650085"/>
+        <p14:creationId xmlns:p14="http://schemas.microsoft.com/office/powerpoint/2010/main" val="1868155653"/>
       </p:ext>
     </p:extLst>
   </p:cSld>
@@ -44841,7 +41200,7 @@
           <a:p>
             <a:r>
               <a:rPr lang="en-US" dirty="0" smtClean="0"/>
-              <a:t>VHDL Design</a:t>
+              <a:t>Digital System Simulation</a:t>
             </a:r>
             <a:endParaRPr lang="en-US" dirty="0"/>
           </a:p>
@@ -44874,18 +41233,7 @@
             </a:pPr>
             <a:r>
               <a:rPr lang="en-US" sz="2000" dirty="0" smtClean="0"/>
-              <a:t>VHDL is just a language which is used to describe hardware circuits. </a:t>
-            </a:r>
-          </a:p>
-          <a:p>
-            <a:pPr eaLnBrk="1" hangingPunct="1">
-              <a:lnSpc>
-                <a:spcPct val="90000"/>
-              </a:lnSpc>
-            </a:pPr>
-            <a:r>
-              <a:rPr lang="en-US" sz="2000" dirty="0" smtClean="0"/>
-              <a:t>A piece of hardware is described in VHDL in two separate ways.</a:t>
+              <a:t>Simulation</a:t>
             </a:r>
           </a:p>
           <a:p>
@@ -44895,9 +41243,26 @@
               </a:lnSpc>
             </a:pPr>
             <a:r>
-              <a:rPr lang="en-US" sz="1800" dirty="0" smtClean="0"/>
-              <a:t>Entity – Describes the inputs and outputs</a:t>
-            </a:r>
+              <a:rPr lang="en-US" sz="1600" dirty="0"/>
+              <a:t>When a design is simulated you </a:t>
+            </a:r>
+            <a:r>
+              <a:rPr lang="en-US" sz="1600" dirty="0" smtClean="0"/>
+              <a:t>have complete </a:t>
+            </a:r>
+            <a:r>
+              <a:rPr lang="en-US" sz="1600" dirty="0"/>
+              <a:t>control of time and the values of all the signals (wires) in </a:t>
+            </a:r>
+            <a:r>
+              <a:rPr lang="en-US" sz="1600" dirty="0" smtClean="0"/>
+              <a:t>the </a:t>
+            </a:r>
+            <a:r>
+              <a:rPr lang="en-US" sz="1600" dirty="0"/>
+              <a:t>design.  </a:t>
+            </a:r>
+            <a:endParaRPr lang="en-US" sz="1600" dirty="0" smtClean="0"/>
           </a:p>
           <a:p>
             <a:pPr lvl="1" eaLnBrk="1" hangingPunct="1">
@@ -44906,21 +41271,40 @@
               </a:lnSpc>
             </a:pPr>
             <a:r>
-              <a:rPr lang="en-US" sz="1800" dirty="0" smtClean="0"/>
-              <a:t>Architecture – Describes what transformation the box performs.</a:t>
-            </a:r>
-          </a:p>
-          <a:p>
-            <a:pPr eaLnBrk="1" hangingPunct="1">
+              <a:rPr lang="en-US" sz="1600" dirty="0" smtClean="0"/>
+              <a:t>Aids in Debugging</a:t>
+            </a:r>
+          </a:p>
+          <a:p>
+            <a:pPr lvl="1" eaLnBrk="1" hangingPunct="1">
               <a:lnSpc>
                 <a:spcPct val="90000"/>
               </a:lnSpc>
             </a:pPr>
             <a:r>
-              <a:rPr lang="en-US" sz="2000" dirty="0" smtClean="0"/>
-              <a:t>There are two good reasons to realize a design in VHDL, you can simulate and synthesize hardware specified.</a:t>
-            </a:r>
-            <a:endParaRPr lang="en-US" sz="2000" dirty="0"/>
+              <a:rPr lang="en-US" sz="1600" dirty="0" smtClean="0"/>
+              <a:t>We will use Xilinx </a:t>
+            </a:r>
+            <a:r>
+              <a:rPr lang="en-US" sz="1600" dirty="0" err="1" smtClean="0"/>
+              <a:t>lSim</a:t>
+            </a:r>
+            <a:r>
+              <a:rPr lang="en-US" sz="1600" dirty="0" smtClean="0"/>
+              <a:t> </a:t>
+            </a:r>
+            <a:r>
+              <a:rPr lang="en-US" sz="1600" dirty="0"/>
+              <a:t>to perform our </a:t>
+            </a:r>
+            <a:r>
+              <a:rPr lang="en-US" sz="1600" dirty="0" smtClean="0"/>
+              <a:t>VHDL </a:t>
+            </a:r>
+            <a:r>
+              <a:rPr lang="en-US" sz="1600" dirty="0"/>
+              <a:t>simulations. </a:t>
+            </a:r>
           </a:p>
         </p:txBody>
       </p:sp>
@@ -44974,7 +41358,7 @@
     </p:spTree>
     <p:extLst>
       <p:ext uri="{BB962C8B-B14F-4D97-AF65-F5344CB8AC3E}">
-        <p14:creationId xmlns:p14="http://schemas.microsoft.com/office/powerpoint/2010/main" val="1868155653"/>
+        <p14:creationId xmlns:p14="http://schemas.microsoft.com/office/powerpoint/2010/main" val="1511235336"/>
       </p:ext>
     </p:extLst>
   </p:cSld>
@@ -45010,7 +41394,7 @@
       </p:grpSpPr>
       <p:sp>
         <p:nvSpPr>
-          <p:cNvPr id="2" name="Title 1"/>
+          <p:cNvPr id="6" name="Title 5"/>
           <p:cNvSpPr>
             <a:spLocks noGrp="1"/>
           </p:cNvSpPr>
@@ -45024,16 +41408,16 @@
           <a:lstStyle/>
           <a:p>
             <a:r>
-              <a:rPr lang="en-US" dirty="0" smtClean="0"/>
-              <a:t>Digital System Simulation</a:t>
-            </a:r>
-            <a:endParaRPr lang="en-US" dirty="0"/>
+              <a:rPr lang="en-US" sz="3200" dirty="0" smtClean="0"/>
+              <a:t>Digital System Implementation</a:t>
+            </a:r>
+            <a:endParaRPr lang="en-US" sz="3200" dirty="0"/>
           </a:p>
         </p:txBody>
       </p:sp>
       <p:sp>
         <p:nvSpPr>
-          <p:cNvPr id="3" name="Content Placeholder 2"/>
+          <p:cNvPr id="7" name="Content Placeholder 6"/>
           <p:cNvSpPr>
             <a:spLocks noGrp="1"/>
           </p:cNvSpPr>
@@ -45043,92 +41427,103 @@
         </p:nvSpPr>
         <p:spPr>
           <a:xfrm>
-            <a:off x="304799" y="1536700"/>
-            <a:ext cx="8614611" cy="4324350"/>
+            <a:off x="800100" y="1536700"/>
+            <a:ext cx="8131175" cy="4940300"/>
           </a:xfrm>
         </p:spPr>
         <p:txBody>
           <a:bodyPr/>
           <a:lstStyle/>
           <a:p>
-            <a:pPr eaLnBrk="1" hangingPunct="1">
-              <a:lnSpc>
-                <a:spcPct val="90000"/>
-              </a:lnSpc>
+            <a:pPr marL="457200" indent="-457200">
+              <a:buFont typeface="+mj-lt"/>
+              <a:buAutoNum type="arabicPeriod"/>
             </a:pPr>
             <a:r>
               <a:rPr lang="en-US" sz="2000" dirty="0" smtClean="0"/>
-              <a:t>Simulation</a:t>
-            </a:r>
-          </a:p>
-          <a:p>
-            <a:pPr lvl="1" eaLnBrk="1" hangingPunct="1">
-              <a:lnSpc>
-                <a:spcPct val="90000"/>
-              </a:lnSpc>
+              <a:t>Synthesis</a:t>
+            </a:r>
+          </a:p>
+          <a:p>
+            <a:pPr lvl="1"/>
+            <a:r>
+              <a:rPr lang="en-US" sz="2000" dirty="0" smtClean="0"/>
+              <a:t>Maps a higher-level description to lower-level components (RT, gate, technology map levels)</a:t>
+            </a:r>
+          </a:p>
+          <a:p>
+            <a:pPr lvl="1"/>
+            <a:r>
+              <a:rPr lang="en-US" sz="2000" dirty="0" smtClean="0"/>
+              <a:t>Results in structural view </a:t>
+            </a:r>
+          </a:p>
+          <a:p>
+            <a:pPr marL="457200" indent="-457200">
+              <a:buFont typeface="+mj-lt"/>
+              <a:buAutoNum type="arabicPeriod"/>
             </a:pPr>
             <a:r>
-              <a:rPr lang="en-US" sz="1600" dirty="0"/>
-              <a:t>When a design is simulated you </a:t>
-            </a:r>
-            <a:r>
-              <a:rPr lang="en-US" sz="1600" dirty="0" smtClean="0"/>
-              <a:t>have complete </a:t>
-            </a:r>
-            <a:r>
-              <a:rPr lang="en-US" sz="1600" dirty="0"/>
-              <a:t>control of time and the values of all the signals (wires) in </a:t>
-            </a:r>
-            <a:r>
-              <a:rPr lang="en-US" sz="1600" dirty="0" smtClean="0"/>
-              <a:t>the </a:t>
-            </a:r>
-            <a:r>
-              <a:rPr lang="en-US" sz="1600" dirty="0"/>
-              <a:t>design.  </a:t>
-            </a:r>
-            <a:endParaRPr lang="en-US" sz="1600" dirty="0" smtClean="0"/>
-          </a:p>
-          <a:p>
-            <a:pPr lvl="1" eaLnBrk="1" hangingPunct="1">
-              <a:lnSpc>
-                <a:spcPct val="90000"/>
-              </a:lnSpc>
-            </a:pPr>
-            <a:r>
-              <a:rPr lang="en-US" sz="1600" dirty="0" smtClean="0"/>
-              <a:t>Aids in Debugging</a:t>
-            </a:r>
-          </a:p>
-          <a:p>
-            <a:pPr lvl="1" eaLnBrk="1" hangingPunct="1">
-              <a:lnSpc>
-                <a:spcPct val="90000"/>
-              </a:lnSpc>
-            </a:pPr>
-            <a:r>
-              <a:rPr lang="en-US" sz="1600" dirty="0" smtClean="0"/>
-              <a:t>We will use Xilinx </a:t>
-            </a:r>
-            <a:r>
-              <a:rPr lang="en-US" sz="1600" dirty="0" err="1" smtClean="0"/>
-              <a:t>lSim</a:t>
-            </a:r>
-            <a:r>
-              <a:rPr lang="en-US" sz="1600" dirty="0" smtClean="0"/>
-              <a:t> </a:t>
-            </a:r>
-            <a:r>
-              <a:rPr lang="en-US" sz="1600" dirty="0"/>
-              <a:t>to perform our </a:t>
-            </a:r>
-            <a:r>
-              <a:rPr lang="en-US" sz="1600" dirty="0" smtClean="0"/>
-              <a:t>VHDL </a:t>
-            </a:r>
-            <a:r>
-              <a:rPr lang="en-US" sz="1600" dirty="0"/>
-              <a:t>simulations. </a:t>
+              <a:rPr lang="en-US" sz="2000" dirty="0" smtClean="0"/>
+              <a:t>Physical Design</a:t>
+            </a:r>
+          </a:p>
+          <a:p>
+            <a:pPr lvl="1"/>
+            <a:r>
+              <a:rPr lang="en-US" sz="2000" dirty="0" smtClean="0"/>
+              <a:t>Generates </a:t>
+            </a:r>
+            <a:r>
+              <a:rPr lang="en-US" sz="2000" dirty="0" err="1" smtClean="0"/>
+              <a:t>netlist</a:t>
+            </a:r>
+            <a:r>
+              <a:rPr lang="en-US" sz="2000" dirty="0" smtClean="0"/>
+              <a:t> based on synthesis</a:t>
+            </a:r>
+          </a:p>
+          <a:p>
+            <a:pPr lvl="1"/>
+            <a:r>
+              <a:rPr lang="en-US" sz="2000" dirty="0" smtClean="0"/>
+              <a:t>Floor Plan – layout based on RT/processor level</a:t>
+            </a:r>
+          </a:p>
+          <a:p>
+            <a:pPr lvl="1"/>
+            <a:r>
+              <a:rPr lang="en-US" sz="2000" dirty="0" smtClean="0"/>
+              <a:t>Place &amp; Route – gate level</a:t>
+            </a:r>
+          </a:p>
+          <a:p>
+            <a:pPr lvl="1"/>
+            <a:r>
+              <a:rPr lang="en-US" sz="2000" dirty="0" smtClean="0"/>
+              <a:t>Circuit Extraction – Compute propagation delays (</a:t>
+            </a:r>
+            <a:r>
+              <a:rPr lang="en-US" sz="2000" dirty="0" err="1" smtClean="0"/>
+              <a:t>Cp</a:t>
+            </a:r>
+            <a:r>
+              <a:rPr lang="en-US" sz="2000" dirty="0" smtClean="0"/>
+              <a:t>/R)</a:t>
+            </a:r>
+          </a:p>
+          <a:p>
+            <a:pPr lvl="1"/>
+            <a:r>
+              <a:rPr lang="en-US" sz="2000" dirty="0" smtClean="0"/>
+              <a:t>Power/Clock Networks</a:t>
+            </a:r>
+          </a:p>
+          <a:p>
+            <a:pPr lvl="1"/>
+            <a:r>
+              <a:rPr lang="en-US" sz="2000" dirty="0" smtClean="0"/>
+              <a:t>Etc.</a:t>
             </a:r>
           </a:p>
         </p:txBody>
@@ -45161,7 +41556,7 @@
             <a:pPr>
               <a:defRPr/>
             </a:pPr>
-            <a:fld id="{62D6D4B2-7611-498F-8780-1EDC26277454}" type="slidenum">
+            <a:fld id="{683EF015-741B-43DE-8A3A-BDAB0992138F}" type="slidenum">
               <a:rPr lang="en-US" smtClean="0">
                 <a:solidFill>
                   <a:srgbClr val="000000"/>
@@ -45183,7 +41578,7 @@
     </p:spTree>
     <p:extLst>
       <p:ext uri="{BB962C8B-B14F-4D97-AF65-F5344CB8AC3E}">
-        <p14:creationId xmlns:p14="http://schemas.microsoft.com/office/powerpoint/2010/main" val="1511235336"/>
+        <p14:creationId xmlns:p14="http://schemas.microsoft.com/office/powerpoint/2010/main" val="1902963462"/>
       </p:ext>
     </p:extLst>
   </p:cSld>
@@ -45219,7 +41614,7 @@
       </p:grpSpPr>
       <p:sp>
         <p:nvSpPr>
-          <p:cNvPr id="6" name="Title 5"/>
+          <p:cNvPr id="2" name="Title 1"/>
           <p:cNvSpPr>
             <a:spLocks noGrp="1"/>
           </p:cNvSpPr>
@@ -45233,16 +41628,15 @@
           <a:lstStyle/>
           <a:p>
             <a:r>
-              <a:rPr lang="en-US" sz="3200" dirty="0" smtClean="0"/>
+              <a:rPr lang="en-US" sz="3200" dirty="0"/>
               <a:t>Digital System Implementation</a:t>
             </a:r>
-            <a:endParaRPr lang="en-US" sz="3200" dirty="0"/>
           </a:p>
         </p:txBody>
       </p:sp>
       <p:sp>
         <p:nvSpPr>
-          <p:cNvPr id="7" name="Content Placeholder 6"/>
+          <p:cNvPr id="3" name="Content Placeholder 2"/>
           <p:cNvSpPr>
             <a:spLocks noGrp="1"/>
           </p:cNvSpPr>
@@ -45250,106 +41644,72 @@
             <p:ph idx="1"/>
           </p:nvPr>
         </p:nvSpPr>
-        <p:spPr>
-          <a:xfrm>
-            <a:off x="800100" y="1536700"/>
-            <a:ext cx="8131175" cy="4940300"/>
-          </a:xfrm>
-        </p:spPr>
+        <p:spPr/>
         <p:txBody>
           <a:bodyPr/>
           <a:lstStyle/>
           <a:p>
             <a:pPr marL="457200" indent="-457200">
               <a:buFont typeface="+mj-lt"/>
-              <a:buAutoNum type="arabicPeriod"/>
+              <a:buAutoNum type="arabicPeriod" startAt="3"/>
             </a:pPr>
             <a:r>
-              <a:rPr lang="en-US" sz="2000" dirty="0" smtClean="0"/>
-              <a:t>Synthesis</a:t>
-            </a:r>
-          </a:p>
-          <a:p>
-            <a:pPr lvl="1"/>
-            <a:r>
-              <a:rPr lang="en-US" sz="2000" dirty="0" smtClean="0"/>
-              <a:t>Maps a higher-level description to lower-level components (RT, gate, technology map levels)</a:t>
-            </a:r>
-          </a:p>
-          <a:p>
-            <a:pPr lvl="1"/>
-            <a:r>
-              <a:rPr lang="en-US" sz="2000" dirty="0" smtClean="0"/>
-              <a:t>Results in structural view </a:t>
-            </a:r>
+              <a:rPr lang="en-US" dirty="0" smtClean="0"/>
+              <a:t>Verification – Checking whether </a:t>
+            </a:r>
+            <a:r>
+              <a:rPr lang="en-US" dirty="0"/>
+              <a:t>a design meets the functional and timing </a:t>
+            </a:r>
+            <a:r>
+              <a:rPr lang="en-US" dirty="0" smtClean="0"/>
+              <a:t>goals</a:t>
+            </a:r>
+          </a:p>
+          <a:p>
+            <a:pPr marL="860425" lvl="1" indent="-457200"/>
+            <a:r>
+              <a:rPr lang="en-US" dirty="0" smtClean="0"/>
+              <a:t>Simulation</a:t>
+            </a:r>
+          </a:p>
+          <a:p>
+            <a:pPr marL="860425" lvl="1" indent="-457200"/>
+            <a:r>
+              <a:rPr lang="en-US" dirty="0" smtClean="0"/>
+              <a:t>Formal verification</a:t>
+            </a:r>
+          </a:p>
+          <a:p>
+            <a:pPr marL="860425" lvl="1" indent="-457200"/>
+            <a:r>
+              <a:rPr lang="en-US" dirty="0" smtClean="0"/>
+              <a:t>Hardware emulation</a:t>
+            </a:r>
+            <a:endParaRPr lang="en-US" dirty="0"/>
           </a:p>
           <a:p>
             <a:pPr marL="457200" indent="-457200">
               <a:buFont typeface="+mj-lt"/>
-              <a:buAutoNum type="arabicPeriod"/>
+              <a:buAutoNum type="arabicPeriod" startAt="3"/>
             </a:pPr>
             <a:r>
-              <a:rPr lang="en-US" sz="2000" dirty="0" smtClean="0"/>
-              <a:t>Physical Design</a:t>
-            </a:r>
-          </a:p>
-          <a:p>
-            <a:pPr lvl="1"/>
-            <a:r>
-              <a:rPr lang="en-US" sz="2000" dirty="0" smtClean="0"/>
-              <a:t>Generates </a:t>
-            </a:r>
-            <a:r>
-              <a:rPr lang="en-US" sz="2000" dirty="0" err="1" smtClean="0"/>
-              <a:t>netlist</a:t>
-            </a:r>
-            <a:r>
-              <a:rPr lang="en-US" sz="2000" dirty="0" smtClean="0"/>
-              <a:t> based on synthesis</a:t>
-            </a:r>
-          </a:p>
-          <a:p>
-            <a:pPr lvl="1"/>
-            <a:r>
-              <a:rPr lang="en-US" sz="2000" dirty="0" smtClean="0"/>
-              <a:t>Floor Plan – layout based on RT/processor level</a:t>
-            </a:r>
-          </a:p>
-          <a:p>
-            <a:pPr lvl="1"/>
-            <a:r>
-              <a:rPr lang="en-US" sz="2000" dirty="0" smtClean="0"/>
-              <a:t>Place &amp; Route – gate level</a:t>
-            </a:r>
-          </a:p>
-          <a:p>
-            <a:pPr lvl="1"/>
-            <a:r>
-              <a:rPr lang="en-US" sz="2000" dirty="0" smtClean="0"/>
-              <a:t>Circuit Extraction – Compute propagation delays (</a:t>
-            </a:r>
-            <a:r>
-              <a:rPr lang="en-US" sz="2000" dirty="0" err="1" smtClean="0"/>
-              <a:t>Cp</a:t>
-            </a:r>
-            <a:r>
-              <a:rPr lang="en-US" sz="2000" dirty="0" smtClean="0"/>
-              <a:t>/R)</a:t>
-            </a:r>
-          </a:p>
-          <a:p>
-            <a:pPr lvl="1"/>
-            <a:r>
-              <a:rPr lang="en-US" sz="2000" dirty="0" smtClean="0"/>
-              <a:t>Power/Clock Networks</a:t>
-            </a:r>
-          </a:p>
-          <a:p>
-            <a:pPr lvl="1"/>
-            <a:r>
-              <a:rPr lang="en-US" sz="2000" dirty="0" smtClean="0"/>
-              <a:t>Etc.</a:t>
-            </a:r>
+              <a:rPr lang="en-US" i="1" dirty="0" smtClean="0"/>
+              <a:t>Testing</a:t>
+            </a:r>
+            <a:r>
+              <a:rPr lang="en-US" dirty="0" smtClean="0"/>
+              <a:t> – Process </a:t>
+            </a:r>
+            <a:r>
+              <a:rPr lang="en-US" dirty="0"/>
+              <a:t>of detecting physical defects of a die or package that occurred during </a:t>
+            </a:r>
+            <a:r>
+              <a:rPr lang="en-US" dirty="0" smtClean="0"/>
+              <a:t>manufacturing</a:t>
+            </a:r>
+            <a:endParaRPr lang="en-US" dirty="0"/>
           </a:p>
         </p:txBody>
       </p:sp>
@@ -45381,7 +41741,7 @@
             <a:pPr>
               <a:defRPr/>
             </a:pPr>
-            <a:fld id="{683EF015-741B-43DE-8A3A-BDAB0992138F}" type="slidenum">
+            <a:fld id="{62D6D4B2-7611-498F-8780-1EDC26277454}" type="slidenum">
               <a:rPr lang="en-US" smtClean="0">
                 <a:solidFill>
                   <a:srgbClr val="000000"/>
@@ -45403,7 +41763,7 @@
     </p:spTree>
     <p:extLst>
       <p:ext uri="{BB962C8B-B14F-4D97-AF65-F5344CB8AC3E}">
-        <p14:creationId xmlns:p14="http://schemas.microsoft.com/office/powerpoint/2010/main" val="1902963462"/>
+        <p14:creationId xmlns:p14="http://schemas.microsoft.com/office/powerpoint/2010/main" val="949020722"/>
       </p:ext>
     </p:extLst>
   </p:cSld>
@@ -45439,7 +41799,7 @@
       </p:grpSpPr>
       <p:sp>
         <p:nvSpPr>
-          <p:cNvPr id="2" name="Title 1"/>
+          <p:cNvPr id="6" name="Title 5"/>
           <p:cNvSpPr>
             <a:spLocks noGrp="1"/>
           </p:cNvSpPr>
@@ -45452,21 +41812,26 @@
           <a:bodyPr/>
           <a:lstStyle/>
           <a:p>
-            <a:r>
-              <a:rPr lang="en-US" sz="3200" dirty="0"/>
-              <a:t>Digital System Implementation</a:t>
+            <a:pPr marL="514350" indent="-514350" eaLnBrk="1" hangingPunct="1">
+              <a:lnSpc>
+                <a:spcPct val="80000"/>
+              </a:lnSpc>
+            </a:pPr>
+            <a:r>
+              <a:rPr lang="en-US" dirty="0"/>
+              <a:t>Design goals</a:t>
             </a:r>
           </a:p>
         </p:txBody>
       </p:sp>
       <p:sp>
         <p:nvSpPr>
-          <p:cNvPr id="3" name="Content Placeholder 2"/>
+          <p:cNvPr id="7" name="Text Placeholder 6"/>
           <p:cNvSpPr>
             <a:spLocks noGrp="1"/>
           </p:cNvSpPr>
           <p:nvPr>
-            <p:ph idx="1"/>
+            <p:ph type="body" idx="1"/>
           </p:nvPr>
         </p:nvSpPr>
         <p:spPr/>
@@ -45474,66 +41839,6 @@
           <a:bodyPr/>
           <a:lstStyle/>
           <a:p>
-            <a:pPr marL="457200" indent="-457200">
-              <a:buFont typeface="+mj-lt"/>
-              <a:buAutoNum type="arabicPeriod" startAt="3"/>
-            </a:pPr>
-            <a:r>
-              <a:rPr lang="en-US" dirty="0" smtClean="0"/>
-              <a:t>Verification – Checking whether </a:t>
-            </a:r>
-            <a:r>
-              <a:rPr lang="en-US" dirty="0"/>
-              <a:t>a design meets the functional and timing </a:t>
-            </a:r>
-            <a:r>
-              <a:rPr lang="en-US" dirty="0" smtClean="0"/>
-              <a:t>goals</a:t>
-            </a:r>
-          </a:p>
-          <a:p>
-            <a:pPr marL="860425" lvl="1" indent="-457200"/>
-            <a:r>
-              <a:rPr lang="en-US" dirty="0" smtClean="0"/>
-              <a:t>Simulation</a:t>
-            </a:r>
-          </a:p>
-          <a:p>
-            <a:pPr marL="860425" lvl="1" indent="-457200"/>
-            <a:r>
-              <a:rPr lang="en-US" dirty="0" smtClean="0"/>
-              <a:t>Formal verification</a:t>
-            </a:r>
-          </a:p>
-          <a:p>
-            <a:pPr marL="860425" lvl="1" indent="-457200"/>
-            <a:r>
-              <a:rPr lang="en-US" dirty="0" smtClean="0"/>
-              <a:t>Hardware emulation</a:t>
-            </a:r>
-            <a:endParaRPr lang="en-US" dirty="0"/>
-          </a:p>
-          <a:p>
-            <a:pPr marL="457200" indent="-457200">
-              <a:buFont typeface="+mj-lt"/>
-              <a:buAutoNum type="arabicPeriod" startAt="3"/>
-            </a:pPr>
-            <a:r>
-              <a:rPr lang="en-US" i="1" dirty="0" smtClean="0"/>
-              <a:t>Testing</a:t>
-            </a:r>
-            <a:r>
-              <a:rPr lang="en-US" dirty="0" smtClean="0"/>
-              <a:t> – Process </a:t>
-            </a:r>
-            <a:r>
-              <a:rPr lang="en-US" dirty="0"/>
-              <a:t>of detecting physical defects of a die or package that occurred during </a:t>
-            </a:r>
-            <a:r>
-              <a:rPr lang="en-US" dirty="0" smtClean="0"/>
-              <a:t>manufacturing</a:t>
-            </a:r>
             <a:endParaRPr lang="en-US" dirty="0"/>
           </a:p>
         </p:txBody>
@@ -45588,7 +41893,7 @@
     </p:spTree>
     <p:extLst>
       <p:ext uri="{BB962C8B-B14F-4D97-AF65-F5344CB8AC3E}">
-        <p14:creationId xmlns:p14="http://schemas.microsoft.com/office/powerpoint/2010/main" val="949020722"/>
+        <p14:creationId xmlns:p14="http://schemas.microsoft.com/office/powerpoint/2010/main" val="2056477490"/>
       </p:ext>
     </p:extLst>
   </p:cSld>
@@ -45637,33 +41942,118 @@
           <a:bodyPr/>
           <a:lstStyle/>
           <a:p>
-            <a:pPr marL="514350" indent="-514350" eaLnBrk="1" hangingPunct="1">
-              <a:lnSpc>
-                <a:spcPct val="80000"/>
-              </a:lnSpc>
-            </a:pPr>
-            <a:r>
-              <a:rPr lang="en-US" dirty="0"/>
-              <a:t>Design goals</a:t>
-            </a:r>
+            <a:r>
+              <a:rPr lang="en-US" dirty="0" smtClean="0"/>
+              <a:t>Design Goals</a:t>
+            </a:r>
+            <a:endParaRPr lang="en-US" dirty="0"/>
           </a:p>
         </p:txBody>
       </p:sp>
       <p:sp>
         <p:nvSpPr>
-          <p:cNvPr id="7" name="Text Placeholder 6"/>
+          <p:cNvPr id="7" name="Content Placeholder 6"/>
           <p:cNvSpPr>
             <a:spLocks noGrp="1"/>
           </p:cNvSpPr>
           <p:nvPr>
-            <p:ph type="body" idx="1"/>
+            <p:ph idx="1"/>
           </p:nvPr>
         </p:nvSpPr>
-        <p:spPr/>
+        <p:spPr>
+          <a:xfrm>
+            <a:off x="800100" y="1536699"/>
+            <a:ext cx="8131175" cy="4716463"/>
+          </a:xfrm>
+        </p:spPr>
         <p:txBody>
           <a:bodyPr/>
           <a:lstStyle/>
           <a:p>
+            <a:pPr marL="457200" indent="-457200">
+              <a:buFont typeface="+mj-lt"/>
+              <a:buAutoNum type="arabicPeriod"/>
+            </a:pPr>
+            <a:r>
+              <a:rPr lang="en-US" dirty="0" smtClean="0"/>
+              <a:t>Design for Efficiency</a:t>
+            </a:r>
+          </a:p>
+          <a:p>
+            <a:pPr lvl="1"/>
+            <a:r>
+              <a:rPr lang="en-US" dirty="0" smtClean="0"/>
+              <a:t>Synthesis cannot convert bad designs into good ones</a:t>
+            </a:r>
+          </a:p>
+          <a:p>
+            <a:pPr lvl="1"/>
+            <a:r>
+              <a:rPr lang="en-US" dirty="0" smtClean="0"/>
+              <a:t>Know what hardware your HDL will create</a:t>
+            </a:r>
+          </a:p>
+          <a:p>
+            <a:pPr marL="457200" indent="-457200">
+              <a:buFont typeface="+mj-lt"/>
+              <a:buAutoNum type="arabicPeriod"/>
+            </a:pPr>
+            <a:r>
+              <a:rPr lang="en-US" dirty="0" smtClean="0"/>
+              <a:t>Design for Large</a:t>
+            </a:r>
+          </a:p>
+          <a:p>
+            <a:pPr lvl="1"/>
+            <a:r>
+              <a:rPr lang="en-US" dirty="0" smtClean="0"/>
+              <a:t>Design a large module</a:t>
+            </a:r>
+          </a:p>
+          <a:p>
+            <a:pPr lvl="1"/>
+            <a:r>
+              <a:rPr lang="en-US" dirty="0" smtClean="0"/>
+              <a:t>Design to be incorporated into a larger system</a:t>
+            </a:r>
+          </a:p>
+          <a:p>
+            <a:pPr lvl="1"/>
+            <a:r>
+              <a:rPr lang="en-US" dirty="0" smtClean="0"/>
+              <a:t>Design to facilitate the overall development process</a:t>
+            </a:r>
+          </a:p>
+          <a:p>
+            <a:pPr marL="457200" indent="-457200">
+              <a:buFont typeface="+mj-lt"/>
+              <a:buAutoNum type="arabicPeriod"/>
+            </a:pPr>
+            <a:r>
+              <a:rPr lang="en-US" dirty="0" smtClean="0"/>
+              <a:t>Design for Portability</a:t>
+            </a:r>
+          </a:p>
+          <a:p>
+            <a:pPr lvl="1"/>
+            <a:r>
+              <a:rPr lang="en-US" dirty="0" smtClean="0"/>
+              <a:t>Device independent</a:t>
+            </a:r>
+          </a:p>
+          <a:p>
+            <a:pPr lvl="1"/>
+            <a:r>
+              <a:rPr lang="en-US" dirty="0" smtClean="0"/>
+              <a:t>Software independent</a:t>
+            </a:r>
+          </a:p>
+          <a:p>
+            <a:pPr lvl="1"/>
+            <a:r>
+              <a:rPr lang="en-US" dirty="0" smtClean="0"/>
+              <a:t>Design reuse</a:t>
+            </a:r>
             <a:endParaRPr lang="en-US" dirty="0"/>
           </a:p>
         </p:txBody>
@@ -45696,7 +42086,7 @@
             <a:pPr>
               <a:defRPr/>
             </a:pPr>
-            <a:fld id="{62D6D4B2-7611-498F-8780-1EDC26277454}" type="slidenum">
+            <a:fld id="{683EF015-741B-43DE-8A3A-BDAB0992138F}" type="slidenum">
               <a:rPr lang="en-US" smtClean="0">
                 <a:solidFill>
                   <a:srgbClr val="000000"/>
@@ -45718,7 +42108,7 @@
     </p:spTree>
     <p:extLst>
       <p:ext uri="{BB962C8B-B14F-4D97-AF65-F5344CB8AC3E}">
-        <p14:creationId xmlns:p14="http://schemas.microsoft.com/office/powerpoint/2010/main" val="2056477490"/>
+        <p14:creationId xmlns:p14="http://schemas.microsoft.com/office/powerpoint/2010/main" val="2280190647"/>
       </p:ext>
     </p:extLst>
   </p:cSld>
@@ -45767,9 +42157,14 @@
           <a:bodyPr/>
           <a:lstStyle/>
           <a:p>
+            <a:pPr marL="514350" indent="-514350" eaLnBrk="1" hangingPunct="1">
+              <a:lnSpc>
+                <a:spcPct val="80000"/>
+              </a:lnSpc>
+            </a:pPr>
             <a:r>
               <a:rPr lang="en-US" dirty="0" smtClean="0"/>
-              <a:t>Design Goals</a:t>
+              <a:t>Digital Design – 	Majority Circuit</a:t>
             </a:r>
             <a:endParaRPr lang="en-US" dirty="0"/>
           </a:p>
@@ -45777,108 +42172,19 @@
       </p:sp>
       <p:sp>
         <p:nvSpPr>
-          <p:cNvPr id="7" name="Content Placeholder 6"/>
+          <p:cNvPr id="7" name="Text Placeholder 6"/>
           <p:cNvSpPr>
             <a:spLocks noGrp="1"/>
           </p:cNvSpPr>
           <p:nvPr>
-            <p:ph idx="1"/>
+            <p:ph type="body" idx="1"/>
           </p:nvPr>
         </p:nvSpPr>
-        <p:spPr>
-          <a:xfrm>
-            <a:off x="800100" y="1536699"/>
-            <a:ext cx="8131175" cy="4716463"/>
-          </a:xfrm>
-        </p:spPr>
+        <p:spPr/>
         <p:txBody>
           <a:bodyPr/>
           <a:lstStyle/>
           <a:p>
-            <a:pPr marL="457200" indent="-457200">
-              <a:buFont typeface="+mj-lt"/>
-              <a:buAutoNum type="arabicPeriod"/>
-            </a:pPr>
-            <a:r>
-              <a:rPr lang="en-US" dirty="0" smtClean="0"/>
-              <a:t>Design for Efficiency</a:t>
-            </a:r>
-          </a:p>
-          <a:p>
-            <a:pPr lvl="1"/>
-            <a:r>
-              <a:rPr lang="en-US" dirty="0" smtClean="0"/>
-              <a:t>Synthesis cannot convert bad designs into good ones</a:t>
-            </a:r>
-          </a:p>
-          <a:p>
-            <a:pPr lvl="1"/>
-            <a:r>
-              <a:rPr lang="en-US" dirty="0" smtClean="0"/>
-              <a:t>Know what hardware your HDL will create</a:t>
-            </a:r>
-          </a:p>
-          <a:p>
-            <a:pPr marL="457200" indent="-457200">
-              <a:buFont typeface="+mj-lt"/>
-              <a:buAutoNum type="arabicPeriod"/>
-            </a:pPr>
-            <a:r>
-              <a:rPr lang="en-US" dirty="0" smtClean="0"/>
-              <a:t>Design for Large</a:t>
-            </a:r>
-          </a:p>
-          <a:p>
-            <a:pPr lvl="1"/>
-            <a:r>
-              <a:rPr lang="en-US" dirty="0" smtClean="0"/>
-              <a:t>Design a large module</a:t>
-            </a:r>
-          </a:p>
-          <a:p>
-            <a:pPr lvl="1"/>
-            <a:r>
-              <a:rPr lang="en-US" dirty="0" smtClean="0"/>
-              <a:t>Design to be incorporated into a larger system</a:t>
-            </a:r>
-          </a:p>
-          <a:p>
-            <a:pPr lvl="1"/>
-            <a:r>
-              <a:rPr lang="en-US" dirty="0" smtClean="0"/>
-              <a:t>Design to facilitate the overall development process</a:t>
-            </a:r>
-          </a:p>
-          <a:p>
-            <a:pPr marL="457200" indent="-457200">
-              <a:buFont typeface="+mj-lt"/>
-              <a:buAutoNum type="arabicPeriod"/>
-            </a:pPr>
-            <a:r>
-              <a:rPr lang="en-US" dirty="0" smtClean="0"/>
-              <a:t>Design for Portability</a:t>
-            </a:r>
-          </a:p>
-          <a:p>
-            <a:pPr lvl="1"/>
-            <a:r>
-              <a:rPr lang="en-US" dirty="0" smtClean="0"/>
-              <a:t>Device independent</a:t>
-            </a:r>
-          </a:p>
-          <a:p>
-            <a:pPr lvl="1"/>
-            <a:r>
-              <a:rPr lang="en-US" dirty="0" smtClean="0"/>
-              <a:t>Software independent</a:t>
-            </a:r>
-          </a:p>
-          <a:p>
-            <a:pPr lvl="1"/>
-            <a:r>
-              <a:rPr lang="en-US" dirty="0" smtClean="0"/>
-              <a:t>Design reuse</a:t>
-            </a:r>
             <a:endParaRPr lang="en-US" dirty="0"/>
           </a:p>
         </p:txBody>
@@ -45911,7 +42217,7 @@
             <a:pPr>
               <a:defRPr/>
             </a:pPr>
-            <a:fld id="{683EF015-741B-43DE-8A3A-BDAB0992138F}" type="slidenum">
+            <a:fld id="{62D6D4B2-7611-498F-8780-1EDC26277454}" type="slidenum">
               <a:rPr lang="en-US" smtClean="0">
                 <a:solidFill>
                   <a:srgbClr val="000000"/>
@@ -45933,7 +42239,7 @@
     </p:spTree>
     <p:extLst>
       <p:ext uri="{BB962C8B-B14F-4D97-AF65-F5344CB8AC3E}">
-        <p14:creationId xmlns:p14="http://schemas.microsoft.com/office/powerpoint/2010/main" val="2280190647"/>
+        <p14:creationId xmlns:p14="http://schemas.microsoft.com/office/powerpoint/2010/main" val="1702926724"/>
       </p:ext>
     </p:extLst>
   </p:cSld>
@@ -45982,35 +42288,11 @@
           <a:bodyPr/>
           <a:lstStyle/>
           <a:p>
-            <a:pPr marL="514350" indent="-514350" eaLnBrk="1" hangingPunct="1">
-              <a:lnSpc>
-                <a:spcPct val="80000"/>
-              </a:lnSpc>
-            </a:pPr>
-            <a:r>
-              <a:rPr lang="en-US" dirty="0" smtClean="0"/>
-              <a:t>Digital Design – 	Majority Circuit</a:t>
-            </a:r>
-            <a:endParaRPr lang="en-US" dirty="0"/>
-          </a:p>
-        </p:txBody>
-      </p:sp>
-      <p:sp>
-        <p:nvSpPr>
-          <p:cNvPr id="7" name="Text Placeholder 6"/>
-          <p:cNvSpPr>
-            <a:spLocks noGrp="1"/>
-          </p:cNvSpPr>
-          <p:nvPr>
-            <p:ph type="body" idx="1"/>
-          </p:nvPr>
-        </p:nvSpPr>
-        <p:spPr/>
-        <p:txBody>
-          <a:bodyPr/>
-          <a:lstStyle/>
-          <a:p>
-            <a:endParaRPr lang="en-US" dirty="0"/>
+            <a:r>
+              <a:rPr lang="en-US" sz="3200" dirty="0" smtClean="0"/>
+              <a:t>Digital Design – Majority Circuit</a:t>
+            </a:r>
+            <a:endParaRPr lang="en-US" sz="3200" dirty="0"/>
           </a:p>
         </p:txBody>
       </p:sp>
@@ -46042,7 +42324,7 @@
             <a:pPr>
               <a:defRPr/>
             </a:pPr>
-            <a:fld id="{62D6D4B2-7611-498F-8780-1EDC26277454}" type="slidenum">
+            <a:fld id="{683EF015-741B-43DE-8A3A-BDAB0992138F}" type="slidenum">
               <a:rPr lang="en-US" smtClean="0">
                 <a:solidFill>
                   <a:srgbClr val="000000"/>
@@ -46052,239 +42334,6 @@
                 <a:defRPr/>
               </a:pPr>
               <a:t>39</a:t>
-            </a:fld>
-            <a:endParaRPr lang="en-US">
-              <a:solidFill>
-                <a:srgbClr val="000000"/>
-              </a:solidFill>
-            </a:endParaRPr>
-          </a:p>
-        </p:txBody>
-      </p:sp>
-    </p:spTree>
-    <p:extLst>
-      <p:ext uri="{BB962C8B-B14F-4D97-AF65-F5344CB8AC3E}">
-        <p14:creationId xmlns:p14="http://schemas.microsoft.com/office/powerpoint/2010/main" val="1702926724"/>
-      </p:ext>
-    </p:extLst>
-  </p:cSld>
-  <p:clrMapOvr>
-    <a:masterClrMapping/>
-  </p:clrMapOvr>
-  <p:timing>
-    <p:tnLst>
-      <p:par>
-        <p:cTn id="1" dur="indefinite" restart="never" nodeType="tmRoot"/>
-      </p:par>
-    </p:tnLst>
-  </p:timing>
-</p:sld>
-</file>
-
-<file path=ppt/slides/slide4.xml><?xml version="1.0" encoding="utf-8"?>
-<p:sld xmlns:a="http://schemas.openxmlformats.org/drawingml/2006/main" xmlns:r="http://schemas.openxmlformats.org/officeDocument/2006/relationships" xmlns:p="http://schemas.openxmlformats.org/presentationml/2006/main">
-  <p:cSld>
-    <p:spTree>
-      <p:nvGrpSpPr>
-        <p:cNvPr id="1" name=""/>
-        <p:cNvGrpSpPr/>
-        <p:nvPr/>
-      </p:nvGrpSpPr>
-      <p:grpSpPr>
-        <a:xfrm>
-          <a:off x="0" y="0"/>
-          <a:ext cx="0" cy="0"/>
-          <a:chOff x="0" y="0"/>
-          <a:chExt cx="0" cy="0"/>
-        </a:xfrm>
-      </p:grpSpPr>
-      <p:sp>
-        <p:nvSpPr>
-          <p:cNvPr id="6" name="Title 5"/>
-          <p:cNvSpPr>
-            <a:spLocks noGrp="1"/>
-          </p:cNvSpPr>
-          <p:nvPr>
-            <p:ph type="title"/>
-          </p:nvPr>
-        </p:nvSpPr>
-        <p:spPr/>
-        <p:txBody>
-          <a:bodyPr/>
-          <a:lstStyle/>
-          <a:p>
-            <a:r>
-              <a:rPr lang="en-US" dirty="0" smtClean="0"/>
-              <a:t>Why Digital Systems?</a:t>
-            </a:r>
-            <a:endParaRPr lang="en-US" dirty="0"/>
-          </a:p>
-        </p:txBody>
-      </p:sp>
-      <p:sp>
-        <p:nvSpPr>
-          <p:cNvPr id="7" name="Text Placeholder 6"/>
-          <p:cNvSpPr>
-            <a:spLocks noGrp="1"/>
-          </p:cNvSpPr>
-          <p:nvPr>
-            <p:ph type="body" idx="1"/>
-          </p:nvPr>
-        </p:nvSpPr>
-        <p:spPr/>
-        <p:txBody>
-          <a:bodyPr/>
-          <a:lstStyle/>
-          <a:p>
-            <a:endParaRPr lang="en-US" dirty="0"/>
-          </a:p>
-        </p:txBody>
-      </p:sp>
-      <p:sp>
-        <p:nvSpPr>
-          <p:cNvPr id="4" name="Slide Number Placeholder 3"/>
-          <p:cNvSpPr>
-            <a:spLocks noGrp="1"/>
-          </p:cNvSpPr>
-          <p:nvPr>
-            <p:ph type="sldNum" sz="quarter" idx="10"/>
-          </p:nvPr>
-        </p:nvSpPr>
-        <p:spPr/>
-        <p:txBody>
-          <a:bodyPr/>
-          <a:lstStyle/>
-          <a:p>
-            <a:pPr>
-              <a:defRPr/>
-            </a:pPr>
-            <a:endParaRPr lang="en-US" smtClean="0">
-              <a:solidFill>
-                <a:srgbClr val="000000"/>
-              </a:solidFill>
-            </a:endParaRPr>
-          </a:p>
-          <a:p>
-            <a:pPr>
-              <a:defRPr/>
-            </a:pPr>
-            <a:fld id="{62D6D4B2-7611-498F-8780-1EDC26277454}" type="slidenum">
-              <a:rPr lang="en-US" smtClean="0">
-                <a:solidFill>
-                  <a:srgbClr val="000000"/>
-                </a:solidFill>
-              </a:rPr>
-              <a:pPr>
-                <a:defRPr/>
-              </a:pPr>
-              <a:t>4</a:t>
-            </a:fld>
-            <a:endParaRPr lang="en-US">
-              <a:solidFill>
-                <a:srgbClr val="000000"/>
-              </a:solidFill>
-            </a:endParaRPr>
-          </a:p>
-        </p:txBody>
-      </p:sp>
-    </p:spTree>
-    <p:extLst>
-      <p:ext uri="{BB962C8B-B14F-4D97-AF65-F5344CB8AC3E}">
-        <p14:creationId xmlns:p14="http://schemas.microsoft.com/office/powerpoint/2010/main" val="2581563150"/>
-      </p:ext>
-    </p:extLst>
-  </p:cSld>
-  <p:clrMapOvr>
-    <a:masterClrMapping/>
-  </p:clrMapOvr>
-  <p:timing>
-    <p:tnLst>
-      <p:par>
-        <p:cTn id="1" dur="indefinite" restart="never" nodeType="tmRoot"/>
-      </p:par>
-    </p:tnLst>
-  </p:timing>
-</p:sld>
-</file>
-
-<file path=ppt/slides/slide40.xml><?xml version="1.0" encoding="utf-8"?>
-<p:sld xmlns:a="http://schemas.openxmlformats.org/drawingml/2006/main" xmlns:r="http://schemas.openxmlformats.org/officeDocument/2006/relationships" xmlns:p="http://schemas.openxmlformats.org/presentationml/2006/main">
-  <p:cSld>
-    <p:spTree>
-      <p:nvGrpSpPr>
-        <p:cNvPr id="1" name=""/>
-        <p:cNvGrpSpPr/>
-        <p:nvPr/>
-      </p:nvGrpSpPr>
-      <p:grpSpPr>
-        <a:xfrm>
-          <a:off x="0" y="0"/>
-          <a:ext cx="0" cy="0"/>
-          <a:chOff x="0" y="0"/>
-          <a:chExt cx="0" cy="0"/>
-        </a:xfrm>
-      </p:grpSpPr>
-      <p:sp>
-        <p:nvSpPr>
-          <p:cNvPr id="6" name="Title 5"/>
-          <p:cNvSpPr>
-            <a:spLocks noGrp="1"/>
-          </p:cNvSpPr>
-          <p:nvPr>
-            <p:ph type="title"/>
-          </p:nvPr>
-        </p:nvSpPr>
-        <p:spPr/>
-        <p:txBody>
-          <a:bodyPr/>
-          <a:lstStyle/>
-          <a:p>
-            <a:r>
-              <a:rPr lang="en-US" sz="3200" dirty="0" smtClean="0"/>
-              <a:t>Digital Design – Majority Circuit</a:t>
-            </a:r>
-            <a:endParaRPr lang="en-US" sz="3200" dirty="0"/>
-          </a:p>
-        </p:txBody>
-      </p:sp>
-      <p:sp>
-        <p:nvSpPr>
-          <p:cNvPr id="4" name="Slide Number Placeholder 3"/>
-          <p:cNvSpPr>
-            <a:spLocks noGrp="1"/>
-          </p:cNvSpPr>
-          <p:nvPr>
-            <p:ph type="sldNum" sz="quarter" idx="10"/>
-          </p:nvPr>
-        </p:nvSpPr>
-        <p:spPr/>
-        <p:txBody>
-          <a:bodyPr/>
-          <a:lstStyle/>
-          <a:p>
-            <a:pPr>
-              <a:defRPr/>
-            </a:pPr>
-            <a:endParaRPr lang="en-US" smtClean="0">
-              <a:solidFill>
-                <a:srgbClr val="000000"/>
-              </a:solidFill>
-            </a:endParaRPr>
-          </a:p>
-          <a:p>
-            <a:pPr>
-              <a:defRPr/>
-            </a:pPr>
-            <a:fld id="{683EF015-741B-43DE-8A3A-BDAB0992138F}" type="slidenum">
-              <a:rPr lang="en-US" smtClean="0">
-                <a:solidFill>
-                  <a:srgbClr val="000000"/>
-                </a:solidFill>
-              </a:rPr>
-              <a:pPr>
-                <a:defRPr/>
-              </a:pPr>
-              <a:t>40</a:t>
             </a:fld>
             <a:endParaRPr lang="en-US">
               <a:solidFill>
@@ -47306,6 +43355,385 @@
 </p:sld>
 </file>
 
+<file path=ppt/slides/slide4.xml><?xml version="1.0" encoding="utf-8"?>
+<p:sld xmlns:a="http://schemas.openxmlformats.org/drawingml/2006/main" xmlns:r="http://schemas.openxmlformats.org/officeDocument/2006/relationships" xmlns:p="http://schemas.openxmlformats.org/presentationml/2006/main">
+  <p:cSld>
+    <p:spTree>
+      <p:nvGrpSpPr>
+        <p:cNvPr id="1" name=""/>
+        <p:cNvGrpSpPr/>
+        <p:nvPr/>
+      </p:nvGrpSpPr>
+      <p:grpSpPr>
+        <a:xfrm>
+          <a:off x="0" y="0"/>
+          <a:ext cx="0" cy="0"/>
+          <a:chOff x="0" y="0"/>
+          <a:chExt cx="0" cy="0"/>
+        </a:xfrm>
+      </p:grpSpPr>
+      <p:sp>
+        <p:nvSpPr>
+          <p:cNvPr id="6" name="Title 5"/>
+          <p:cNvSpPr>
+            <a:spLocks noGrp="1"/>
+          </p:cNvSpPr>
+          <p:nvPr>
+            <p:ph type="title"/>
+          </p:nvPr>
+        </p:nvSpPr>
+        <p:spPr/>
+        <p:txBody>
+          <a:bodyPr/>
+          <a:lstStyle/>
+          <a:p>
+            <a:r>
+              <a:rPr lang="en-US" dirty="0" smtClean="0"/>
+              <a:t>Why Digital Systems?</a:t>
+            </a:r>
+            <a:endParaRPr lang="en-US" dirty="0"/>
+          </a:p>
+        </p:txBody>
+      </p:sp>
+      <p:sp>
+        <p:nvSpPr>
+          <p:cNvPr id="7" name="Text Placeholder 6"/>
+          <p:cNvSpPr>
+            <a:spLocks noGrp="1"/>
+          </p:cNvSpPr>
+          <p:nvPr>
+            <p:ph type="body" idx="1"/>
+          </p:nvPr>
+        </p:nvSpPr>
+        <p:spPr/>
+        <p:txBody>
+          <a:bodyPr/>
+          <a:lstStyle/>
+          <a:p>
+            <a:endParaRPr lang="en-US" dirty="0"/>
+          </a:p>
+        </p:txBody>
+      </p:sp>
+      <p:sp>
+        <p:nvSpPr>
+          <p:cNvPr id="4" name="Slide Number Placeholder 3"/>
+          <p:cNvSpPr>
+            <a:spLocks noGrp="1"/>
+          </p:cNvSpPr>
+          <p:nvPr>
+            <p:ph type="sldNum" sz="quarter" idx="10"/>
+          </p:nvPr>
+        </p:nvSpPr>
+        <p:spPr/>
+        <p:txBody>
+          <a:bodyPr/>
+          <a:lstStyle/>
+          <a:p>
+            <a:pPr>
+              <a:defRPr/>
+            </a:pPr>
+            <a:endParaRPr lang="en-US" smtClean="0">
+              <a:solidFill>
+                <a:srgbClr val="000000"/>
+              </a:solidFill>
+            </a:endParaRPr>
+          </a:p>
+          <a:p>
+            <a:pPr>
+              <a:defRPr/>
+            </a:pPr>
+            <a:fld id="{62D6D4B2-7611-498F-8780-1EDC26277454}" type="slidenum">
+              <a:rPr lang="en-US" smtClean="0">
+                <a:solidFill>
+                  <a:srgbClr val="000000"/>
+                </a:solidFill>
+              </a:rPr>
+              <a:pPr>
+                <a:defRPr/>
+              </a:pPr>
+              <a:t>4</a:t>
+            </a:fld>
+            <a:endParaRPr lang="en-US">
+              <a:solidFill>
+                <a:srgbClr val="000000"/>
+              </a:solidFill>
+            </a:endParaRPr>
+          </a:p>
+        </p:txBody>
+      </p:sp>
+    </p:spTree>
+    <p:extLst>
+      <p:ext uri="{BB962C8B-B14F-4D97-AF65-F5344CB8AC3E}">
+        <p14:creationId xmlns:p14="http://schemas.microsoft.com/office/powerpoint/2010/main" val="2581563150"/>
+      </p:ext>
+    </p:extLst>
+  </p:cSld>
+  <p:clrMapOvr>
+    <a:masterClrMapping/>
+  </p:clrMapOvr>
+  <p:timing>
+    <p:tnLst>
+      <p:par>
+        <p:cTn id="1" dur="indefinite" restart="never" nodeType="tmRoot"/>
+      </p:par>
+    </p:tnLst>
+  </p:timing>
+</p:sld>
+</file>
+
+<file path=ppt/slides/slide40.xml><?xml version="1.0" encoding="utf-8"?>
+<p:sld xmlns:a="http://schemas.openxmlformats.org/drawingml/2006/main" xmlns:r="http://schemas.openxmlformats.org/officeDocument/2006/relationships" xmlns:p="http://schemas.openxmlformats.org/presentationml/2006/main">
+  <p:cSld>
+    <p:spTree>
+      <p:nvGrpSpPr>
+        <p:cNvPr id="1" name=""/>
+        <p:cNvGrpSpPr/>
+        <p:nvPr/>
+      </p:nvGrpSpPr>
+      <p:grpSpPr>
+        <a:xfrm>
+          <a:off x="0" y="0"/>
+          <a:ext cx="0" cy="0"/>
+          <a:chOff x="0" y="0"/>
+          <a:chExt cx="0" cy="0"/>
+        </a:xfrm>
+      </p:grpSpPr>
+      <p:sp>
+        <p:nvSpPr>
+          <p:cNvPr id="2" name="Title 1"/>
+          <p:cNvSpPr>
+            <a:spLocks noGrp="1"/>
+          </p:cNvSpPr>
+          <p:nvPr>
+            <p:ph type="title"/>
+          </p:nvPr>
+        </p:nvSpPr>
+        <p:spPr/>
+        <p:txBody>
+          <a:bodyPr/>
+          <a:lstStyle/>
+          <a:p>
+            <a:r>
+              <a:rPr lang="en-US" dirty="0" smtClean="0"/>
+              <a:t>Important Notes</a:t>
+            </a:r>
+            <a:endParaRPr lang="en-US" dirty="0"/>
+          </a:p>
+        </p:txBody>
+      </p:sp>
+      <p:sp>
+        <p:nvSpPr>
+          <p:cNvPr id="3" name="Content Placeholder 2"/>
+          <p:cNvSpPr>
+            <a:spLocks noGrp="1"/>
+          </p:cNvSpPr>
+          <p:nvPr>
+            <p:ph idx="1"/>
+          </p:nvPr>
+        </p:nvSpPr>
+        <p:spPr/>
+        <p:txBody>
+          <a:bodyPr/>
+          <a:lstStyle/>
+          <a:p>
+            <a:r>
+              <a:rPr lang="en-US" b="0" dirty="0" smtClean="0"/>
+              <a:t>You </a:t>
+            </a:r>
+            <a:r>
+              <a:rPr lang="en-US" b="0" dirty="0"/>
+              <a:t>can use all the standard logic gates including</a:t>
+            </a:r>
+            <a:r>
+              <a:rPr lang="en-US" b="0" dirty="0" smtClean="0"/>
+              <a:t>:</a:t>
+            </a:r>
+          </a:p>
+          <a:p>
+            <a:pPr lvl="1"/>
+            <a:r>
+              <a:rPr lang="en-US" b="0" dirty="0" smtClean="0"/>
+              <a:t>AND</a:t>
+            </a:r>
+            <a:endParaRPr lang="en-US" b="0" dirty="0"/>
+          </a:p>
+          <a:p>
+            <a:pPr lvl="1"/>
+            <a:r>
+              <a:rPr lang="en-US" b="0" dirty="0"/>
+              <a:t>OR</a:t>
+            </a:r>
+          </a:p>
+          <a:p>
+            <a:pPr lvl="1"/>
+            <a:r>
+              <a:rPr lang="en-US" b="0" dirty="0"/>
+              <a:t>XOR</a:t>
+            </a:r>
+          </a:p>
+          <a:p>
+            <a:pPr lvl="1"/>
+            <a:r>
+              <a:rPr lang="en-US" b="0" dirty="0"/>
+              <a:t>NAND</a:t>
+            </a:r>
+          </a:p>
+          <a:p>
+            <a:pPr lvl="1"/>
+            <a:r>
+              <a:rPr lang="en-US" b="0" dirty="0"/>
+              <a:t>NOR</a:t>
+            </a:r>
+          </a:p>
+          <a:p>
+            <a:pPr lvl="1"/>
+            <a:r>
+              <a:rPr lang="en-US" b="0" dirty="0"/>
+              <a:t>XNOR</a:t>
+            </a:r>
+          </a:p>
+          <a:p>
+            <a:pPr lvl="1"/>
+            <a:r>
+              <a:rPr lang="en-US" b="0" dirty="0" smtClean="0"/>
+              <a:t>NOT</a:t>
+            </a:r>
+            <a:endParaRPr lang="en-US" b="0" dirty="0"/>
+          </a:p>
+        </p:txBody>
+      </p:sp>
+      <p:sp>
+        <p:nvSpPr>
+          <p:cNvPr id="4" name="Slide Number Placeholder 3"/>
+          <p:cNvSpPr>
+            <a:spLocks noGrp="1"/>
+          </p:cNvSpPr>
+          <p:nvPr>
+            <p:ph type="sldNum" sz="quarter" idx="10"/>
+          </p:nvPr>
+        </p:nvSpPr>
+        <p:spPr/>
+        <p:txBody>
+          <a:bodyPr/>
+          <a:lstStyle/>
+          <a:p>
+            <a:pPr>
+              <a:defRPr/>
+            </a:pPr>
+            <a:endParaRPr lang="en-US" smtClean="0">
+              <a:solidFill>
+                <a:srgbClr val="000000"/>
+              </a:solidFill>
+            </a:endParaRPr>
+          </a:p>
+          <a:p>
+            <a:pPr>
+              <a:defRPr/>
+            </a:pPr>
+            <a:fld id="{62D6D4B2-7611-498F-8780-1EDC26277454}" type="slidenum">
+              <a:rPr lang="en-US" smtClean="0">
+                <a:solidFill>
+                  <a:srgbClr val="000000"/>
+                </a:solidFill>
+              </a:rPr>
+              <a:pPr>
+                <a:defRPr/>
+              </a:pPr>
+              <a:t>40</a:t>
+            </a:fld>
+            <a:endParaRPr lang="en-US">
+              <a:solidFill>
+                <a:srgbClr val="000000"/>
+              </a:solidFill>
+            </a:endParaRPr>
+          </a:p>
+        </p:txBody>
+      </p:sp>
+      <p:sp>
+        <p:nvSpPr>
+          <p:cNvPr id="5" name="Date Placeholder 4"/>
+          <p:cNvSpPr>
+            <a:spLocks noGrp="1"/>
+          </p:cNvSpPr>
+          <p:nvPr>
+            <p:ph type="dt" sz="half" idx="11"/>
+          </p:nvPr>
+        </p:nvSpPr>
+        <p:spPr/>
+        <p:txBody>
+          <a:bodyPr/>
+          <a:lstStyle/>
+          <a:p>
+            <a:pPr fontAlgn="auto">
+              <a:spcBef>
+                <a:spcPts val="0"/>
+              </a:spcBef>
+              <a:spcAft>
+                <a:spcPts val="0"/>
+              </a:spcAft>
+              <a:defRPr/>
+            </a:pPr>
+            <a:endParaRPr lang="en-US" sz="1800" smtClean="0">
+              <a:solidFill>
+                <a:srgbClr val="000000"/>
+              </a:solidFill>
+            </a:endParaRPr>
+          </a:p>
+          <a:p>
+            <a:pPr fontAlgn="auto">
+              <a:spcBef>
+                <a:spcPts val="0"/>
+              </a:spcBef>
+              <a:spcAft>
+                <a:spcPts val="0"/>
+              </a:spcAft>
+              <a:defRPr/>
+            </a:pPr>
+            <a:fld id="{D957A480-45FD-4E4A-ABAC-1E7EB071E91C}" type="datetime3">
+              <a:rPr lang="en-US" sz="1800" smtClean="0">
+                <a:solidFill>
+                  <a:srgbClr val="000000"/>
+                </a:solidFill>
+              </a:rPr>
+              <a:pPr fontAlgn="auto">
+                <a:spcBef>
+                  <a:spcPts val="0"/>
+                </a:spcBef>
+                <a:spcAft>
+                  <a:spcPts val="0"/>
+                </a:spcAft>
+                <a:defRPr/>
+              </a:pPr>
+              <a:t>6 January 2016</a:t>
+            </a:fld>
+            <a:endParaRPr lang="en-US" sz="1800">
+              <a:solidFill>
+                <a:srgbClr val="000000"/>
+              </a:solidFill>
+            </a:endParaRPr>
+          </a:p>
+        </p:txBody>
+      </p:sp>
+    </p:spTree>
+    <p:extLst>
+      <p:ext uri="{BB962C8B-B14F-4D97-AF65-F5344CB8AC3E}">
+        <p14:creationId xmlns:p14="http://schemas.microsoft.com/office/powerpoint/2010/main" val="3647510015"/>
+      </p:ext>
+    </p:extLst>
+  </p:cSld>
+  <p:clrMapOvr>
+    <a:masterClrMapping/>
+  </p:clrMapOvr>
+  <p:timing>
+    <p:tnLst>
+      <p:par>
+        <p:cTn id="1" dur="indefinite" restart="never" nodeType="tmRoot"/>
+      </p:par>
+    </p:tnLst>
+  </p:timing>
+</p:sld>
+</file>
+
 <file path=ppt/slides/slide41.xml><?xml version="1.0" encoding="utf-8"?>
 <p:sld xmlns:a="http://schemas.openxmlformats.org/drawingml/2006/main" xmlns:r="http://schemas.openxmlformats.org/officeDocument/2006/relationships" xmlns:p="http://schemas.openxmlformats.org/presentationml/2006/main">
   <p:cSld>
@@ -47363,67 +43791,94 @@
           <a:p>
             <a:r>
               <a:rPr lang="en-US" b="0" dirty="0" smtClean="0"/>
-              <a:t>You </a:t>
+              <a:t>The </a:t>
             </a:r>
             <a:r>
               <a:rPr lang="en-US" b="0" dirty="0"/>
-              <a:t>can use all the standard logic gates including</a:t>
+              <a:t>"data type" </a:t>
+            </a:r>
+            <a:r>
+              <a:rPr lang="en-US" b="0" dirty="0" err="1"/>
+              <a:t>std_logic</a:t>
+            </a:r>
+            <a:r>
+              <a:rPr lang="en-US" b="0" dirty="0"/>
+              <a:t> can represent much more than just a logic 0 or 1</a:t>
             </a:r>
             <a:r>
               <a:rPr lang="en-US" b="0" dirty="0" smtClean="0"/>
-              <a:t>:</a:t>
+              <a:t>.</a:t>
             </a:r>
           </a:p>
           <a:p>
             <a:pPr lvl="1"/>
             <a:r>
               <a:rPr lang="en-US" b="0" dirty="0" smtClean="0"/>
-              <a:t>AND</a:t>
-            </a:r>
-            <a:endParaRPr lang="en-US" b="0" dirty="0"/>
+              <a:t>'U</a:t>
+            </a:r>
+            <a:r>
+              <a:rPr lang="en-US" b="0" dirty="0"/>
+              <a:t>', -- Uninitialized</a:t>
+            </a:r>
           </a:p>
           <a:p>
             <a:pPr lvl="1"/>
             <a:r>
               <a:rPr lang="en-US" b="0" dirty="0"/>
-              <a:t>OR</a:t>
+              <a:t>'X', -- Forcing Unknown</a:t>
             </a:r>
           </a:p>
           <a:p>
             <a:pPr lvl="1"/>
             <a:r>
               <a:rPr lang="en-US" b="0" dirty="0"/>
-              <a:t>XOR</a:t>
+              <a:t>'0', -- Forcing 0</a:t>
             </a:r>
           </a:p>
           <a:p>
             <a:pPr lvl="1"/>
             <a:r>
               <a:rPr lang="en-US" b="0" dirty="0"/>
-              <a:t>NAND</a:t>
+              <a:t>'1', -- Forcing 1</a:t>
             </a:r>
           </a:p>
           <a:p>
             <a:pPr lvl="1"/>
             <a:r>
               <a:rPr lang="en-US" b="0" dirty="0"/>
-              <a:t>NOR</a:t>
+              <a:t>'Z', -- High Impedance</a:t>
             </a:r>
           </a:p>
           <a:p>
             <a:pPr lvl="1"/>
             <a:r>
               <a:rPr lang="en-US" b="0" dirty="0"/>
-              <a:t>XNOR</a:t>
+              <a:t>'W', -- Weak Unknown</a:t>
             </a:r>
           </a:p>
           <a:p>
             <a:pPr lvl="1"/>
             <a:r>
-              <a:rPr lang="en-US" b="0" dirty="0" smtClean="0"/>
-              <a:t>NOT</a:t>
-            </a:r>
-            <a:endParaRPr lang="en-US" b="0" dirty="0"/>
+              <a:rPr lang="en-US" b="0" dirty="0"/>
+              <a:t>'L', -- Weak 0</a:t>
+            </a:r>
+          </a:p>
+          <a:p>
+            <a:pPr lvl="1"/>
+            <a:r>
+              <a:rPr lang="en-US" b="0" dirty="0"/>
+              <a:t>'H', -- Weak 1</a:t>
+            </a:r>
+          </a:p>
+          <a:p>
+            <a:pPr lvl="1"/>
+            <a:r>
+              <a:rPr lang="en-US" b="0" dirty="0"/>
+              <a:t>'-' -- Don't care</a:t>
+            </a:r>
+          </a:p>
+          <a:p>
+            <a:endParaRPr lang="en-US" dirty="0"/>
           </a:p>
         </p:txBody>
       </p:sp>
@@ -47542,7 +43997,7 @@
     </p:spTree>
     <p:extLst>
       <p:ext uri="{BB962C8B-B14F-4D97-AF65-F5344CB8AC3E}">
-        <p14:creationId xmlns:p14="http://schemas.microsoft.com/office/powerpoint/2010/main" val="3647510015"/>
+        <p14:creationId xmlns:p14="http://schemas.microsoft.com/office/powerpoint/2010/main" val="1670960382"/>
       </p:ext>
     </p:extLst>
   </p:cSld>
@@ -47593,286 +44048,6 @@
           <a:p>
             <a:r>
               <a:rPr lang="en-US" dirty="0" smtClean="0"/>
-              <a:t>Important Notes</a:t>
-            </a:r>
-            <a:endParaRPr lang="en-US" dirty="0"/>
-          </a:p>
-        </p:txBody>
-      </p:sp>
-      <p:sp>
-        <p:nvSpPr>
-          <p:cNvPr id="3" name="Content Placeholder 2"/>
-          <p:cNvSpPr>
-            <a:spLocks noGrp="1"/>
-          </p:cNvSpPr>
-          <p:nvPr>
-            <p:ph idx="1"/>
-          </p:nvPr>
-        </p:nvSpPr>
-        <p:spPr/>
-        <p:txBody>
-          <a:bodyPr/>
-          <a:lstStyle/>
-          <a:p>
-            <a:r>
-              <a:rPr lang="en-US" b="0" dirty="0" smtClean="0"/>
-              <a:t>The </a:t>
-            </a:r>
-            <a:r>
-              <a:rPr lang="en-US" b="0" dirty="0"/>
-              <a:t>"data type" </a:t>
-            </a:r>
-            <a:r>
-              <a:rPr lang="en-US" b="0" dirty="0" err="1"/>
-              <a:t>std_logic</a:t>
-            </a:r>
-            <a:r>
-              <a:rPr lang="en-US" b="0" dirty="0"/>
-              <a:t> can represent much more than just a logic 0 or 1</a:t>
-            </a:r>
-            <a:r>
-              <a:rPr lang="en-US" b="0" dirty="0" smtClean="0"/>
-              <a:t>.</a:t>
-            </a:r>
-          </a:p>
-          <a:p>
-            <a:pPr lvl="1"/>
-            <a:r>
-              <a:rPr lang="en-US" b="0" dirty="0" smtClean="0"/>
-              <a:t>'U</a:t>
-            </a:r>
-            <a:r>
-              <a:rPr lang="en-US" b="0" dirty="0"/>
-              <a:t>', -- Uninitialized</a:t>
-            </a:r>
-          </a:p>
-          <a:p>
-            <a:pPr lvl="1"/>
-            <a:r>
-              <a:rPr lang="en-US" b="0" dirty="0"/>
-              <a:t>'X', -- Forcing Unknown</a:t>
-            </a:r>
-          </a:p>
-          <a:p>
-            <a:pPr lvl="1"/>
-            <a:r>
-              <a:rPr lang="en-US" b="0" dirty="0"/>
-              <a:t>'0', -- Forcing 0</a:t>
-            </a:r>
-          </a:p>
-          <a:p>
-            <a:pPr lvl="1"/>
-            <a:r>
-              <a:rPr lang="en-US" b="0" dirty="0"/>
-              <a:t>'1', -- Forcing 1</a:t>
-            </a:r>
-          </a:p>
-          <a:p>
-            <a:pPr lvl="1"/>
-            <a:r>
-              <a:rPr lang="en-US" b="0" dirty="0"/>
-              <a:t>'Z', -- High Impedance</a:t>
-            </a:r>
-          </a:p>
-          <a:p>
-            <a:pPr lvl="1"/>
-            <a:r>
-              <a:rPr lang="en-US" b="0" dirty="0"/>
-              <a:t>'W', -- Weak Unknown</a:t>
-            </a:r>
-          </a:p>
-          <a:p>
-            <a:pPr lvl="1"/>
-            <a:r>
-              <a:rPr lang="en-US" b="0" dirty="0"/>
-              <a:t>'L', -- Weak 0</a:t>
-            </a:r>
-          </a:p>
-          <a:p>
-            <a:pPr lvl="1"/>
-            <a:r>
-              <a:rPr lang="en-US" b="0" dirty="0"/>
-              <a:t>'H', -- Weak 1</a:t>
-            </a:r>
-          </a:p>
-          <a:p>
-            <a:pPr lvl="1"/>
-            <a:r>
-              <a:rPr lang="en-US" b="0" dirty="0"/>
-              <a:t>'-' -- Don't care</a:t>
-            </a:r>
-          </a:p>
-          <a:p>
-            <a:endParaRPr lang="en-US" dirty="0"/>
-          </a:p>
-        </p:txBody>
-      </p:sp>
-      <p:sp>
-        <p:nvSpPr>
-          <p:cNvPr id="4" name="Slide Number Placeholder 3"/>
-          <p:cNvSpPr>
-            <a:spLocks noGrp="1"/>
-          </p:cNvSpPr>
-          <p:nvPr>
-            <p:ph type="sldNum" sz="quarter" idx="10"/>
-          </p:nvPr>
-        </p:nvSpPr>
-        <p:spPr/>
-        <p:txBody>
-          <a:bodyPr/>
-          <a:lstStyle/>
-          <a:p>
-            <a:pPr>
-              <a:defRPr/>
-            </a:pPr>
-            <a:endParaRPr lang="en-US" smtClean="0">
-              <a:solidFill>
-                <a:srgbClr val="000000"/>
-              </a:solidFill>
-            </a:endParaRPr>
-          </a:p>
-          <a:p>
-            <a:pPr>
-              <a:defRPr/>
-            </a:pPr>
-            <a:fld id="{62D6D4B2-7611-498F-8780-1EDC26277454}" type="slidenum">
-              <a:rPr lang="en-US" smtClean="0">
-                <a:solidFill>
-                  <a:srgbClr val="000000"/>
-                </a:solidFill>
-              </a:rPr>
-              <a:pPr>
-                <a:defRPr/>
-              </a:pPr>
-              <a:t>42</a:t>
-            </a:fld>
-            <a:endParaRPr lang="en-US">
-              <a:solidFill>
-                <a:srgbClr val="000000"/>
-              </a:solidFill>
-            </a:endParaRPr>
-          </a:p>
-        </p:txBody>
-      </p:sp>
-      <p:sp>
-        <p:nvSpPr>
-          <p:cNvPr id="5" name="Date Placeholder 4"/>
-          <p:cNvSpPr>
-            <a:spLocks noGrp="1"/>
-          </p:cNvSpPr>
-          <p:nvPr>
-            <p:ph type="dt" sz="half" idx="11"/>
-          </p:nvPr>
-        </p:nvSpPr>
-        <p:spPr/>
-        <p:txBody>
-          <a:bodyPr/>
-          <a:lstStyle/>
-          <a:p>
-            <a:pPr fontAlgn="auto">
-              <a:spcBef>
-                <a:spcPts val="0"/>
-              </a:spcBef>
-              <a:spcAft>
-                <a:spcPts val="0"/>
-              </a:spcAft>
-              <a:defRPr/>
-            </a:pPr>
-            <a:endParaRPr lang="en-US" sz="1800" smtClean="0">
-              <a:solidFill>
-                <a:srgbClr val="000000"/>
-              </a:solidFill>
-            </a:endParaRPr>
-          </a:p>
-          <a:p>
-            <a:pPr fontAlgn="auto">
-              <a:spcBef>
-                <a:spcPts val="0"/>
-              </a:spcBef>
-              <a:spcAft>
-                <a:spcPts val="0"/>
-              </a:spcAft>
-              <a:defRPr/>
-            </a:pPr>
-            <a:fld id="{D957A480-45FD-4E4A-ABAC-1E7EB071E91C}" type="datetime3">
-              <a:rPr lang="en-US" sz="1800" smtClean="0">
-                <a:solidFill>
-                  <a:srgbClr val="000000"/>
-                </a:solidFill>
-              </a:rPr>
-              <a:pPr fontAlgn="auto">
-                <a:spcBef>
-                  <a:spcPts val="0"/>
-                </a:spcBef>
-                <a:spcAft>
-                  <a:spcPts val="0"/>
-                </a:spcAft>
-                <a:defRPr/>
-              </a:pPr>
-              <a:t>6 January 2016</a:t>
-            </a:fld>
-            <a:endParaRPr lang="en-US" sz="1800">
-              <a:solidFill>
-                <a:srgbClr val="000000"/>
-              </a:solidFill>
-            </a:endParaRPr>
-          </a:p>
-        </p:txBody>
-      </p:sp>
-    </p:spTree>
-    <p:extLst>
-      <p:ext uri="{BB962C8B-B14F-4D97-AF65-F5344CB8AC3E}">
-        <p14:creationId xmlns:p14="http://schemas.microsoft.com/office/powerpoint/2010/main" val="1670960382"/>
-      </p:ext>
-    </p:extLst>
-  </p:cSld>
-  <p:clrMapOvr>
-    <a:masterClrMapping/>
-  </p:clrMapOvr>
-  <p:timing>
-    <p:tnLst>
-      <p:par>
-        <p:cTn id="1" dur="indefinite" restart="never" nodeType="tmRoot"/>
-      </p:par>
-    </p:tnLst>
-  </p:timing>
-</p:sld>
-</file>
-
-<file path=ppt/slides/slide43.xml><?xml version="1.0" encoding="utf-8"?>
-<p:sld xmlns:a="http://schemas.openxmlformats.org/drawingml/2006/main" xmlns:r="http://schemas.openxmlformats.org/officeDocument/2006/relationships" xmlns:p="http://schemas.openxmlformats.org/presentationml/2006/main">
-  <p:cSld>
-    <p:spTree>
-      <p:nvGrpSpPr>
-        <p:cNvPr id="1" name=""/>
-        <p:cNvGrpSpPr/>
-        <p:nvPr/>
-      </p:nvGrpSpPr>
-      <p:grpSpPr>
-        <a:xfrm>
-          <a:off x="0" y="0"/>
-          <a:ext cx="0" cy="0"/>
-          <a:chOff x="0" y="0"/>
-          <a:chExt cx="0" cy="0"/>
-        </a:xfrm>
-      </p:grpSpPr>
-      <p:sp>
-        <p:nvSpPr>
-          <p:cNvPr id="2" name="Title 1"/>
-          <p:cNvSpPr>
-            <a:spLocks noGrp="1"/>
-          </p:cNvSpPr>
-          <p:nvPr>
-            <p:ph type="title"/>
-          </p:nvPr>
-        </p:nvSpPr>
-        <p:spPr/>
-        <p:txBody>
-          <a:bodyPr/>
-          <a:lstStyle/>
-          <a:p>
-            <a:r>
-              <a:rPr lang="en-US" dirty="0" smtClean="0"/>
               <a:t>Lesson Outline</a:t>
             </a:r>
             <a:endParaRPr lang="en-US" dirty="0"/>
@@ -48060,7 +44235,7 @@
               <a:pPr>
                 <a:defRPr/>
               </a:pPr>
-              <a:t>43</a:t>
+              <a:t>42</a:t>
             </a:fld>
             <a:endParaRPr lang="en-US" dirty="0">
               <a:solidFill>
@@ -48449,7 +44624,7 @@
           <a:graphicData uri="http://schemas.openxmlformats.org/presentationml/2006/ole">
             <mc:AlternateContent xmlns:mc="http://schemas.openxmlformats.org/markup-compatibility/2006">
               <mc:Choice xmlns:v="urn:schemas-microsoft-com:vml" Requires="v">
-                <p:oleObj spid="_x0000_s1048" name="Visio" r:id="rId3" imgW="6200902" imgH="2026055" progId="Visio.Drawing.11">
+                <p:oleObj spid="_x0000_s1049" name="Visio" r:id="rId3" imgW="6200902" imgH="2026055" progId="Visio.Drawing.11">
                   <p:embed/>
                 </p:oleObj>
               </mc:Choice>
